--- a/Lectures/Manipulating Data Pt. 1 (3).pptx
+++ b/Lectures/Manipulating Data Pt. 1 (3).pptx
@@ -22,23 +22,24 @@
     <p:sldId id="267" r:id="rId17"/>
     <p:sldId id="268" r:id="rId18"/>
     <p:sldId id="269" r:id="rId19"/>
+    <p:sldId id="270" r:id="rId20"/>
   </p:sldIdLst>
   <p:sldSz cy="6858000" cx="12192000"/>
   <p:notesSz cx="6858000" cy="9144000"/>
   <p:embeddedFontLst>
     <p:embeddedFont>
       <p:font typeface="Raleway"/>
-      <p:regular r:id="rId20"/>
-      <p:bold r:id="rId21"/>
-      <p:italic r:id="rId22"/>
-      <p:boldItalic r:id="rId23"/>
+      <p:regular r:id="rId21"/>
+      <p:bold r:id="rId22"/>
+      <p:italic r:id="rId23"/>
+      <p:boldItalic r:id="rId24"/>
     </p:embeddedFont>
     <p:embeddedFont>
       <p:font typeface="Lato"/>
-      <p:regular r:id="rId24"/>
-      <p:bold r:id="rId25"/>
-      <p:italic r:id="rId26"/>
-      <p:boldItalic r:id="rId27"/>
+      <p:regular r:id="rId25"/>
+      <p:bold r:id="rId26"/>
+      <p:italic r:id="rId27"/>
+      <p:boldItalic r:id="rId28"/>
     </p:embeddedFont>
   </p:embeddedFontLst>
   <p:defaultTextStyle>
@@ -1559,7 +1560,7 @@
       </p:grpSpPr>
       <p:sp>
         <p:nvSpPr>
-          <p:cNvPr id="168" name="Google Shape;168;g529af1dcad_4_0:notes"/>
+          <p:cNvPr id="168" name="Google Shape;168;g500896a7f1_1_104:notes"/>
           <p:cNvSpPr txBox="1"/>
           <p:nvPr>
             <p:ph idx="1" type="body"/>
@@ -1598,7 +1599,7 @@
       </p:sp>
       <p:sp>
         <p:nvSpPr>
-          <p:cNvPr id="169" name="Google Shape;169;g529af1dcad_4_0:notes"/>
+          <p:cNvPr id="169" name="Google Shape;169;g500896a7f1_1_104:notes"/>
           <p:cNvSpPr/>
           <p:nvPr>
             <p:ph idx="2" type="sldImg"/>
@@ -1658,7 +1659,7 @@
       </p:grpSpPr>
       <p:sp>
         <p:nvSpPr>
-          <p:cNvPr id="175" name="Google Shape;175;g500896a7f1_1_104:notes"/>
+          <p:cNvPr id="175" name="Google Shape;175;g500896a7f1_1_110:notes"/>
           <p:cNvSpPr txBox="1"/>
           <p:nvPr>
             <p:ph idx="1" type="body"/>
@@ -1697,7 +1698,7 @@
       </p:sp>
       <p:sp>
         <p:nvSpPr>
-          <p:cNvPr id="176" name="Google Shape;176;g500896a7f1_1_104:notes"/>
+          <p:cNvPr id="176" name="Google Shape;176;g500896a7f1_1_110:notes"/>
           <p:cNvSpPr/>
           <p:nvPr>
             <p:ph idx="2" type="sldImg"/>
@@ -1757,7 +1758,7 @@
       </p:grpSpPr>
       <p:sp>
         <p:nvSpPr>
-          <p:cNvPr id="182" name="Google Shape;182;g500896a7f1_1_110:notes"/>
+          <p:cNvPr id="182" name="Google Shape;182;g5d39b7d912_0_92:notes"/>
           <p:cNvSpPr txBox="1"/>
           <p:nvPr>
             <p:ph idx="1" type="body"/>
@@ -1788,15 +1789,24 @@
               <a:buNone/>
             </a:pPr>
             <a:r>
-              <a:t/>
-            </a:r>
-            <a:endParaRPr/>
+              <a:rPr lang="en-US">
+                <a:solidFill>
+                  <a:srgbClr val="000000"/>
+                </a:solidFill>
+              </a:rPr>
+              <a:t>A derived table is the result of a query that looks like a table.</a:t>
+            </a:r>
+            <a:endParaRPr>
+              <a:solidFill>
+                <a:srgbClr val="000000"/>
+              </a:solidFill>
+            </a:endParaRPr>
           </a:p>
         </p:txBody>
       </p:sp>
       <p:sp>
         <p:nvSpPr>
-          <p:cNvPr id="183" name="Google Shape;183;g500896a7f1_1_110:notes"/>
+          <p:cNvPr id="183" name="Google Shape;183;g5d39b7d912_0_92:notes"/>
           <p:cNvSpPr/>
           <p:nvPr>
             <p:ph idx="2" type="sldImg"/>
@@ -1842,7 +1852,7 @@
   <p:cSld>
     <p:spTree>
       <p:nvGrpSpPr>
-        <p:cNvPr id="188" name="Shape 188"/>
+        <p:cNvPr id="189" name="Shape 189"/>
         <p:cNvGrpSpPr/>
         <p:nvPr/>
       </p:nvGrpSpPr>
@@ -1856,7 +1866,7 @@
       </p:grpSpPr>
       <p:sp>
         <p:nvSpPr>
-          <p:cNvPr id="189" name="Google Shape;189;g4f24fce185_2_405:notes"/>
+          <p:cNvPr id="190" name="Google Shape;190;g5d39b7d912_0_99:notes"/>
           <p:cNvSpPr txBox="1"/>
           <p:nvPr>
             <p:ph idx="1" type="body"/>
@@ -1889,13 +1899,17 @@
             <a:r>
               <a:t/>
             </a:r>
-            <a:endParaRPr/>
+            <a:endParaRPr>
+              <a:solidFill>
+                <a:srgbClr val="000000"/>
+              </a:solidFill>
+            </a:endParaRPr>
           </a:p>
         </p:txBody>
       </p:sp>
       <p:sp>
         <p:nvSpPr>
-          <p:cNvPr id="190" name="Google Shape;190;g4f24fce185_2_405:notes"/>
+          <p:cNvPr id="191" name="Google Shape;191;g5d39b7d912_0_99:notes"/>
           <p:cNvSpPr/>
           <p:nvPr>
             <p:ph idx="2" type="sldImg"/>
@@ -1941,7 +1955,7 @@
   <p:cSld>
     <p:spTree>
       <p:nvGrpSpPr>
-        <p:cNvPr id="195" name="Shape 195"/>
+        <p:cNvPr id="196" name="Shape 196"/>
         <p:cNvGrpSpPr/>
         <p:nvPr/>
       </p:nvGrpSpPr>
@@ -1955,7 +1969,7 @@
       </p:grpSpPr>
       <p:sp>
         <p:nvSpPr>
-          <p:cNvPr id="196" name="Google Shape;196;g509d03fa30_2_6:notes"/>
+          <p:cNvPr id="197" name="Google Shape;197;g509d03fa30_2_6:notes"/>
           <p:cNvSpPr/>
           <p:nvPr>
             <p:ph idx="2" type="sldImg"/>
@@ -1990,7 +2004,7 @@
       </p:sp>
       <p:sp>
         <p:nvSpPr>
-          <p:cNvPr id="197" name="Google Shape;197;g509d03fa30_2_6:notes"/>
+          <p:cNvPr id="198" name="Google Shape;198;g509d03fa30_2_6:notes"/>
           <p:cNvSpPr txBox="1"/>
           <p:nvPr>
             <p:ph idx="1" type="body"/>
@@ -2029,7 +2043,150 @@
       </p:sp>
       <p:sp>
         <p:nvSpPr>
-          <p:cNvPr id="198" name="Google Shape;198;g509d03fa30_2_6:notes"/>
+          <p:cNvPr id="199" name="Google Shape;199;g509d03fa30_2_6:notes"/>
+          <p:cNvSpPr txBox="1"/>
+          <p:nvPr>
+            <p:ph idx="12" type="sldNum"/>
+          </p:nvPr>
+        </p:nvSpPr>
+        <p:spPr>
+          <a:xfrm>
+            <a:off x="3884613" y="8685213"/>
+            <a:ext cx="2971800" cy="458700"/>
+          </a:xfrm>
+          <a:prstGeom prst="rect">
+            <a:avLst/>
+          </a:prstGeom>
+        </p:spPr>
+        <p:txBody>
+          <a:bodyPr anchorCtr="0" anchor="b" bIns="45700" lIns="91425" spcFirstLastPara="1" rIns="91425" wrap="square" tIns="45700">
+            <a:noAutofit/>
+          </a:bodyPr>
+          <a:lstStyle/>
+          <a:p>
+            <a:pPr indent="0" lvl="0" marL="0" rtl="0" algn="r">
+              <a:spcBef>
+                <a:spcPts val="0"/>
+              </a:spcBef>
+              <a:spcAft>
+                <a:spcPts val="0"/>
+              </a:spcAft>
+              <a:buClr>
+                <a:srgbClr val="000000"/>
+              </a:buClr>
+              <a:buFont typeface="Arial"/>
+              <a:buNone/>
+            </a:pPr>
+            <a:fld id="{00000000-1234-1234-1234-123412341234}" type="slidenum">
+              <a:rPr lang="en-US"/>
+              <a:t>‹#›</a:t>
+            </a:fld>
+            <a:endParaRPr/>
+          </a:p>
+        </p:txBody>
+      </p:sp>
+    </p:spTree>
+  </p:cSld>
+  <p:clrMapOvr>
+    <a:masterClrMapping/>
+  </p:clrMapOvr>
+</p:notes>
+</file>
+
+<file path=ppt/notesSlides/notesSlide15.xml><?xml version="1.0" encoding="utf-8"?>
+<p:notes xmlns:a="http://schemas.openxmlformats.org/drawingml/2006/main" xmlns:r="http://schemas.openxmlformats.org/officeDocument/2006/relationships" xmlns:mc="http://schemas.openxmlformats.org/markup-compatibility/2006" xmlns:mv="urn:schemas-microsoft-com:mac:vml" xmlns:p="http://schemas.openxmlformats.org/presentationml/2006/main" xmlns:c="http://schemas.openxmlformats.org/drawingml/2006/chart" xmlns:dgm="http://schemas.openxmlformats.org/drawingml/2006/diagram" xmlns:o="urn:schemas-microsoft-com:office:office" xmlns:v="urn:schemas-microsoft-com:vml" xmlns:pvml="urn:schemas-microsoft-com:office:powerpoint" xmlns:com="http://schemas.openxmlformats.org/drawingml/2006/compatibility" xmlns:p14="http://schemas.microsoft.com/office/powerpoint/2010/main" xmlns:p15="http://schemas.microsoft.com/office/powerpoint/2012/main" showMasterPhAnim="0" showMasterSp="0">
+  <p:cSld>
+    <p:spTree>
+      <p:nvGrpSpPr>
+        <p:cNvPr id="205" name="Shape 205"/>
+        <p:cNvGrpSpPr/>
+        <p:nvPr/>
+      </p:nvGrpSpPr>
+      <p:grpSpPr>
+        <a:xfrm>
+          <a:off x="0" y="0"/>
+          <a:ext cx="0" cy="0"/>
+          <a:chOff x="0" y="0"/>
+          <a:chExt cx="0" cy="0"/>
+        </a:xfrm>
+      </p:grpSpPr>
+      <p:sp>
+        <p:nvSpPr>
+          <p:cNvPr id="206" name="Google Shape;206;g5d39b7d912_0_1:notes"/>
+          <p:cNvSpPr/>
+          <p:nvPr>
+            <p:ph idx="2" type="sldImg"/>
+          </p:nvPr>
+        </p:nvSpPr>
+        <p:spPr>
+          <a:xfrm>
+            <a:off x="685800" y="1143000"/>
+            <a:ext cx="5486400" cy="3086100"/>
+          </a:xfrm>
+          <a:custGeom>
+            <a:rect b="b" l="l" r="r" t="t"/>
+            <a:pathLst>
+              <a:path extrusionOk="0" h="120000" w="120000">
+                <a:moveTo>
+                  <a:pt x="0" y="0"/>
+                </a:moveTo>
+                <a:lnTo>
+                  <a:pt x="120000" y="0"/>
+                </a:lnTo>
+                <a:lnTo>
+                  <a:pt x="120000" y="120000"/>
+                </a:lnTo>
+                <a:lnTo>
+                  <a:pt x="0" y="120000"/>
+                </a:lnTo>
+                <a:close/>
+              </a:path>
+            </a:pathLst>
+          </a:custGeom>
+        </p:spPr>
+      </p:sp>
+      <p:sp>
+        <p:nvSpPr>
+          <p:cNvPr id="207" name="Google Shape;207;g5d39b7d912_0_1:notes"/>
+          <p:cNvSpPr txBox="1"/>
+          <p:nvPr>
+            <p:ph idx="1" type="body"/>
+          </p:nvPr>
+        </p:nvSpPr>
+        <p:spPr>
+          <a:xfrm>
+            <a:off x="685800" y="4400550"/>
+            <a:ext cx="5486400" cy="3600600"/>
+          </a:xfrm>
+          <a:prstGeom prst="rect">
+            <a:avLst/>
+          </a:prstGeom>
+        </p:spPr>
+        <p:txBody>
+          <a:bodyPr anchorCtr="0" anchor="t" bIns="45700" lIns="91425" spcFirstLastPara="1" rIns="91425" wrap="square" tIns="45700">
+            <a:noAutofit/>
+          </a:bodyPr>
+          <a:lstStyle/>
+          <a:p>
+            <a:pPr indent="0" lvl="0" marL="0" rtl="0" algn="l">
+              <a:spcBef>
+                <a:spcPts val="0"/>
+              </a:spcBef>
+              <a:spcAft>
+                <a:spcPts val="0"/>
+              </a:spcAft>
+              <a:buNone/>
+            </a:pPr>
+            <a:r>
+              <a:t/>
+            </a:r>
+            <a:endParaRPr/>
+          </a:p>
+        </p:txBody>
+      </p:sp>
+      <p:sp>
+        <p:nvSpPr>
+          <p:cNvPr id="208" name="Google Shape;208;g5d39b7d912_0_1:notes"/>
           <p:cNvSpPr txBox="1"/>
           <p:nvPr>
             <p:ph idx="12" type="sldNum"/>
@@ -2119,6 +2276,191 @@
           </a:bodyPr>
           <a:lstStyle/>
           <a:p>
+            <a:pPr indent="-292100" lvl="0" marL="457200" rtl="0" algn="l">
+              <a:lnSpc>
+                <a:spcPct val="157500"/>
+              </a:lnSpc>
+              <a:spcBef>
+                <a:spcPts val="300"/>
+              </a:spcBef>
+              <a:spcAft>
+                <a:spcPts val="0"/>
+              </a:spcAft>
+              <a:buSzPts val="1000"/>
+              <a:buFont typeface="Verdana"/>
+              <a:buAutoNum type="arabicPeriod"/>
+            </a:pPr>
+            <a:r>
+              <a:rPr lang="en-US" sz="1000">
+                <a:solidFill>
+                  <a:srgbClr val="000000"/>
+                </a:solidFill>
+                <a:latin typeface="Verdana"/>
+                <a:ea typeface="Verdana"/>
+                <a:cs typeface="Verdana"/>
+                <a:sym typeface="Verdana"/>
+              </a:rPr>
+              <a:t>SELECT column  </a:t>
+            </a:r>
+            <a:endParaRPr sz="1000">
+              <a:solidFill>
+                <a:srgbClr val="000000"/>
+              </a:solidFill>
+              <a:latin typeface="Verdana"/>
+              <a:ea typeface="Verdana"/>
+              <a:cs typeface="Verdana"/>
+              <a:sym typeface="Verdana"/>
+            </a:endParaRPr>
+          </a:p>
+          <a:p>
+            <a:pPr indent="-292100" lvl="0" marL="457200" rtl="0" algn="l">
+              <a:lnSpc>
+                <a:spcPct val="157500"/>
+              </a:lnSpc>
+              <a:spcBef>
+                <a:spcPts val="0"/>
+              </a:spcBef>
+              <a:spcAft>
+                <a:spcPts val="0"/>
+              </a:spcAft>
+              <a:buSzPts val="1000"/>
+              <a:buFont typeface="Verdana"/>
+              <a:buAutoNum type="arabicPeriod"/>
+            </a:pPr>
+            <a:r>
+              <a:rPr lang="en-US" sz="1000">
+                <a:solidFill>
+                  <a:srgbClr val="000000"/>
+                </a:solidFill>
+                <a:latin typeface="Verdana"/>
+                <a:ea typeface="Verdana"/>
+                <a:cs typeface="Verdana"/>
+                <a:sym typeface="Verdana"/>
+              </a:rPr>
+              <a:t>FROM table_name  </a:t>
+            </a:r>
+            <a:endParaRPr sz="1000">
+              <a:solidFill>
+                <a:srgbClr val="000000"/>
+              </a:solidFill>
+              <a:latin typeface="Verdana"/>
+              <a:ea typeface="Verdana"/>
+              <a:cs typeface="Verdana"/>
+              <a:sym typeface="Verdana"/>
+            </a:endParaRPr>
+          </a:p>
+          <a:p>
+            <a:pPr indent="-292100" lvl="0" marL="457200" rtl="0" algn="l">
+              <a:lnSpc>
+                <a:spcPct val="157500"/>
+              </a:lnSpc>
+              <a:spcBef>
+                <a:spcPts val="0"/>
+              </a:spcBef>
+              <a:spcAft>
+                <a:spcPts val="0"/>
+              </a:spcAft>
+              <a:buSzPts val="1000"/>
+              <a:buFont typeface="Verdana"/>
+              <a:buAutoNum type="arabicPeriod"/>
+            </a:pPr>
+            <a:r>
+              <a:rPr lang="en-US" sz="1000">
+                <a:solidFill>
+                  <a:srgbClr val="000000"/>
+                </a:solidFill>
+                <a:latin typeface="Verdana"/>
+                <a:ea typeface="Verdana"/>
+                <a:cs typeface="Verdana"/>
+                <a:sym typeface="Verdana"/>
+              </a:rPr>
+              <a:t>WHERE conditions   </a:t>
+            </a:r>
+            <a:endParaRPr sz="1000">
+              <a:solidFill>
+                <a:srgbClr val="000000"/>
+              </a:solidFill>
+              <a:latin typeface="Verdana"/>
+              <a:ea typeface="Verdana"/>
+              <a:cs typeface="Verdana"/>
+              <a:sym typeface="Verdana"/>
+            </a:endParaRPr>
+          </a:p>
+          <a:p>
+            <a:pPr indent="-292100" lvl="0" marL="457200" rtl="0" algn="l">
+              <a:lnSpc>
+                <a:spcPct val="157500"/>
+              </a:lnSpc>
+              <a:spcBef>
+                <a:spcPts val="0"/>
+              </a:spcBef>
+              <a:spcAft>
+                <a:spcPts val="0"/>
+              </a:spcAft>
+              <a:buSzPts val="1000"/>
+              <a:buFont typeface="Verdana"/>
+              <a:buAutoNum type="arabicPeriod"/>
+            </a:pPr>
+            <a:r>
+              <a:rPr lang="en-US" sz="1000">
+                <a:solidFill>
+                  <a:srgbClr val="000000"/>
+                </a:solidFill>
+                <a:latin typeface="Verdana"/>
+                <a:ea typeface="Verdana"/>
+                <a:cs typeface="Verdana"/>
+                <a:sym typeface="Verdana"/>
+              </a:rPr>
+              <a:t>GROUP BY column  </a:t>
+            </a:r>
+            <a:endParaRPr sz="1000">
+              <a:solidFill>
+                <a:srgbClr val="000000"/>
+              </a:solidFill>
+              <a:latin typeface="Verdana"/>
+              <a:ea typeface="Verdana"/>
+              <a:cs typeface="Verdana"/>
+              <a:sym typeface="Verdana"/>
+            </a:endParaRPr>
+          </a:p>
+          <a:p>
+            <a:pPr indent="-292100" lvl="0" marL="457200" rtl="0" algn="l">
+              <a:lnSpc>
+                <a:spcPct val="157500"/>
+              </a:lnSpc>
+              <a:spcBef>
+                <a:spcPts val="0"/>
+              </a:spcBef>
+              <a:spcAft>
+                <a:spcPts val="0"/>
+              </a:spcAft>
+              <a:buSzPts val="1000"/>
+              <a:buFont typeface="Verdana"/>
+              <a:buAutoNum type="arabicPeriod"/>
+            </a:pPr>
+            <a:r>
+              <a:rPr lang="en-US" sz="1000">
+                <a:solidFill>
+                  <a:srgbClr val="000000"/>
+                </a:solidFill>
+                <a:latin typeface="Verdana"/>
+                <a:ea typeface="Verdana"/>
+                <a:cs typeface="Verdana"/>
+                <a:sym typeface="Verdana"/>
+              </a:rPr>
+              <a:t>ORDER BY column  </a:t>
+            </a:r>
+            <a:endParaRPr sz="1000">
+              <a:solidFill>
+                <a:srgbClr val="000000"/>
+              </a:solidFill>
+              <a:latin typeface="Verdana"/>
+              <a:ea typeface="Verdana"/>
+              <a:cs typeface="Verdana"/>
+              <a:sym typeface="Verdana"/>
+            </a:endParaRPr>
+          </a:p>
+          <a:p>
             <a:pPr indent="0" lvl="0" marL="0" rtl="0" algn="l">
               <a:spcBef>
                 <a:spcPts val="0"/>
@@ -2132,49 +2474,6 @@
               <a:buFont typeface="Arial"/>
               <a:buNone/>
             </a:pPr>
-            <a:r>
-              <a:rPr lang="en-US"/>
-              <a:t>Feynman technique: Learn -&gt; Explain -&gt; Reflect -&gt; Repeat</a:t>
-            </a:r>
-            <a:endParaRPr/>
-          </a:p>
-          <a:p>
-            <a:pPr indent="0" lvl="0" marL="0" rtl="0" algn="l">
-              <a:spcBef>
-                <a:spcPts val="0"/>
-              </a:spcBef>
-              <a:spcAft>
-                <a:spcPts val="0"/>
-              </a:spcAft>
-              <a:buClr>
-                <a:srgbClr val="000000"/>
-              </a:buClr>
-              <a:buFont typeface="Arial"/>
-              <a:buNone/>
-            </a:pPr>
-            <a:r>
-              <a:t/>
-            </a:r>
-            <a:endParaRPr/>
-          </a:p>
-          <a:p>
-            <a:pPr indent="0" lvl="0" marL="0" rtl="0" algn="l">
-              <a:spcBef>
-                <a:spcPts val="0"/>
-              </a:spcBef>
-              <a:spcAft>
-                <a:spcPts val="0"/>
-              </a:spcAft>
-              <a:buClr>
-                <a:srgbClr val="000000"/>
-              </a:buClr>
-              <a:buFont typeface="Arial"/>
-              <a:buNone/>
-            </a:pPr>
-            <a:r>
-              <a:rPr lang="en-US"/>
-              <a:t>What are the most important ideas from last class?</a:t>
-            </a:r>
             <a:br>
               <a:rPr lang="en-US"/>
             </a:br>
@@ -10803,7 +11102,11 @@
             </a:pPr>
             <a:r>
               <a:rPr lang="en-US" sz="3600"/>
-              <a:t>Insert Values into Table from another Table</a:t>
+              <a:t>Update Existing</a:t>
+            </a:r>
+            <a:r>
+              <a:rPr lang="en-US" sz="3600"/>
+              <a:t> Values in Table</a:t>
             </a:r>
             <a:endParaRPr sz="3600"/>
           </a:p>
@@ -10812,1784 +11115,6 @@
       <p:sp>
         <p:nvSpPr>
           <p:cNvPr id="172" name="Google Shape;172;p23"/>
-          <p:cNvSpPr txBox="1"/>
-          <p:nvPr/>
-        </p:nvSpPr>
-        <p:spPr>
-          <a:xfrm>
-            <a:off x="1011600" y="1580100"/>
-            <a:ext cx="10453200" cy="3000000"/>
-          </a:xfrm>
-          <a:prstGeom prst="rect">
-            <a:avLst/>
-          </a:prstGeom>
-          <a:noFill/>
-          <a:ln>
-            <a:noFill/>
-          </a:ln>
-        </p:spPr>
-        <p:txBody>
-          <a:bodyPr anchorCtr="0" anchor="t" bIns="91425" lIns="91425" spcFirstLastPara="1" rIns="91425" wrap="square" tIns="91425">
-            <a:noAutofit/>
-          </a:bodyPr>
-          <a:lstStyle/>
-          <a:p>
-            <a:pPr indent="0" lvl="0" marL="0" rtl="0" algn="l">
-              <a:lnSpc>
-                <a:spcPct val="115000"/>
-              </a:lnSpc>
-              <a:spcBef>
-                <a:spcPts val="0"/>
-              </a:spcBef>
-              <a:spcAft>
-                <a:spcPts val="0"/>
-              </a:spcAft>
-              <a:buNone/>
-            </a:pPr>
-            <a:r>
-              <a:rPr lang="en-US" sz="2000">
-                <a:solidFill>
-                  <a:schemeClr val="accent1"/>
-                </a:solidFill>
-                <a:latin typeface="Lato"/>
-                <a:ea typeface="Lato"/>
-                <a:cs typeface="Lato"/>
-                <a:sym typeface="Lato"/>
-              </a:rPr>
-              <a:t>Purpose -  Store persistent values that allow for the Creation/Extraction of data</a:t>
-            </a:r>
-            <a:endParaRPr>
-              <a:solidFill>
-                <a:schemeClr val="accent1"/>
-              </a:solidFill>
-              <a:latin typeface="Lato"/>
-              <a:ea typeface="Lato"/>
-              <a:cs typeface="Lato"/>
-              <a:sym typeface="Lato"/>
-            </a:endParaRPr>
-          </a:p>
-          <a:p>
-            <a:pPr indent="0" lvl="0" marL="0" rtl="0" algn="l">
-              <a:lnSpc>
-                <a:spcPct val="115000"/>
-              </a:lnSpc>
-              <a:spcBef>
-                <a:spcPts val="0"/>
-              </a:spcBef>
-              <a:spcAft>
-                <a:spcPts val="0"/>
-              </a:spcAft>
-              <a:buNone/>
-            </a:pPr>
-            <a:r>
-              <a:t/>
-            </a:r>
-            <a:endParaRPr sz="2000">
-              <a:solidFill>
-                <a:schemeClr val="accent1"/>
-              </a:solidFill>
-              <a:latin typeface="Lato"/>
-              <a:ea typeface="Lato"/>
-              <a:cs typeface="Lato"/>
-              <a:sym typeface="Lato"/>
-            </a:endParaRPr>
-          </a:p>
-          <a:p>
-            <a:pPr indent="0" lvl="0" marL="0" rtl="0" algn="l">
-              <a:lnSpc>
-                <a:spcPct val="115000"/>
-              </a:lnSpc>
-              <a:spcBef>
-                <a:spcPts val="0"/>
-              </a:spcBef>
-              <a:spcAft>
-                <a:spcPts val="0"/>
-              </a:spcAft>
-              <a:buClr>
-                <a:srgbClr val="000000"/>
-              </a:buClr>
-              <a:buSzPts val="1100"/>
-              <a:buFont typeface="Arial"/>
-              <a:buNone/>
-            </a:pPr>
-            <a:r>
-              <a:rPr lang="en-US" u="sng">
-                <a:solidFill>
-                  <a:schemeClr val="accent1"/>
-                </a:solidFill>
-                <a:latin typeface="Lato"/>
-                <a:ea typeface="Lato"/>
-                <a:cs typeface="Lato"/>
-                <a:sym typeface="Lato"/>
-              </a:rPr>
-              <a:t>insert</a:t>
-            </a:r>
-            <a:r>
-              <a:rPr lang="en-US">
-                <a:solidFill>
-                  <a:schemeClr val="accent1"/>
-                </a:solidFill>
-                <a:latin typeface="Lato"/>
-                <a:ea typeface="Lato"/>
-                <a:cs typeface="Lato"/>
-                <a:sym typeface="Lato"/>
-              </a:rPr>
-              <a:t>  into </a:t>
-            </a:r>
-            <a:r>
-              <a:rPr lang="en-US" u="sng">
-                <a:solidFill>
-                  <a:schemeClr val="accent1"/>
-                </a:solidFill>
-                <a:latin typeface="Lato"/>
-                <a:ea typeface="Lato"/>
-                <a:cs typeface="Lato"/>
-                <a:sym typeface="Lato"/>
-              </a:rPr>
-              <a:t>classicmodels.customers </a:t>
-            </a:r>
-            <a:r>
-              <a:rPr lang="en-US">
-                <a:solidFill>
-                  <a:schemeClr val="accent1"/>
-                </a:solidFill>
-                <a:latin typeface="Lato"/>
-                <a:ea typeface="Lato"/>
-                <a:cs typeface="Lato"/>
-                <a:sym typeface="Lato"/>
-              </a:rPr>
-              <a:t>(`customerNumber`,`customerName`,`contactLastName`,`contactFirstName`,`phone`,`addressLine1`,`addressLine2`,`city`,`state`,`postalCode`,`country`,`salesRepEmployeeNumber`,`creditLimit`) </a:t>
-            </a:r>
-            <a:r>
-              <a:rPr lang="en-US">
-                <a:solidFill>
-                  <a:srgbClr val="6AA84F"/>
-                </a:solidFill>
-                <a:latin typeface="Lato"/>
-                <a:ea typeface="Lato"/>
-                <a:cs typeface="Lato"/>
-                <a:sym typeface="Lato"/>
-              </a:rPr>
-              <a:t>values </a:t>
-            </a:r>
-            <a:endParaRPr>
-              <a:solidFill>
-                <a:srgbClr val="6AA84F"/>
-              </a:solidFill>
-              <a:latin typeface="Lato"/>
-              <a:ea typeface="Lato"/>
-              <a:cs typeface="Lato"/>
-              <a:sym typeface="Lato"/>
-            </a:endParaRPr>
-          </a:p>
-          <a:p>
-            <a:pPr indent="0" lvl="0" marL="0" rtl="0" algn="l">
-              <a:lnSpc>
-                <a:spcPct val="115000"/>
-              </a:lnSpc>
-              <a:spcBef>
-                <a:spcPts val="0"/>
-              </a:spcBef>
-              <a:spcAft>
-                <a:spcPts val="0"/>
-              </a:spcAft>
-              <a:buClr>
-                <a:srgbClr val="000000"/>
-              </a:buClr>
-              <a:buSzPts val="1100"/>
-              <a:buFont typeface="Arial"/>
-              <a:buNone/>
-            </a:pPr>
-            <a:r>
-              <a:rPr lang="en-US">
-                <a:solidFill>
-                  <a:srgbClr val="6AA84F"/>
-                </a:solidFill>
-                <a:latin typeface="Lato"/>
-                <a:ea typeface="Lato"/>
-                <a:cs typeface="Lato"/>
-                <a:sym typeface="Lato"/>
-              </a:rPr>
-              <a:t>(delect distinct </a:t>
-            </a:r>
-            <a:r>
-              <a:rPr lang="en-US">
-                <a:solidFill>
-                  <a:schemeClr val="accent1"/>
-                </a:solidFill>
-                <a:latin typeface="Lato"/>
-                <a:ea typeface="Lato"/>
-                <a:cs typeface="Lato"/>
-                <a:sym typeface="Lato"/>
-              </a:rPr>
-              <a:t>`customerNumber`,`customerName`,`contactLastName`,`contactFirstName`,`phone`,`addressLine1`,`addressLine2`,`city`,`state`,`postalCode`,`country`,`salesRepEmployeeNumber`,`creditLimit`</a:t>
-            </a:r>
-            <a:endParaRPr>
-              <a:solidFill>
-                <a:schemeClr val="accent1"/>
-              </a:solidFill>
-              <a:latin typeface="Lato"/>
-              <a:ea typeface="Lato"/>
-              <a:cs typeface="Lato"/>
-              <a:sym typeface="Lato"/>
-            </a:endParaRPr>
-          </a:p>
-          <a:p>
-            <a:pPr indent="0" lvl="0" marL="0" rtl="0" algn="l">
-              <a:lnSpc>
-                <a:spcPct val="115000"/>
-              </a:lnSpc>
-              <a:spcBef>
-                <a:spcPts val="0"/>
-              </a:spcBef>
-              <a:spcAft>
-                <a:spcPts val="0"/>
-              </a:spcAft>
-              <a:buClr>
-                <a:srgbClr val="000000"/>
-              </a:buClr>
-              <a:buSzPts val="1100"/>
-              <a:buFont typeface="Arial"/>
-              <a:buNone/>
-            </a:pPr>
-            <a:r>
-              <a:rPr lang="en-US">
-                <a:solidFill>
-                  <a:schemeClr val="accent1"/>
-                </a:solidFill>
-                <a:latin typeface="Lato"/>
-                <a:ea typeface="Lato"/>
-                <a:cs typeface="Lato"/>
-                <a:sym typeface="Lato"/>
-              </a:rPr>
-              <a:t>from world_dump</a:t>
-            </a:r>
-            <a:endParaRPr>
-              <a:solidFill>
-                <a:schemeClr val="accent1"/>
-              </a:solidFill>
-              <a:latin typeface="Lato"/>
-              <a:ea typeface="Lato"/>
-              <a:cs typeface="Lato"/>
-              <a:sym typeface="Lato"/>
-            </a:endParaRPr>
-          </a:p>
-          <a:p>
-            <a:pPr indent="0" lvl="0" marL="0" rtl="0" algn="l">
-              <a:lnSpc>
-                <a:spcPct val="115000"/>
-              </a:lnSpc>
-              <a:spcBef>
-                <a:spcPts val="0"/>
-              </a:spcBef>
-              <a:spcAft>
-                <a:spcPts val="0"/>
-              </a:spcAft>
-              <a:buNone/>
-            </a:pPr>
-            <a:r>
-              <a:rPr lang="en-US" sz="2000" u="sng">
-                <a:solidFill>
-                  <a:schemeClr val="accent1"/>
-                </a:solidFill>
-                <a:latin typeface="Lato"/>
-                <a:ea typeface="Lato"/>
-                <a:cs typeface="Lato"/>
-                <a:sym typeface="Lato"/>
-              </a:rPr>
-              <a:t>Result</a:t>
-            </a:r>
-            <a:r>
-              <a:rPr lang="en-US" sz="2000">
-                <a:solidFill>
-                  <a:schemeClr val="accent1"/>
-                </a:solidFill>
-                <a:latin typeface="Lato"/>
-                <a:ea typeface="Lato"/>
-                <a:cs typeface="Lato"/>
-                <a:sym typeface="Lato"/>
-              </a:rPr>
-              <a:t>:  Select * from customers</a:t>
-            </a:r>
-            <a:endParaRPr sz="2000">
-              <a:solidFill>
-                <a:schemeClr val="accent1"/>
-              </a:solidFill>
-              <a:latin typeface="Lato"/>
-              <a:ea typeface="Lato"/>
-              <a:cs typeface="Lato"/>
-              <a:sym typeface="Lato"/>
-            </a:endParaRPr>
-          </a:p>
-          <a:p>
-            <a:pPr indent="0" lvl="0" marL="0" rtl="0" algn="l">
-              <a:lnSpc>
-                <a:spcPct val="115000"/>
-              </a:lnSpc>
-              <a:spcBef>
-                <a:spcPts val="0"/>
-              </a:spcBef>
-              <a:spcAft>
-                <a:spcPts val="0"/>
-              </a:spcAft>
-              <a:buNone/>
-            </a:pPr>
-            <a:r>
-              <a:t/>
-            </a:r>
-            <a:endParaRPr sz="2000">
-              <a:solidFill>
-                <a:schemeClr val="accent1"/>
-              </a:solidFill>
-              <a:latin typeface="Lato"/>
-              <a:ea typeface="Lato"/>
-              <a:cs typeface="Lato"/>
-              <a:sym typeface="Lato"/>
-            </a:endParaRPr>
-          </a:p>
-          <a:p>
-            <a:pPr indent="0" lvl="0" marL="0" rtl="0" algn="l">
-              <a:lnSpc>
-                <a:spcPct val="115000"/>
-              </a:lnSpc>
-              <a:spcBef>
-                <a:spcPts val="0"/>
-              </a:spcBef>
-              <a:spcAft>
-                <a:spcPts val="0"/>
-              </a:spcAft>
-              <a:buNone/>
-            </a:pPr>
-            <a:r>
-              <a:t/>
-            </a:r>
-            <a:endParaRPr sz="2000">
-              <a:solidFill>
-                <a:schemeClr val="accent1"/>
-              </a:solidFill>
-              <a:latin typeface="Lato"/>
-              <a:ea typeface="Lato"/>
-              <a:cs typeface="Lato"/>
-              <a:sym typeface="Lato"/>
-            </a:endParaRPr>
-          </a:p>
-          <a:p>
-            <a:pPr indent="0" lvl="0" marL="0" rtl="0" algn="l">
-              <a:lnSpc>
-                <a:spcPct val="115000"/>
-              </a:lnSpc>
-              <a:spcBef>
-                <a:spcPts val="0"/>
-              </a:spcBef>
-              <a:spcAft>
-                <a:spcPts val="0"/>
-              </a:spcAft>
-              <a:buNone/>
-            </a:pPr>
-            <a:r>
-              <a:t/>
-            </a:r>
-            <a:endParaRPr sz="2000">
-              <a:solidFill>
-                <a:schemeClr val="accent1"/>
-              </a:solidFill>
-              <a:latin typeface="Lato"/>
-              <a:ea typeface="Lato"/>
-              <a:cs typeface="Lato"/>
-              <a:sym typeface="Lato"/>
-            </a:endParaRPr>
-          </a:p>
-          <a:p>
-            <a:pPr indent="0" lvl="0" marL="0" rtl="0" algn="l">
-              <a:lnSpc>
-                <a:spcPct val="115000"/>
-              </a:lnSpc>
-              <a:spcBef>
-                <a:spcPts val="0"/>
-              </a:spcBef>
-              <a:spcAft>
-                <a:spcPts val="0"/>
-              </a:spcAft>
-              <a:buNone/>
-            </a:pPr>
-            <a:r>
-              <a:t/>
-            </a:r>
-            <a:endParaRPr sz="2000">
-              <a:solidFill>
-                <a:schemeClr val="accent1"/>
-              </a:solidFill>
-              <a:latin typeface="Lato"/>
-              <a:ea typeface="Lato"/>
-              <a:cs typeface="Lato"/>
-              <a:sym typeface="Lato"/>
-            </a:endParaRPr>
-          </a:p>
-        </p:txBody>
-      </p:sp>
-      <p:graphicFrame>
-        <p:nvGraphicFramePr>
-          <p:cNvPr id="173" name="Google Shape;173;p23"/>
-          <p:cNvGraphicFramePr/>
-          <p:nvPr/>
-        </p:nvGraphicFramePr>
-        <p:xfrm>
-          <a:off x="79900" y="4470575"/>
-          <a:ext cx="3000000" cy="3000000"/>
-        </p:xfrm>
-        <a:graphic>
-          <a:graphicData uri="http://schemas.openxmlformats.org/drawingml/2006/table">
-            <a:tbl>
-              <a:tblPr>
-                <a:noFill/>
-                <a:tableStyleId>{0C2D6E71-2DAC-426C-8502-CEE6033F9AAC}</a:tableStyleId>
-              </a:tblPr>
-              <a:tblGrid>
-                <a:gridCol w="931700"/>
-                <a:gridCol w="931700"/>
-                <a:gridCol w="931700"/>
-                <a:gridCol w="931700"/>
-                <a:gridCol w="931700"/>
-                <a:gridCol w="931700"/>
-                <a:gridCol w="931700"/>
-                <a:gridCol w="931700"/>
-                <a:gridCol w="931700"/>
-                <a:gridCol w="931700"/>
-                <a:gridCol w="931700"/>
-                <a:gridCol w="931700"/>
-                <a:gridCol w="931700"/>
-              </a:tblGrid>
-              <a:tr h="381000">
-                <a:tc>
-                  <a:txBody>
-                    <a:bodyPr/>
-                    <a:lstStyle/>
-                    <a:p>
-                      <a:pPr indent="0" lvl="0" marL="0" rtl="0" algn="l">
-                        <a:spcBef>
-                          <a:spcPts val="0"/>
-                        </a:spcBef>
-                        <a:spcAft>
-                          <a:spcPts val="0"/>
-                        </a:spcAft>
-                        <a:buNone/>
-                      </a:pPr>
-                      <a:r>
-                        <a:rPr lang="en-US">
-                          <a:highlight>
-                            <a:srgbClr val="CFE2F3"/>
-                          </a:highlight>
-                        </a:rPr>
-                        <a:t>customerNumber</a:t>
-                      </a:r>
-                      <a:endParaRPr>
-                        <a:highlight>
-                          <a:srgbClr val="CFE2F3"/>
-                        </a:highlight>
-                      </a:endParaRPr>
-                    </a:p>
-                  </a:txBody>
-                  <a:tcPr marT="91425" marB="91425" marR="91425" marL="91425"/>
-                </a:tc>
-                <a:tc>
-                  <a:txBody>
-                    <a:bodyPr/>
-                    <a:lstStyle/>
-                    <a:p>
-                      <a:pPr indent="0" lvl="0" marL="0" rtl="0" algn="l">
-                        <a:spcBef>
-                          <a:spcPts val="0"/>
-                        </a:spcBef>
-                        <a:spcAft>
-                          <a:spcPts val="0"/>
-                        </a:spcAft>
-                        <a:buNone/>
-                      </a:pPr>
-                      <a:r>
-                        <a:rPr lang="en-US">
-                          <a:highlight>
-                            <a:srgbClr val="CFE2F3"/>
-                          </a:highlight>
-                        </a:rPr>
-                        <a:t>customerName</a:t>
-                      </a:r>
-                      <a:endParaRPr>
-                        <a:highlight>
-                          <a:srgbClr val="CFE2F3"/>
-                        </a:highlight>
-                      </a:endParaRPr>
-                    </a:p>
-                  </a:txBody>
-                  <a:tcPr marT="91425" marB="91425" marR="91425" marL="91425"/>
-                </a:tc>
-                <a:tc>
-                  <a:txBody>
-                    <a:bodyPr/>
-                    <a:lstStyle/>
-                    <a:p>
-                      <a:pPr indent="0" lvl="0" marL="0" rtl="0" algn="l">
-                        <a:spcBef>
-                          <a:spcPts val="0"/>
-                        </a:spcBef>
-                        <a:spcAft>
-                          <a:spcPts val="0"/>
-                        </a:spcAft>
-                        <a:buNone/>
-                      </a:pPr>
-                      <a:r>
-                        <a:rPr lang="en-US">
-                          <a:highlight>
-                            <a:srgbClr val="CFE2F3"/>
-                          </a:highlight>
-                        </a:rPr>
-                        <a:t>contactLastName</a:t>
-                      </a:r>
-                      <a:endParaRPr>
-                        <a:highlight>
-                          <a:srgbClr val="CFE2F3"/>
-                        </a:highlight>
-                      </a:endParaRPr>
-                    </a:p>
-                  </a:txBody>
-                  <a:tcPr marT="91425" marB="91425" marR="91425" marL="91425"/>
-                </a:tc>
-                <a:tc>
-                  <a:txBody>
-                    <a:bodyPr/>
-                    <a:lstStyle/>
-                    <a:p>
-                      <a:pPr indent="0" lvl="0" marL="0" rtl="0" algn="l">
-                        <a:spcBef>
-                          <a:spcPts val="0"/>
-                        </a:spcBef>
-                        <a:spcAft>
-                          <a:spcPts val="0"/>
-                        </a:spcAft>
-                        <a:buNone/>
-                      </a:pPr>
-                      <a:r>
-                        <a:rPr lang="en-US">
-                          <a:highlight>
-                            <a:srgbClr val="CFE2F3"/>
-                          </a:highlight>
-                        </a:rPr>
-                        <a:t>contactFirstName</a:t>
-                      </a:r>
-                      <a:endParaRPr>
-                        <a:highlight>
-                          <a:srgbClr val="CFE2F3"/>
-                        </a:highlight>
-                      </a:endParaRPr>
-                    </a:p>
-                  </a:txBody>
-                  <a:tcPr marT="91425" marB="91425" marR="91425" marL="91425"/>
-                </a:tc>
-                <a:tc>
-                  <a:txBody>
-                    <a:bodyPr/>
-                    <a:lstStyle/>
-                    <a:p>
-                      <a:pPr indent="0" lvl="0" marL="0" rtl="0" algn="l">
-                        <a:spcBef>
-                          <a:spcPts val="0"/>
-                        </a:spcBef>
-                        <a:spcAft>
-                          <a:spcPts val="0"/>
-                        </a:spcAft>
-                        <a:buNone/>
-                      </a:pPr>
-                      <a:r>
-                        <a:rPr lang="en-US">
-                          <a:highlight>
-                            <a:srgbClr val="CFE2F3"/>
-                          </a:highlight>
-                        </a:rPr>
-                        <a:t>phone</a:t>
-                      </a:r>
-                      <a:endParaRPr>
-                        <a:highlight>
-                          <a:srgbClr val="CFE2F3"/>
-                        </a:highlight>
-                      </a:endParaRPr>
-                    </a:p>
-                  </a:txBody>
-                  <a:tcPr marT="91425" marB="91425" marR="91425" marL="91425"/>
-                </a:tc>
-                <a:tc>
-                  <a:txBody>
-                    <a:bodyPr/>
-                    <a:lstStyle/>
-                    <a:p>
-                      <a:pPr indent="0" lvl="0" marL="0" rtl="0" algn="l">
-                        <a:spcBef>
-                          <a:spcPts val="0"/>
-                        </a:spcBef>
-                        <a:spcAft>
-                          <a:spcPts val="0"/>
-                        </a:spcAft>
-                        <a:buNone/>
-                      </a:pPr>
-                      <a:r>
-                        <a:rPr lang="en-US">
-                          <a:highlight>
-                            <a:srgbClr val="CFE2F3"/>
-                          </a:highlight>
-                        </a:rPr>
-                        <a:t>addressLine1</a:t>
-                      </a:r>
-                      <a:endParaRPr>
-                        <a:highlight>
-                          <a:srgbClr val="CFE2F3"/>
-                        </a:highlight>
-                      </a:endParaRPr>
-                    </a:p>
-                  </a:txBody>
-                  <a:tcPr marT="91425" marB="91425" marR="91425" marL="91425"/>
-                </a:tc>
-                <a:tc>
-                  <a:txBody>
-                    <a:bodyPr/>
-                    <a:lstStyle/>
-                    <a:p>
-                      <a:pPr indent="0" lvl="0" marL="0" rtl="0" algn="l">
-                        <a:spcBef>
-                          <a:spcPts val="0"/>
-                        </a:spcBef>
-                        <a:spcAft>
-                          <a:spcPts val="0"/>
-                        </a:spcAft>
-                        <a:buNone/>
-                      </a:pPr>
-                      <a:r>
-                        <a:rPr lang="en-US">
-                          <a:highlight>
-                            <a:srgbClr val="CFE2F3"/>
-                          </a:highlight>
-                        </a:rPr>
-                        <a:t>addressLine2</a:t>
-                      </a:r>
-                      <a:endParaRPr>
-                        <a:highlight>
-                          <a:srgbClr val="CFE2F3"/>
-                        </a:highlight>
-                      </a:endParaRPr>
-                    </a:p>
-                  </a:txBody>
-                  <a:tcPr marT="91425" marB="91425" marR="91425" marL="91425"/>
-                </a:tc>
-                <a:tc>
-                  <a:txBody>
-                    <a:bodyPr/>
-                    <a:lstStyle/>
-                    <a:p>
-                      <a:pPr indent="0" lvl="0" marL="0" rtl="0" algn="l">
-                        <a:spcBef>
-                          <a:spcPts val="0"/>
-                        </a:spcBef>
-                        <a:spcAft>
-                          <a:spcPts val="0"/>
-                        </a:spcAft>
-                        <a:buNone/>
-                      </a:pPr>
-                      <a:r>
-                        <a:rPr lang="en-US">
-                          <a:highlight>
-                            <a:srgbClr val="CFE2F3"/>
-                          </a:highlight>
-                        </a:rPr>
-                        <a:t>city</a:t>
-                      </a:r>
-                      <a:endParaRPr>
-                        <a:highlight>
-                          <a:srgbClr val="CFE2F3"/>
-                        </a:highlight>
-                      </a:endParaRPr>
-                    </a:p>
-                  </a:txBody>
-                  <a:tcPr marT="91425" marB="91425" marR="91425" marL="91425"/>
-                </a:tc>
-                <a:tc>
-                  <a:txBody>
-                    <a:bodyPr/>
-                    <a:lstStyle/>
-                    <a:p>
-                      <a:pPr indent="0" lvl="0" marL="0" rtl="0" algn="l">
-                        <a:spcBef>
-                          <a:spcPts val="0"/>
-                        </a:spcBef>
-                        <a:spcAft>
-                          <a:spcPts val="0"/>
-                        </a:spcAft>
-                        <a:buNone/>
-                      </a:pPr>
-                      <a:r>
-                        <a:rPr lang="en-US">
-                          <a:highlight>
-                            <a:srgbClr val="CFE2F3"/>
-                          </a:highlight>
-                        </a:rPr>
-                        <a:t>state</a:t>
-                      </a:r>
-                      <a:endParaRPr>
-                        <a:highlight>
-                          <a:srgbClr val="CFE2F3"/>
-                        </a:highlight>
-                      </a:endParaRPr>
-                    </a:p>
-                  </a:txBody>
-                  <a:tcPr marT="91425" marB="91425" marR="91425" marL="91425"/>
-                </a:tc>
-                <a:tc>
-                  <a:txBody>
-                    <a:bodyPr/>
-                    <a:lstStyle/>
-                    <a:p>
-                      <a:pPr indent="0" lvl="0" marL="0" rtl="0" algn="l">
-                        <a:spcBef>
-                          <a:spcPts val="0"/>
-                        </a:spcBef>
-                        <a:spcAft>
-                          <a:spcPts val="0"/>
-                        </a:spcAft>
-                        <a:buNone/>
-                      </a:pPr>
-                      <a:r>
-                        <a:rPr lang="en-US">
-                          <a:highlight>
-                            <a:srgbClr val="CFE2F3"/>
-                          </a:highlight>
-                        </a:rPr>
-                        <a:t>postalCode</a:t>
-                      </a:r>
-                      <a:endParaRPr>
-                        <a:highlight>
-                          <a:srgbClr val="CFE2F3"/>
-                        </a:highlight>
-                      </a:endParaRPr>
-                    </a:p>
-                  </a:txBody>
-                  <a:tcPr marT="91425" marB="91425" marR="91425" marL="91425"/>
-                </a:tc>
-                <a:tc>
-                  <a:txBody>
-                    <a:bodyPr/>
-                    <a:lstStyle/>
-                    <a:p>
-                      <a:pPr indent="0" lvl="0" marL="0" rtl="0" algn="l">
-                        <a:spcBef>
-                          <a:spcPts val="0"/>
-                        </a:spcBef>
-                        <a:spcAft>
-                          <a:spcPts val="0"/>
-                        </a:spcAft>
-                        <a:buNone/>
-                      </a:pPr>
-                      <a:r>
-                        <a:rPr lang="en-US">
-                          <a:highlight>
-                            <a:srgbClr val="CFE2F3"/>
-                          </a:highlight>
-                        </a:rPr>
-                        <a:t>country</a:t>
-                      </a:r>
-                      <a:endParaRPr>
-                        <a:highlight>
-                          <a:srgbClr val="CFE2F3"/>
-                        </a:highlight>
-                      </a:endParaRPr>
-                    </a:p>
-                  </a:txBody>
-                  <a:tcPr marT="91425" marB="91425" marR="91425" marL="91425"/>
-                </a:tc>
-                <a:tc>
-                  <a:txBody>
-                    <a:bodyPr/>
-                    <a:lstStyle/>
-                    <a:p>
-                      <a:pPr indent="0" lvl="0" marL="0" rtl="0" algn="l">
-                        <a:spcBef>
-                          <a:spcPts val="0"/>
-                        </a:spcBef>
-                        <a:spcAft>
-                          <a:spcPts val="0"/>
-                        </a:spcAft>
-                        <a:buNone/>
-                      </a:pPr>
-                      <a:r>
-                        <a:rPr lang="en-US">
-                          <a:highlight>
-                            <a:srgbClr val="CFE2F3"/>
-                          </a:highlight>
-                        </a:rPr>
-                        <a:t>salesRepEmployeeNumber</a:t>
-                      </a:r>
-                      <a:endParaRPr>
-                        <a:highlight>
-                          <a:srgbClr val="CFE2F3"/>
-                        </a:highlight>
-                      </a:endParaRPr>
-                    </a:p>
-                  </a:txBody>
-                  <a:tcPr marT="91425" marB="91425" marR="91425" marL="91425"/>
-                </a:tc>
-                <a:tc>
-                  <a:txBody>
-                    <a:bodyPr/>
-                    <a:lstStyle/>
-                    <a:p>
-                      <a:pPr indent="0" lvl="0" marL="0" rtl="0" algn="l">
-                        <a:spcBef>
-                          <a:spcPts val="0"/>
-                        </a:spcBef>
-                        <a:spcAft>
-                          <a:spcPts val="0"/>
-                        </a:spcAft>
-                        <a:buNone/>
-                      </a:pPr>
-                      <a:r>
-                        <a:rPr lang="en-US">
-                          <a:highlight>
-                            <a:srgbClr val="CFE2F3"/>
-                          </a:highlight>
-                        </a:rPr>
-                        <a:t>creditLimit</a:t>
-                      </a:r>
-                      <a:endParaRPr>
-                        <a:highlight>
-                          <a:srgbClr val="CFE2F3"/>
-                        </a:highlight>
-                      </a:endParaRPr>
-                    </a:p>
-                  </a:txBody>
-                  <a:tcPr marT="91425" marB="91425" marR="91425" marL="91425"/>
-                </a:tc>
-              </a:tr>
-              <a:tr h="381000">
-                <a:tc>
-                  <a:txBody>
-                    <a:bodyPr/>
-                    <a:lstStyle/>
-                    <a:p>
-                      <a:pPr indent="0" lvl="0" marL="0" rtl="0" algn="r">
-                        <a:lnSpc>
-                          <a:spcPct val="115000"/>
-                        </a:lnSpc>
-                        <a:spcBef>
-                          <a:spcPts val="0"/>
-                        </a:spcBef>
-                        <a:spcAft>
-                          <a:spcPts val="0"/>
-                        </a:spcAft>
-                        <a:buNone/>
-                      </a:pPr>
-                      <a:r>
-                        <a:rPr b="1" lang="en-US">
-                          <a:solidFill>
-                            <a:srgbClr val="6AA84F"/>
-                          </a:solidFill>
-                        </a:rPr>
-                        <a:t>103</a:t>
-                      </a:r>
-                      <a:endParaRPr b="1">
-                        <a:solidFill>
-                          <a:srgbClr val="6AA84F"/>
-                        </a:solidFill>
-                      </a:endParaRPr>
-                    </a:p>
-                  </a:txBody>
-                  <a:tcPr marT="91425" marB="91425" marR="91425" marL="91425"/>
-                </a:tc>
-                <a:tc>
-                  <a:txBody>
-                    <a:bodyPr/>
-                    <a:lstStyle/>
-                    <a:p>
-                      <a:pPr indent="0" lvl="0" marL="0" rtl="0" algn="l">
-                        <a:spcBef>
-                          <a:spcPts val="0"/>
-                        </a:spcBef>
-                        <a:spcAft>
-                          <a:spcPts val="0"/>
-                        </a:spcAft>
-                        <a:buNone/>
-                      </a:pPr>
-                      <a:r>
-                        <a:rPr b="1" lang="en-US">
-                          <a:solidFill>
-                            <a:srgbClr val="6AA84F"/>
-                          </a:solidFill>
-                        </a:rPr>
-                        <a:t>Atelier graphique</a:t>
-                      </a:r>
-                      <a:endParaRPr b="1">
-                        <a:solidFill>
-                          <a:srgbClr val="6AA84F"/>
-                        </a:solidFill>
-                      </a:endParaRPr>
-                    </a:p>
-                  </a:txBody>
-                  <a:tcPr marT="91425" marB="91425" marR="91425" marL="91425"/>
-                </a:tc>
-                <a:tc>
-                  <a:txBody>
-                    <a:bodyPr/>
-                    <a:lstStyle/>
-                    <a:p>
-                      <a:pPr indent="0" lvl="0" marL="0" rtl="0" algn="l">
-                        <a:spcBef>
-                          <a:spcPts val="0"/>
-                        </a:spcBef>
-                        <a:spcAft>
-                          <a:spcPts val="0"/>
-                        </a:spcAft>
-                        <a:buNone/>
-                      </a:pPr>
-                      <a:r>
-                        <a:rPr b="1" lang="en-US">
-                          <a:solidFill>
-                            <a:srgbClr val="6AA84F"/>
-                          </a:solidFill>
-                        </a:rPr>
-                        <a:t>Schmitt</a:t>
-                      </a:r>
-                      <a:endParaRPr b="1">
-                        <a:solidFill>
-                          <a:srgbClr val="6AA84F"/>
-                        </a:solidFill>
-                      </a:endParaRPr>
-                    </a:p>
-                  </a:txBody>
-                  <a:tcPr marT="91425" marB="91425" marR="91425" marL="91425"/>
-                </a:tc>
-                <a:tc>
-                  <a:txBody>
-                    <a:bodyPr/>
-                    <a:lstStyle/>
-                    <a:p>
-                      <a:pPr indent="0" lvl="0" marL="0" rtl="0" algn="l">
-                        <a:spcBef>
-                          <a:spcPts val="0"/>
-                        </a:spcBef>
-                        <a:spcAft>
-                          <a:spcPts val="0"/>
-                        </a:spcAft>
-                        <a:buNone/>
-                      </a:pPr>
-                      <a:r>
-                        <a:rPr b="1" lang="en-US">
-                          <a:solidFill>
-                            <a:srgbClr val="6AA84F"/>
-                          </a:solidFill>
-                        </a:rPr>
-                        <a:t>Carine </a:t>
-                      </a:r>
-                      <a:endParaRPr b="1">
-                        <a:solidFill>
-                          <a:srgbClr val="6AA84F"/>
-                        </a:solidFill>
-                      </a:endParaRPr>
-                    </a:p>
-                  </a:txBody>
-                  <a:tcPr marT="91425" marB="91425" marR="91425" marL="91425"/>
-                </a:tc>
-                <a:tc>
-                  <a:txBody>
-                    <a:bodyPr/>
-                    <a:lstStyle/>
-                    <a:p>
-                      <a:pPr indent="0" lvl="0" marL="0" rtl="0" algn="l">
-                        <a:spcBef>
-                          <a:spcPts val="0"/>
-                        </a:spcBef>
-                        <a:spcAft>
-                          <a:spcPts val="0"/>
-                        </a:spcAft>
-                        <a:buNone/>
-                      </a:pPr>
-                      <a:r>
-                        <a:rPr b="1" lang="en-US">
-                          <a:solidFill>
-                            <a:srgbClr val="6AA84F"/>
-                          </a:solidFill>
-                        </a:rPr>
-                        <a:t>40.32.2555</a:t>
-                      </a:r>
-                      <a:endParaRPr b="1">
-                        <a:solidFill>
-                          <a:srgbClr val="6AA84F"/>
-                        </a:solidFill>
-                      </a:endParaRPr>
-                    </a:p>
-                  </a:txBody>
-                  <a:tcPr marT="91425" marB="91425" marR="91425" marL="91425"/>
-                </a:tc>
-                <a:tc>
-                  <a:txBody>
-                    <a:bodyPr/>
-                    <a:lstStyle/>
-                    <a:p>
-                      <a:pPr indent="0" lvl="0" marL="0" rtl="0" algn="l">
-                        <a:spcBef>
-                          <a:spcPts val="0"/>
-                        </a:spcBef>
-                        <a:spcAft>
-                          <a:spcPts val="0"/>
-                        </a:spcAft>
-                        <a:buNone/>
-                      </a:pPr>
-                      <a:r>
-                        <a:rPr b="1" lang="en-US">
-                          <a:solidFill>
-                            <a:srgbClr val="6AA84F"/>
-                          </a:solidFill>
-                        </a:rPr>
-                        <a:t>54, rue Royale</a:t>
-                      </a:r>
-                      <a:endParaRPr b="1">
-                        <a:solidFill>
-                          <a:srgbClr val="6AA84F"/>
-                        </a:solidFill>
-                      </a:endParaRPr>
-                    </a:p>
-                  </a:txBody>
-                  <a:tcPr marT="91425" marB="91425" marR="91425" marL="91425"/>
-                </a:tc>
-                <a:tc>
-                  <a:txBody>
-                    <a:bodyPr/>
-                    <a:lstStyle/>
-                    <a:p>
-                      <a:pPr indent="0" lvl="0" marL="0" rtl="0" algn="l">
-                        <a:spcBef>
-                          <a:spcPts val="0"/>
-                        </a:spcBef>
-                        <a:spcAft>
-                          <a:spcPts val="0"/>
-                        </a:spcAft>
-                        <a:buNone/>
-                      </a:pPr>
-                      <a:r>
-                        <a:rPr b="1" lang="en-US">
-                          <a:solidFill>
-                            <a:srgbClr val="6AA84F"/>
-                          </a:solidFill>
-                        </a:rPr>
-                        <a:t>NULL</a:t>
-                      </a:r>
-                      <a:endParaRPr b="1">
-                        <a:solidFill>
-                          <a:srgbClr val="6AA84F"/>
-                        </a:solidFill>
-                      </a:endParaRPr>
-                    </a:p>
-                  </a:txBody>
-                  <a:tcPr marT="91425" marB="91425" marR="91425" marL="91425"/>
-                </a:tc>
-                <a:tc>
-                  <a:txBody>
-                    <a:bodyPr/>
-                    <a:lstStyle/>
-                    <a:p>
-                      <a:pPr indent="0" lvl="0" marL="0" rtl="0" algn="l">
-                        <a:spcBef>
-                          <a:spcPts val="0"/>
-                        </a:spcBef>
-                        <a:spcAft>
-                          <a:spcPts val="0"/>
-                        </a:spcAft>
-                        <a:buNone/>
-                      </a:pPr>
-                      <a:r>
-                        <a:rPr b="1" lang="en-US">
-                          <a:solidFill>
-                            <a:srgbClr val="6AA84F"/>
-                          </a:solidFill>
-                        </a:rPr>
-                        <a:t>Nantes</a:t>
-                      </a:r>
-                      <a:endParaRPr b="1">
-                        <a:solidFill>
-                          <a:srgbClr val="6AA84F"/>
-                        </a:solidFill>
-                      </a:endParaRPr>
-                    </a:p>
-                  </a:txBody>
-                  <a:tcPr marT="91425" marB="91425" marR="91425" marL="91425"/>
-                </a:tc>
-                <a:tc>
-                  <a:txBody>
-                    <a:bodyPr/>
-                    <a:lstStyle/>
-                    <a:p>
-                      <a:pPr indent="0" lvl="0" marL="0" rtl="0" algn="l">
-                        <a:spcBef>
-                          <a:spcPts val="0"/>
-                        </a:spcBef>
-                        <a:spcAft>
-                          <a:spcPts val="0"/>
-                        </a:spcAft>
-                        <a:buNone/>
-                      </a:pPr>
-                      <a:r>
-                        <a:rPr b="1" lang="en-US">
-                          <a:solidFill>
-                            <a:srgbClr val="6AA84F"/>
-                          </a:solidFill>
-                        </a:rPr>
-                        <a:t>NULL</a:t>
-                      </a:r>
-                      <a:endParaRPr b="1">
-                        <a:solidFill>
-                          <a:srgbClr val="6AA84F"/>
-                        </a:solidFill>
-                      </a:endParaRPr>
-                    </a:p>
-                  </a:txBody>
-                  <a:tcPr marT="91425" marB="91425" marR="91425" marL="91425"/>
-                </a:tc>
-                <a:tc>
-                  <a:txBody>
-                    <a:bodyPr/>
-                    <a:lstStyle/>
-                    <a:p>
-                      <a:pPr indent="0" lvl="0" marL="0" rtl="0" algn="r">
-                        <a:lnSpc>
-                          <a:spcPct val="115000"/>
-                        </a:lnSpc>
-                        <a:spcBef>
-                          <a:spcPts val="0"/>
-                        </a:spcBef>
-                        <a:spcAft>
-                          <a:spcPts val="0"/>
-                        </a:spcAft>
-                        <a:buNone/>
-                      </a:pPr>
-                      <a:r>
-                        <a:rPr b="1" lang="en-US">
-                          <a:solidFill>
-                            <a:srgbClr val="6AA84F"/>
-                          </a:solidFill>
-                        </a:rPr>
-                        <a:t>44000</a:t>
-                      </a:r>
-                      <a:endParaRPr b="1">
-                        <a:solidFill>
-                          <a:srgbClr val="6AA84F"/>
-                        </a:solidFill>
-                      </a:endParaRPr>
-                    </a:p>
-                  </a:txBody>
-                  <a:tcPr marT="91425" marB="91425" marR="91425" marL="91425"/>
-                </a:tc>
-                <a:tc>
-                  <a:txBody>
-                    <a:bodyPr/>
-                    <a:lstStyle/>
-                    <a:p>
-                      <a:pPr indent="0" lvl="0" marL="0" rtl="0" algn="l">
-                        <a:spcBef>
-                          <a:spcPts val="0"/>
-                        </a:spcBef>
-                        <a:spcAft>
-                          <a:spcPts val="0"/>
-                        </a:spcAft>
-                        <a:buNone/>
-                      </a:pPr>
-                      <a:r>
-                        <a:rPr b="1" lang="en-US">
-                          <a:solidFill>
-                            <a:srgbClr val="6AA84F"/>
-                          </a:solidFill>
-                        </a:rPr>
-                        <a:t>France</a:t>
-                      </a:r>
-                      <a:endParaRPr b="1">
-                        <a:solidFill>
-                          <a:srgbClr val="6AA84F"/>
-                        </a:solidFill>
-                      </a:endParaRPr>
-                    </a:p>
-                  </a:txBody>
-                  <a:tcPr marT="91425" marB="91425" marR="91425" marL="91425"/>
-                </a:tc>
-                <a:tc>
-                  <a:txBody>
-                    <a:bodyPr/>
-                    <a:lstStyle/>
-                    <a:p>
-                      <a:pPr indent="0" lvl="0" marL="0" rtl="0" algn="r">
-                        <a:lnSpc>
-                          <a:spcPct val="115000"/>
-                        </a:lnSpc>
-                        <a:spcBef>
-                          <a:spcPts val="0"/>
-                        </a:spcBef>
-                        <a:spcAft>
-                          <a:spcPts val="0"/>
-                        </a:spcAft>
-                        <a:buNone/>
-                      </a:pPr>
-                      <a:r>
-                        <a:rPr b="1" lang="en-US">
-                          <a:solidFill>
-                            <a:srgbClr val="6AA84F"/>
-                          </a:solidFill>
-                        </a:rPr>
-                        <a:t>1370</a:t>
-                      </a:r>
-                      <a:endParaRPr b="1">
-                        <a:solidFill>
-                          <a:srgbClr val="6AA84F"/>
-                        </a:solidFill>
-                      </a:endParaRPr>
-                    </a:p>
-                  </a:txBody>
-                  <a:tcPr marT="91425" marB="91425" marR="91425" marL="91425"/>
-                </a:tc>
-                <a:tc>
-                  <a:txBody>
-                    <a:bodyPr/>
-                    <a:lstStyle/>
-                    <a:p>
-                      <a:pPr indent="0" lvl="0" marL="0" rtl="0" algn="r">
-                        <a:lnSpc>
-                          <a:spcPct val="115000"/>
-                        </a:lnSpc>
-                        <a:spcBef>
-                          <a:spcPts val="0"/>
-                        </a:spcBef>
-                        <a:spcAft>
-                          <a:spcPts val="0"/>
-                        </a:spcAft>
-                        <a:buNone/>
-                      </a:pPr>
-                      <a:r>
-                        <a:rPr b="1" lang="en-US">
-                          <a:solidFill>
-                            <a:srgbClr val="6AA84F"/>
-                          </a:solidFill>
-                        </a:rPr>
-                        <a:t>21000</a:t>
-                      </a:r>
-                      <a:endParaRPr b="1">
-                        <a:solidFill>
-                          <a:srgbClr val="6AA84F"/>
-                        </a:solidFill>
-                      </a:endParaRPr>
-                    </a:p>
-                  </a:txBody>
-                  <a:tcPr marT="91425" marB="91425" marR="91425" marL="91425"/>
-                </a:tc>
-              </a:tr>
-              <a:tr h="381000">
-                <a:tc>
-                  <a:txBody>
-                    <a:bodyPr/>
-                    <a:lstStyle/>
-                    <a:p>
-                      <a:pPr indent="0" lvl="0" marL="0" rtl="0" algn="r">
-                        <a:lnSpc>
-                          <a:spcPct val="115000"/>
-                        </a:lnSpc>
-                        <a:spcBef>
-                          <a:spcPts val="0"/>
-                        </a:spcBef>
-                        <a:spcAft>
-                          <a:spcPts val="0"/>
-                        </a:spcAft>
-                        <a:buNone/>
-                      </a:pPr>
-                      <a:r>
-                        <a:rPr b="1" lang="en-US">
-                          <a:solidFill>
-                            <a:srgbClr val="6AA84F"/>
-                          </a:solidFill>
-                        </a:rPr>
-                        <a:t>112</a:t>
-                      </a:r>
-                      <a:endParaRPr b="1">
-                        <a:solidFill>
-                          <a:srgbClr val="6AA84F"/>
-                        </a:solidFill>
-                      </a:endParaRPr>
-                    </a:p>
-                  </a:txBody>
-                  <a:tcPr marT="91425" marB="91425" marR="91425" marL="91425"/>
-                </a:tc>
-                <a:tc>
-                  <a:txBody>
-                    <a:bodyPr/>
-                    <a:lstStyle/>
-                    <a:p>
-                      <a:pPr indent="0" lvl="0" marL="0" rtl="0" algn="l">
-                        <a:spcBef>
-                          <a:spcPts val="0"/>
-                        </a:spcBef>
-                        <a:spcAft>
-                          <a:spcPts val="0"/>
-                        </a:spcAft>
-                        <a:buNone/>
-                      </a:pPr>
-                      <a:r>
-                        <a:rPr b="1" lang="en-US">
-                          <a:solidFill>
-                            <a:srgbClr val="6AA84F"/>
-                          </a:solidFill>
-                        </a:rPr>
-                        <a:t>Signal Gift Stores</a:t>
-                      </a:r>
-                      <a:endParaRPr b="1">
-                        <a:solidFill>
-                          <a:srgbClr val="6AA84F"/>
-                        </a:solidFill>
-                      </a:endParaRPr>
-                    </a:p>
-                  </a:txBody>
-                  <a:tcPr marT="91425" marB="91425" marR="91425" marL="91425"/>
-                </a:tc>
-                <a:tc>
-                  <a:txBody>
-                    <a:bodyPr/>
-                    <a:lstStyle/>
-                    <a:p>
-                      <a:pPr indent="0" lvl="0" marL="0" rtl="0" algn="l">
-                        <a:spcBef>
-                          <a:spcPts val="0"/>
-                        </a:spcBef>
-                        <a:spcAft>
-                          <a:spcPts val="0"/>
-                        </a:spcAft>
-                        <a:buNone/>
-                      </a:pPr>
-                      <a:r>
-                        <a:rPr b="1" lang="en-US">
-                          <a:solidFill>
-                            <a:srgbClr val="6AA84F"/>
-                          </a:solidFill>
-                        </a:rPr>
-                        <a:t>King</a:t>
-                      </a:r>
-                      <a:endParaRPr b="1">
-                        <a:solidFill>
-                          <a:srgbClr val="6AA84F"/>
-                        </a:solidFill>
-                      </a:endParaRPr>
-                    </a:p>
-                  </a:txBody>
-                  <a:tcPr marT="91425" marB="91425" marR="91425" marL="91425"/>
-                </a:tc>
-                <a:tc>
-                  <a:txBody>
-                    <a:bodyPr/>
-                    <a:lstStyle/>
-                    <a:p>
-                      <a:pPr indent="0" lvl="0" marL="0" rtl="0" algn="l">
-                        <a:spcBef>
-                          <a:spcPts val="0"/>
-                        </a:spcBef>
-                        <a:spcAft>
-                          <a:spcPts val="0"/>
-                        </a:spcAft>
-                        <a:buNone/>
-                      </a:pPr>
-                      <a:r>
-                        <a:rPr b="1" lang="en-US">
-                          <a:solidFill>
-                            <a:srgbClr val="6AA84F"/>
-                          </a:solidFill>
-                        </a:rPr>
-                        <a:t>Jean</a:t>
-                      </a:r>
-                      <a:endParaRPr b="1">
-                        <a:solidFill>
-                          <a:srgbClr val="6AA84F"/>
-                        </a:solidFill>
-                      </a:endParaRPr>
-                    </a:p>
-                  </a:txBody>
-                  <a:tcPr marT="91425" marB="91425" marR="91425" marL="91425"/>
-                </a:tc>
-                <a:tc>
-                  <a:txBody>
-                    <a:bodyPr/>
-                    <a:lstStyle/>
-                    <a:p>
-                      <a:pPr indent="0" lvl="0" marL="0" rtl="0" algn="l">
-                        <a:spcBef>
-                          <a:spcPts val="0"/>
-                        </a:spcBef>
-                        <a:spcAft>
-                          <a:spcPts val="0"/>
-                        </a:spcAft>
-                        <a:buNone/>
-                      </a:pPr>
-                      <a:r>
-                        <a:rPr b="1" lang="en-US">
-                          <a:solidFill>
-                            <a:srgbClr val="6AA84F"/>
-                          </a:solidFill>
-                        </a:rPr>
-                        <a:t>7025551838</a:t>
-                      </a:r>
-                      <a:endParaRPr b="1">
-                        <a:solidFill>
-                          <a:srgbClr val="6AA84F"/>
-                        </a:solidFill>
-                      </a:endParaRPr>
-                    </a:p>
-                  </a:txBody>
-                  <a:tcPr marT="91425" marB="91425" marR="91425" marL="91425"/>
-                </a:tc>
-                <a:tc>
-                  <a:txBody>
-                    <a:bodyPr/>
-                    <a:lstStyle/>
-                    <a:p>
-                      <a:pPr indent="0" lvl="0" marL="0" rtl="0" algn="l">
-                        <a:spcBef>
-                          <a:spcPts val="0"/>
-                        </a:spcBef>
-                        <a:spcAft>
-                          <a:spcPts val="0"/>
-                        </a:spcAft>
-                        <a:buNone/>
-                      </a:pPr>
-                      <a:r>
-                        <a:rPr b="1" lang="en-US">
-                          <a:solidFill>
-                            <a:srgbClr val="6AA84F"/>
-                          </a:solidFill>
-                        </a:rPr>
-                        <a:t>8489 Strong St.</a:t>
-                      </a:r>
-                      <a:endParaRPr b="1">
-                        <a:solidFill>
-                          <a:srgbClr val="6AA84F"/>
-                        </a:solidFill>
-                      </a:endParaRPr>
-                    </a:p>
-                  </a:txBody>
-                  <a:tcPr marT="91425" marB="91425" marR="91425" marL="91425"/>
-                </a:tc>
-                <a:tc>
-                  <a:txBody>
-                    <a:bodyPr/>
-                    <a:lstStyle/>
-                    <a:p>
-                      <a:pPr indent="0" lvl="0" marL="0" rtl="0" algn="l">
-                        <a:spcBef>
-                          <a:spcPts val="0"/>
-                        </a:spcBef>
-                        <a:spcAft>
-                          <a:spcPts val="0"/>
-                        </a:spcAft>
-                        <a:buNone/>
-                      </a:pPr>
-                      <a:r>
-                        <a:rPr b="1" lang="en-US">
-                          <a:solidFill>
-                            <a:srgbClr val="6AA84F"/>
-                          </a:solidFill>
-                        </a:rPr>
-                        <a:t>NULL</a:t>
-                      </a:r>
-                      <a:endParaRPr b="1">
-                        <a:solidFill>
-                          <a:srgbClr val="6AA84F"/>
-                        </a:solidFill>
-                      </a:endParaRPr>
-                    </a:p>
-                  </a:txBody>
-                  <a:tcPr marT="91425" marB="91425" marR="91425" marL="91425"/>
-                </a:tc>
-                <a:tc>
-                  <a:txBody>
-                    <a:bodyPr/>
-                    <a:lstStyle/>
-                    <a:p>
-                      <a:pPr indent="0" lvl="0" marL="0" rtl="0" algn="l">
-                        <a:spcBef>
-                          <a:spcPts val="0"/>
-                        </a:spcBef>
-                        <a:spcAft>
-                          <a:spcPts val="0"/>
-                        </a:spcAft>
-                        <a:buNone/>
-                      </a:pPr>
-                      <a:r>
-                        <a:rPr b="1" lang="en-US">
-                          <a:solidFill>
-                            <a:srgbClr val="6AA84F"/>
-                          </a:solidFill>
-                        </a:rPr>
-                        <a:t>Las Vegas</a:t>
-                      </a:r>
-                      <a:endParaRPr b="1">
-                        <a:solidFill>
-                          <a:srgbClr val="6AA84F"/>
-                        </a:solidFill>
-                      </a:endParaRPr>
-                    </a:p>
-                  </a:txBody>
-                  <a:tcPr marT="91425" marB="91425" marR="91425" marL="91425"/>
-                </a:tc>
-                <a:tc>
-                  <a:txBody>
-                    <a:bodyPr/>
-                    <a:lstStyle/>
-                    <a:p>
-                      <a:pPr indent="0" lvl="0" marL="0" rtl="0" algn="l">
-                        <a:spcBef>
-                          <a:spcPts val="0"/>
-                        </a:spcBef>
-                        <a:spcAft>
-                          <a:spcPts val="0"/>
-                        </a:spcAft>
-                        <a:buNone/>
-                      </a:pPr>
-                      <a:r>
-                        <a:rPr b="1" lang="en-US">
-                          <a:solidFill>
-                            <a:srgbClr val="6AA84F"/>
-                          </a:solidFill>
-                        </a:rPr>
-                        <a:t>NV</a:t>
-                      </a:r>
-                      <a:endParaRPr b="1">
-                        <a:solidFill>
-                          <a:srgbClr val="6AA84F"/>
-                        </a:solidFill>
-                      </a:endParaRPr>
-                    </a:p>
-                  </a:txBody>
-                  <a:tcPr marT="91425" marB="91425" marR="91425" marL="91425"/>
-                </a:tc>
-                <a:tc>
-                  <a:txBody>
-                    <a:bodyPr/>
-                    <a:lstStyle/>
-                    <a:p>
-                      <a:pPr indent="0" lvl="0" marL="0" rtl="0" algn="r">
-                        <a:lnSpc>
-                          <a:spcPct val="115000"/>
-                        </a:lnSpc>
-                        <a:spcBef>
-                          <a:spcPts val="0"/>
-                        </a:spcBef>
-                        <a:spcAft>
-                          <a:spcPts val="0"/>
-                        </a:spcAft>
-                        <a:buNone/>
-                      </a:pPr>
-                      <a:r>
-                        <a:rPr b="1" lang="en-US">
-                          <a:solidFill>
-                            <a:srgbClr val="6AA84F"/>
-                          </a:solidFill>
-                        </a:rPr>
-                        <a:t>83030</a:t>
-                      </a:r>
-                      <a:endParaRPr b="1">
-                        <a:solidFill>
-                          <a:srgbClr val="6AA84F"/>
-                        </a:solidFill>
-                      </a:endParaRPr>
-                    </a:p>
-                  </a:txBody>
-                  <a:tcPr marT="91425" marB="91425" marR="91425" marL="91425"/>
-                </a:tc>
-                <a:tc>
-                  <a:txBody>
-                    <a:bodyPr/>
-                    <a:lstStyle/>
-                    <a:p>
-                      <a:pPr indent="0" lvl="0" marL="0" rtl="0" algn="l">
-                        <a:spcBef>
-                          <a:spcPts val="0"/>
-                        </a:spcBef>
-                        <a:spcAft>
-                          <a:spcPts val="0"/>
-                        </a:spcAft>
-                        <a:buNone/>
-                      </a:pPr>
-                      <a:r>
-                        <a:rPr b="1" lang="en-US">
-                          <a:solidFill>
-                            <a:srgbClr val="6AA84F"/>
-                          </a:solidFill>
-                        </a:rPr>
-                        <a:t>USA</a:t>
-                      </a:r>
-                      <a:endParaRPr b="1">
-                        <a:solidFill>
-                          <a:srgbClr val="6AA84F"/>
-                        </a:solidFill>
-                      </a:endParaRPr>
-                    </a:p>
-                  </a:txBody>
-                  <a:tcPr marT="91425" marB="91425" marR="91425" marL="91425"/>
-                </a:tc>
-                <a:tc>
-                  <a:txBody>
-                    <a:bodyPr/>
-                    <a:lstStyle/>
-                    <a:p>
-                      <a:pPr indent="0" lvl="0" marL="0" rtl="0" algn="r">
-                        <a:lnSpc>
-                          <a:spcPct val="115000"/>
-                        </a:lnSpc>
-                        <a:spcBef>
-                          <a:spcPts val="0"/>
-                        </a:spcBef>
-                        <a:spcAft>
-                          <a:spcPts val="0"/>
-                        </a:spcAft>
-                        <a:buNone/>
-                      </a:pPr>
-                      <a:r>
-                        <a:rPr b="1" lang="en-US">
-                          <a:solidFill>
-                            <a:srgbClr val="6AA84F"/>
-                          </a:solidFill>
-                        </a:rPr>
-                        <a:t>1166</a:t>
-                      </a:r>
-                      <a:endParaRPr b="1">
-                        <a:solidFill>
-                          <a:srgbClr val="6AA84F"/>
-                        </a:solidFill>
-                      </a:endParaRPr>
-                    </a:p>
-                  </a:txBody>
-                  <a:tcPr marT="91425" marB="91425" marR="91425" marL="91425"/>
-                </a:tc>
-                <a:tc>
-                  <a:txBody>
-                    <a:bodyPr/>
-                    <a:lstStyle/>
-                    <a:p>
-                      <a:pPr indent="0" lvl="0" marL="0" rtl="0" algn="r">
-                        <a:lnSpc>
-                          <a:spcPct val="115000"/>
-                        </a:lnSpc>
-                        <a:spcBef>
-                          <a:spcPts val="0"/>
-                        </a:spcBef>
-                        <a:spcAft>
-                          <a:spcPts val="0"/>
-                        </a:spcAft>
-                        <a:buNone/>
-                      </a:pPr>
-                      <a:r>
-                        <a:rPr b="1" lang="en-US">
-                          <a:solidFill>
-                            <a:srgbClr val="6AA84F"/>
-                          </a:solidFill>
-                        </a:rPr>
-                        <a:t>71800</a:t>
-                      </a:r>
-                      <a:endParaRPr b="1">
-                        <a:solidFill>
-                          <a:srgbClr val="6AA84F"/>
-                        </a:solidFill>
-                      </a:endParaRPr>
-                    </a:p>
-                  </a:txBody>
-                  <a:tcPr marT="91425" marB="91425" marR="91425" marL="91425"/>
-                </a:tc>
-              </a:tr>
-            </a:tbl>
-          </a:graphicData>
-        </a:graphic>
-      </p:graphicFrame>
-    </p:spTree>
-  </p:cSld>
-  <p:clrMapOvr>
-    <a:masterClrMapping/>
-  </p:clrMapOvr>
-</p:sld>
-</file>
-
-<file path=ppt/slides/slide11.xml><?xml version="1.0" encoding="utf-8"?>
-<p:sld xmlns:a="http://schemas.openxmlformats.org/drawingml/2006/main" xmlns:r="http://schemas.openxmlformats.org/officeDocument/2006/relationships" xmlns:mc="http://schemas.openxmlformats.org/markup-compatibility/2006" xmlns:mv="urn:schemas-microsoft-com:mac:vml" xmlns:p="http://schemas.openxmlformats.org/presentationml/2006/main" xmlns:c="http://schemas.openxmlformats.org/drawingml/2006/chart" xmlns:dgm="http://schemas.openxmlformats.org/drawingml/2006/diagram" xmlns:o="urn:schemas-microsoft-com:office:office" xmlns:v="urn:schemas-microsoft-com:vml" xmlns:pvml="urn:schemas-microsoft-com:office:powerpoint" xmlns:com="http://schemas.openxmlformats.org/drawingml/2006/compatibility" xmlns:p14="http://schemas.microsoft.com/office/powerpoint/2010/main" xmlns:p15="http://schemas.microsoft.com/office/powerpoint/2012/main">
-  <p:cSld>
-    <p:spTree>
-      <p:nvGrpSpPr>
-        <p:cNvPr id="177" name="Shape 177"/>
-        <p:cNvGrpSpPr/>
-        <p:nvPr/>
-      </p:nvGrpSpPr>
-      <p:grpSpPr>
-        <a:xfrm>
-          <a:off x="0" y="0"/>
-          <a:ext cx="0" cy="0"/>
-          <a:chOff x="0" y="0"/>
-          <a:chExt cx="0" cy="0"/>
-        </a:xfrm>
-      </p:grpSpPr>
-      <p:sp>
-        <p:nvSpPr>
-          <p:cNvPr id="178" name="Google Shape;178;p24"/>
-          <p:cNvSpPr txBox="1"/>
-          <p:nvPr>
-            <p:ph type="ctrTitle"/>
-          </p:nvPr>
-        </p:nvSpPr>
-        <p:spPr>
-          <a:xfrm>
-            <a:off x="913795" y="609600"/>
-            <a:ext cx="10353900" cy="970500"/>
-          </a:xfrm>
-          <a:prstGeom prst="rect">
-            <a:avLst/>
-          </a:prstGeom>
-          <a:noFill/>
-          <a:ln>
-            <a:noFill/>
-          </a:ln>
-          <a:effectLst>
-            <a:outerShdw blurRad="25400">
-              <a:srgbClr val="000000">
-                <a:alpha val="45880"/>
-              </a:srgbClr>
-            </a:outerShdw>
-          </a:effectLst>
-        </p:spPr>
-        <p:txBody>
-          <a:bodyPr anchorCtr="0" anchor="ctr" bIns="45700" lIns="91425" spcFirstLastPara="1" rIns="91425" wrap="square" tIns="45700">
-            <a:noAutofit/>
-          </a:bodyPr>
-          <a:lstStyle/>
-          <a:p>
-            <a:pPr indent="0" lvl="0" marL="0" rtl="0" algn="l">
-              <a:spcBef>
-                <a:spcPts val="0"/>
-              </a:spcBef>
-              <a:spcAft>
-                <a:spcPts val="0"/>
-              </a:spcAft>
-              <a:buClr>
-                <a:schemeClr val="lt2"/>
-              </a:buClr>
-              <a:buSzPts val="4000"/>
-              <a:buFont typeface="Lustria"/>
-              <a:buNone/>
-            </a:pPr>
-            <a:r>
-              <a:rPr lang="en-US" sz="3600"/>
-              <a:t>Update Existing</a:t>
-            </a:r>
-            <a:r>
-              <a:rPr lang="en-US" sz="3600"/>
-              <a:t> Values in Table</a:t>
-            </a:r>
-            <a:endParaRPr sz="3600"/>
-          </a:p>
-        </p:txBody>
-      </p:sp>
-      <p:sp>
-        <p:nvSpPr>
-          <p:cNvPr id="179" name="Google Shape;179;p24"/>
           <p:cNvSpPr txBox="1"/>
           <p:nvPr/>
         </p:nvSpPr>
@@ -12700,43 +11225,7 @@
                 <a:cs typeface="Lato"/>
                 <a:sym typeface="Lato"/>
               </a:rPr>
-              <a:t>update</a:t>
-            </a:r>
-            <a:r>
-              <a:rPr lang="en-US" sz="2000">
-                <a:solidFill>
-                  <a:schemeClr val="accent1"/>
-                </a:solidFill>
-                <a:latin typeface="Lato"/>
-                <a:ea typeface="Lato"/>
-                <a:cs typeface="Lato"/>
-                <a:sym typeface="Lato"/>
-              </a:rPr>
-              <a:t> </a:t>
-            </a:r>
-            <a:r>
-              <a:rPr lang="en-US" sz="2000">
-                <a:solidFill>
-                  <a:schemeClr val="accent1"/>
-                </a:solidFill>
-                <a:latin typeface="Lato"/>
-                <a:ea typeface="Lato"/>
-                <a:cs typeface="Lato"/>
-                <a:sym typeface="Lato"/>
-              </a:rPr>
-              <a:t> </a:t>
-            </a:r>
-            <a:r>
-              <a:rPr lang="en-US" sz="2000" u="sng">
-                <a:solidFill>
-                  <a:schemeClr val="accent1"/>
-                </a:solidFill>
-                <a:latin typeface="Lato"/>
-                <a:ea typeface="Lato"/>
-                <a:cs typeface="Lato"/>
-                <a:sym typeface="Lato"/>
-              </a:rPr>
-              <a:t>classicmodels.customers </a:t>
+              <a:t>update  classicmodels.customers </a:t>
             </a:r>
             <a:endParaRPr sz="2000" u="sng">
               <a:solidFill>
@@ -12776,7 +11265,7 @@
                 <a:cs typeface="Lato"/>
                 <a:sym typeface="Lato"/>
               </a:rPr>
-              <a:t>SET city = ‘Omaha’</a:t>
+              <a:t>SET city = 'Omaha'</a:t>
             </a:r>
             <a:endParaRPr sz="2000">
               <a:solidFill>
@@ -12816,7 +11305,7 @@
                 <a:cs typeface="Lato"/>
                 <a:sym typeface="Lato"/>
               </a:rPr>
-              <a:t>where `customerNumber` = 103;</a:t>
+              <a:t>where customerNumber = 103;</a:t>
             </a:r>
             <a:endParaRPr sz="2000">
               <a:solidFill>
@@ -12839,10 +11328,62 @@
               <a:spcAft>
                 <a:spcPts val="0"/>
               </a:spcAft>
+              <a:buClr>
+                <a:srgbClr val="000000"/>
+              </a:buClr>
+              <a:buSzPts val="1100"/>
+              <a:buFont typeface="Arial"/>
               <a:buNone/>
             </a:pPr>
             <a:r>
               <a:t/>
+            </a:r>
+            <a:endParaRPr sz="2000" u="sng">
+              <a:solidFill>
+                <a:schemeClr val="accent1"/>
+              </a:solidFill>
+              <a:latin typeface="Lato"/>
+              <a:ea typeface="Lato"/>
+              <a:cs typeface="Lato"/>
+              <a:sym typeface="Lato"/>
+            </a:endParaRPr>
+          </a:p>
+          <a:p>
+            <a:pPr indent="0" lvl="0" marL="0" rtl="0" algn="l">
+              <a:lnSpc>
+                <a:spcPct val="115000"/>
+              </a:lnSpc>
+              <a:spcBef>
+                <a:spcPts val="0"/>
+              </a:spcBef>
+              <a:spcAft>
+                <a:spcPts val="0"/>
+              </a:spcAft>
+              <a:buNone/>
+            </a:pPr>
+            <a:r>
+              <a:rPr lang="en-US" sz="2000" u="sng">
+                <a:solidFill>
+                  <a:schemeClr val="accent1"/>
+                </a:solidFill>
+                <a:latin typeface="Lato"/>
+                <a:ea typeface="Lato"/>
+                <a:cs typeface="Lato"/>
+                <a:sym typeface="Lato"/>
+              </a:rPr>
+              <a:t>Result</a:t>
+            </a:r>
+            <a:r>
+              <a:rPr lang="en-US" sz="2000">
+                <a:solidFill>
+                  <a:schemeClr val="accent1"/>
+                </a:solidFill>
+                <a:latin typeface="Lato"/>
+                <a:ea typeface="Lato"/>
+                <a:cs typeface="Lato"/>
+                <a:sym typeface="Lato"/>
+              </a:rPr>
+              <a:t>:  Changes the top (Old) record value to bottom (New) values specified in “SET” keyword</a:t>
             </a:r>
             <a:endParaRPr sz="2000">
               <a:solidFill>
@@ -12868,28 +11409,7 @@
               <a:buNone/>
             </a:pPr>
             <a:r>
-              <a:rPr lang="en-US" sz="2000" u="sng">
-                <a:solidFill>
-                  <a:schemeClr val="accent1"/>
-                </a:solidFill>
-                <a:latin typeface="Lato"/>
-                <a:ea typeface="Lato"/>
-                <a:cs typeface="Lato"/>
-                <a:sym typeface="Lato"/>
-              </a:rPr>
-              <a:t>Result</a:t>
-            </a:r>
-            <a:r>
-              <a:rPr lang="en-US" sz="2000">
-                <a:solidFill>
-                  <a:schemeClr val="accent1"/>
-                </a:solidFill>
-                <a:latin typeface="Lato"/>
-                <a:ea typeface="Lato"/>
-                <a:cs typeface="Lato"/>
-                <a:sym typeface="Lato"/>
-              </a:rPr>
-              <a:t>:  Changes the top (Old) record value to bottom (New) values specified in “SET” keyword</a:t>
+              <a:t/>
             </a:r>
             <a:endParaRPr sz="2000">
               <a:solidFill>
@@ -12979,37 +11499,11 @@
               <a:sym typeface="Lato"/>
             </a:endParaRPr>
           </a:p>
-          <a:p>
-            <a:pPr indent="0" lvl="0" marL="0" rtl="0" algn="l">
-              <a:lnSpc>
-                <a:spcPct val="115000"/>
-              </a:lnSpc>
-              <a:spcBef>
-                <a:spcPts val="0"/>
-              </a:spcBef>
-              <a:spcAft>
-                <a:spcPts val="0"/>
-              </a:spcAft>
-              <a:buNone/>
-            </a:pPr>
-            <a:r>
-              <a:t/>
-            </a:r>
-            <a:endParaRPr sz="2000">
-              <a:solidFill>
-                <a:schemeClr val="accent1"/>
-              </a:solidFill>
-              <a:latin typeface="Lato"/>
-              <a:ea typeface="Lato"/>
-              <a:cs typeface="Lato"/>
-              <a:sym typeface="Lato"/>
-            </a:endParaRPr>
-          </a:p>
         </p:txBody>
       </p:sp>
       <p:graphicFrame>
         <p:nvGraphicFramePr>
-          <p:cNvPr id="180" name="Google Shape;180;p24"/>
+          <p:cNvPr id="173" name="Google Shape;173;p23"/>
           <p:cNvGraphicFramePr/>
           <p:nvPr/>
         </p:nvGraphicFramePr>
@@ -13022,7 +11516,7 @@
             <a:tbl>
               <a:tblPr>
                 <a:noFill/>
-                <a:tableStyleId>{0C2D6E71-2DAC-426C-8502-CEE6033F9AAC}</a:tableStyleId>
+                <a:tableStyleId>{DBE9923D-6AE8-41DC-B2A5-6BA3C29A133A}</a:tableStyleId>
               </a:tblPr>
               <a:tblGrid>
                 <a:gridCol w="931700"/>
@@ -14901,12 +13395,12 @@
 </p:sld>
 </file>
 
-<file path=ppt/slides/slide12.xml><?xml version="1.0" encoding="utf-8"?>
+<file path=ppt/slides/slide11.xml><?xml version="1.0" encoding="utf-8"?>
 <p:sld xmlns:a="http://schemas.openxmlformats.org/drawingml/2006/main" xmlns:r="http://schemas.openxmlformats.org/officeDocument/2006/relationships" xmlns:mc="http://schemas.openxmlformats.org/markup-compatibility/2006" xmlns:mv="urn:schemas-microsoft-com:mac:vml" xmlns:p="http://schemas.openxmlformats.org/presentationml/2006/main" xmlns:c="http://schemas.openxmlformats.org/drawingml/2006/chart" xmlns:dgm="http://schemas.openxmlformats.org/drawingml/2006/diagram" xmlns:o="urn:schemas-microsoft-com:office:office" xmlns:v="urn:schemas-microsoft-com:vml" xmlns:pvml="urn:schemas-microsoft-com:office:powerpoint" xmlns:com="http://schemas.openxmlformats.org/drawingml/2006/compatibility" xmlns:p14="http://schemas.microsoft.com/office/powerpoint/2010/main" xmlns:p15="http://schemas.microsoft.com/office/powerpoint/2012/main">
   <p:cSld>
     <p:spTree>
       <p:nvGrpSpPr>
-        <p:cNvPr id="184" name="Shape 184"/>
+        <p:cNvPr id="177" name="Shape 177"/>
         <p:cNvGrpSpPr/>
         <p:nvPr/>
       </p:nvGrpSpPr>
@@ -14920,7 +13414,7 @@
       </p:grpSpPr>
       <p:sp>
         <p:nvSpPr>
-          <p:cNvPr id="185" name="Google Shape;185;p25"/>
+          <p:cNvPr id="178" name="Google Shape;178;p24"/>
           <p:cNvSpPr txBox="1"/>
           <p:nvPr>
             <p:ph type="ctrTitle"/>
@@ -14980,7 +13474,7 @@
       </p:sp>
       <p:sp>
         <p:nvSpPr>
-          <p:cNvPr id="186" name="Google Shape;186;p25"/>
+          <p:cNvPr id="179" name="Google Shape;179;p24"/>
           <p:cNvSpPr txBox="1"/>
           <p:nvPr/>
         </p:nvSpPr>
@@ -15106,9 +13600,9 @@
               <a:t> </a:t>
             </a:r>
             <a:r>
-              <a:rPr lang="en-US" sz="2400" u="sng">
-                <a:solidFill>
-                  <a:schemeClr val="accent1"/>
+              <a:rPr lang="en-US" sz="2400">
+                <a:solidFill>
+                  <a:srgbClr val="FF0000"/>
                 </a:solidFill>
                 <a:latin typeface="Lato"/>
                 <a:ea typeface="Lato"/>
@@ -15127,22 +13621,22 @@
                 <a:cs typeface="Lato"/>
                 <a:sym typeface="Lato"/>
               </a:rPr>
-              <a:t> from </a:t>
+              <a:t> from  classicmodels.customers </a:t>
             </a:r>
             <a:r>
               <a:rPr lang="en-US" sz="2400">
                 <a:solidFill>
-                  <a:schemeClr val="accent1"/>
+                  <a:srgbClr val="FF0000"/>
                 </a:solidFill>
                 <a:latin typeface="Lato"/>
                 <a:ea typeface="Lato"/>
                 <a:cs typeface="Lato"/>
                 <a:sym typeface="Lato"/>
               </a:rPr>
-              <a:t> </a:t>
-            </a:r>
-            <a:r>
-              <a:rPr lang="en-US" sz="2400" u="sng">
+              <a:t>WHERE</a:t>
+            </a:r>
+            <a:r>
+              <a:rPr lang="en-US" sz="2400">
                 <a:solidFill>
                   <a:schemeClr val="accent1"/>
                 </a:solidFill>
@@ -15151,19 +13645,7 @@
                 <a:cs typeface="Lato"/>
                 <a:sym typeface="Lato"/>
               </a:rPr>
-              <a:t>classicmodels.customers </a:t>
-            </a:r>
-            <a:r>
-              <a:rPr lang="en-US" sz="2400">
-                <a:solidFill>
-                  <a:schemeClr val="accent1"/>
-                </a:solidFill>
-                <a:latin typeface="Lato"/>
-                <a:ea typeface="Lato"/>
-                <a:cs typeface="Lato"/>
-                <a:sym typeface="Lato"/>
-              </a:rPr>
-              <a:t>WHERE `customerNumber` = 112;</a:t>
+              <a:t> customerNumber = 112;</a:t>
             </a:r>
             <a:endParaRPr sz="2400">
               <a:solidFill>
@@ -15376,11 +13858,37 @@
               <a:sym typeface="Lato"/>
             </a:endParaRPr>
           </a:p>
+          <a:p>
+            <a:pPr indent="0" lvl="0" marL="0" rtl="0" algn="l">
+              <a:lnSpc>
+                <a:spcPct val="115000"/>
+              </a:lnSpc>
+              <a:spcBef>
+                <a:spcPts val="0"/>
+              </a:spcBef>
+              <a:spcAft>
+                <a:spcPts val="0"/>
+              </a:spcAft>
+              <a:buNone/>
+            </a:pPr>
+            <a:r>
+              <a:t/>
+            </a:r>
+            <a:endParaRPr sz="2000">
+              <a:solidFill>
+                <a:schemeClr val="accent1"/>
+              </a:solidFill>
+              <a:latin typeface="Lato"/>
+              <a:ea typeface="Lato"/>
+              <a:cs typeface="Lato"/>
+              <a:sym typeface="Lato"/>
+            </a:endParaRPr>
+          </a:p>
         </p:txBody>
       </p:sp>
       <p:graphicFrame>
         <p:nvGraphicFramePr>
-          <p:cNvPr id="187" name="Google Shape;187;p25"/>
+          <p:cNvPr id="180" name="Google Shape;180;p24"/>
           <p:cNvGraphicFramePr/>
           <p:nvPr/>
         </p:nvGraphicFramePr>
@@ -15393,7 +13901,7 @@
             <a:tbl>
               <a:tblPr>
                 <a:noFill/>
-                <a:tableStyleId>{0C2D6E71-2DAC-426C-8502-CEE6033F9AAC}</a:tableStyleId>
+                <a:tableStyleId>{DBE9923D-6AE8-41DC-B2A5-6BA3C29A133A}</a:tableStyleId>
               </a:tblPr>
               <a:tblGrid>
                 <a:gridCol w="931700"/>
@@ -16661,12 +15169,12 @@
 </p:sld>
 </file>
 
-<file path=ppt/slides/slide13.xml><?xml version="1.0" encoding="utf-8"?>
+<file path=ppt/slides/slide12.xml><?xml version="1.0" encoding="utf-8"?>
 <p:sld xmlns:a="http://schemas.openxmlformats.org/drawingml/2006/main" xmlns:r="http://schemas.openxmlformats.org/officeDocument/2006/relationships" xmlns:mc="http://schemas.openxmlformats.org/markup-compatibility/2006" xmlns:mv="urn:schemas-microsoft-com:mac:vml" xmlns:p="http://schemas.openxmlformats.org/presentationml/2006/main" xmlns:c="http://schemas.openxmlformats.org/drawingml/2006/chart" xmlns:dgm="http://schemas.openxmlformats.org/drawingml/2006/diagram" xmlns:o="urn:schemas-microsoft-com:office:office" xmlns:v="urn:schemas-microsoft-com:vml" xmlns:pvml="urn:schemas-microsoft-com:office:powerpoint" xmlns:com="http://schemas.openxmlformats.org/drawingml/2006/compatibility" xmlns:p14="http://schemas.microsoft.com/office/powerpoint/2010/main" xmlns:p15="http://schemas.microsoft.com/office/powerpoint/2012/main">
   <p:cSld>
     <p:spTree>
       <p:nvGrpSpPr>
-        <p:cNvPr id="191" name="Shape 191"/>
+        <p:cNvPr id="184" name="Shape 184"/>
         <p:cNvGrpSpPr/>
         <p:nvPr/>
       </p:nvGrpSpPr>
@@ -16680,7 +15188,7 @@
       </p:grpSpPr>
       <p:sp>
         <p:nvSpPr>
-          <p:cNvPr id="192" name="Google Shape;192;p26"/>
+          <p:cNvPr id="185" name="Google Shape;185;p25"/>
           <p:cNvSpPr txBox="1"/>
           <p:nvPr>
             <p:ph type="ctrTitle"/>
@@ -16688,8 +15196,8 @@
         </p:nvSpPr>
         <p:spPr>
           <a:xfrm>
-            <a:off x="913800" y="609600"/>
-            <a:ext cx="11278200" cy="970500"/>
+            <a:off x="913795" y="609600"/>
+            <a:ext cx="10353900" cy="970500"/>
           </a:xfrm>
           <a:prstGeom prst="rect">
             <a:avLst/>
@@ -16727,23 +15235,23 @@
               <a:buNone/>
             </a:pPr>
             <a:r>
-              <a:rPr lang="en-US" sz="4800"/>
-              <a:t>Import data from SQL and CSV files</a:t>
-            </a:r>
-            <a:endParaRPr sz="4800"/>
+              <a:rPr lang="en-US" sz="3600"/>
+              <a:t>What is a View?</a:t>
+            </a:r>
+            <a:endParaRPr sz="3600"/>
           </a:p>
         </p:txBody>
       </p:sp>
       <p:sp>
         <p:nvSpPr>
-          <p:cNvPr id="193" name="Google Shape;193;p26"/>
+          <p:cNvPr id="186" name="Google Shape;186;p25"/>
           <p:cNvSpPr txBox="1"/>
           <p:nvPr/>
         </p:nvSpPr>
         <p:spPr>
           <a:xfrm>
-            <a:off x="1004100" y="6043375"/>
-            <a:ext cx="9261000" cy="518100"/>
+            <a:off x="1001550" y="1580100"/>
+            <a:ext cx="10178400" cy="3000000"/>
           </a:xfrm>
           <a:prstGeom prst="rect">
             <a:avLst/>
@@ -16760,36 +15268,89 @@
           <a:lstStyle/>
           <a:p>
             <a:pPr indent="0" lvl="0" marL="0" rtl="0" algn="l">
-              <a:spcBef>
-                <a:spcPts val="0"/>
-              </a:spcBef>
-              <a:spcAft>
-                <a:spcPts val="0"/>
-              </a:spcAft>
-              <a:buNone/>
-            </a:pPr>
-            <a:r>
-              <a:rPr lang="en-US"/>
-              <a:t>https://dev.mysql.com/doc/workbench/en/wb-admin-export-import-table.html</a:t>
-            </a:r>
-            <a:r>
-              <a:rPr lang="en-US"/>
-              <a:t>.</a:t>
-            </a:r>
-            <a:endParaRPr/>
+              <a:lnSpc>
+                <a:spcPct val="115000"/>
+              </a:lnSpc>
+              <a:spcBef>
+                <a:spcPts val="0"/>
+              </a:spcBef>
+              <a:spcAft>
+                <a:spcPts val="0"/>
+              </a:spcAft>
+              <a:buNone/>
+            </a:pPr>
+            <a:r>
+              <a:rPr lang="en-US" sz="2400">
+                <a:latin typeface="Lato"/>
+                <a:ea typeface="Lato"/>
+                <a:cs typeface="Lato"/>
+                <a:sym typeface="Lato"/>
+              </a:rPr>
+              <a:t>Purpose -  A view is a “virtual table” based on the result-set of an SQL statement, saved as a database object for future data creation/extraction.</a:t>
+            </a:r>
+            <a:endParaRPr sz="2400"/>
+          </a:p>
+          <a:p>
+            <a:pPr indent="0" lvl="0" marL="0" rtl="0" algn="l">
+              <a:spcBef>
+                <a:spcPts val="0"/>
+              </a:spcBef>
+              <a:spcAft>
+                <a:spcPts val="0"/>
+              </a:spcAft>
+              <a:buNone/>
+            </a:pPr>
+            <a:r>
+              <a:t/>
+            </a:r>
+            <a:endParaRPr sz="2000">
+              <a:solidFill>
+                <a:schemeClr val="accent1"/>
+              </a:solidFill>
+              <a:latin typeface="Lato"/>
+              <a:ea typeface="Lato"/>
+              <a:cs typeface="Lato"/>
+              <a:sym typeface="Lato"/>
+            </a:endParaRPr>
+          </a:p>
+          <a:p>
+            <a:pPr indent="0" lvl="0" marL="0" rtl="0" algn="l">
+              <a:lnSpc>
+                <a:spcPct val="115000"/>
+              </a:lnSpc>
+              <a:spcBef>
+                <a:spcPts val="0"/>
+              </a:spcBef>
+              <a:spcAft>
+                <a:spcPts val="0"/>
+              </a:spcAft>
+              <a:buNone/>
+            </a:pPr>
+            <a:r>
+              <a:t/>
+            </a:r>
+            <a:endParaRPr sz="2000">
+              <a:solidFill>
+                <a:schemeClr val="accent1"/>
+              </a:solidFill>
+              <a:latin typeface="Lato"/>
+              <a:ea typeface="Lato"/>
+              <a:cs typeface="Lato"/>
+              <a:sym typeface="Lato"/>
+            </a:endParaRPr>
           </a:p>
         </p:txBody>
       </p:sp>
       <p:sp>
         <p:nvSpPr>
-          <p:cNvPr id="194" name="Google Shape;194;p26"/>
+          <p:cNvPr id="187" name="Google Shape;187;p25"/>
           <p:cNvSpPr txBox="1"/>
           <p:nvPr/>
         </p:nvSpPr>
         <p:spPr>
           <a:xfrm>
-            <a:off x="1098800" y="1686075"/>
-            <a:ext cx="10833300" cy="3341100"/>
+            <a:off x="1001550" y="2595200"/>
+            <a:ext cx="5766900" cy="3000000"/>
           </a:xfrm>
           <a:prstGeom prst="rect">
             <a:avLst/>
@@ -16807,9 +15368,67 @@
           <a:p>
             <a:pPr indent="0" lvl="0" marL="0" rtl="0" algn="l">
               <a:lnSpc>
-                <a:spcPct val="150000"/>
+                <a:spcPct val="115000"/>
               </a:lnSpc>
               <a:spcBef>
+                <a:spcPts val="0"/>
+              </a:spcBef>
+              <a:spcAft>
+                <a:spcPts val="0"/>
+              </a:spcAft>
+              <a:buNone/>
+            </a:pPr>
+            <a:r>
+              <a:rPr b="1" lang="en-US" sz="2000" u="sng">
+                <a:latin typeface="Lato"/>
+                <a:ea typeface="Lato"/>
+                <a:cs typeface="Lato"/>
+                <a:sym typeface="Lato"/>
+              </a:rPr>
+              <a:t>SQL Views have the following properties</a:t>
+            </a:r>
+            <a:r>
+              <a:rPr lang="en-US" sz="2000">
+                <a:latin typeface="Lato"/>
+                <a:ea typeface="Lato"/>
+                <a:cs typeface="Lato"/>
+                <a:sym typeface="Lato"/>
+              </a:rPr>
+              <a:t>: </a:t>
+            </a:r>
+            <a:endParaRPr sz="2000">
+              <a:latin typeface="Lato"/>
+              <a:ea typeface="Lato"/>
+              <a:cs typeface="Lato"/>
+              <a:sym typeface="Lato"/>
+            </a:endParaRPr>
+          </a:p>
+          <a:p>
+            <a:pPr indent="-355600" lvl="0" marL="457200" rtl="0" algn="l">
+              <a:lnSpc>
+                <a:spcPct val="115000"/>
+              </a:lnSpc>
+              <a:spcBef>
+                <a:spcPts val="500"/>
+              </a:spcBef>
+              <a:spcAft>
+                <a:spcPts val="0"/>
+              </a:spcAft>
+              <a:buSzPts val="2000"/>
+              <a:buChar char="●"/>
+            </a:pPr>
+            <a:r>
+              <a:rPr lang="en-US" sz="2000"/>
+              <a:t>A view is a named derived table.</a:t>
+            </a:r>
+            <a:endParaRPr sz="2000"/>
+          </a:p>
+          <a:p>
+            <a:pPr indent="0" lvl="0" marL="457200" rtl="0" algn="l">
+              <a:lnSpc>
+                <a:spcPct val="115000"/>
+              </a:lnSpc>
+              <a:spcBef>
                 <a:spcPts val="600"/>
               </a:spcBef>
               <a:spcAft>
@@ -16818,34 +15437,218 @@
               <a:buNone/>
             </a:pPr>
             <a:r>
+              <a:t/>
+            </a:r>
+            <a:endParaRPr sz="2000"/>
+          </a:p>
+          <a:p>
+            <a:pPr indent="-355600" lvl="0" marL="457200" rtl="0" algn="l">
+              <a:lnSpc>
+                <a:spcPct val="115000"/>
+              </a:lnSpc>
+              <a:spcBef>
+                <a:spcPts val="600"/>
+              </a:spcBef>
+              <a:spcAft>
+                <a:spcPts val="0"/>
+              </a:spcAft>
+              <a:buSzPts val="2000"/>
+              <a:buChar char="●"/>
+            </a:pPr>
+            <a:r>
+              <a:rPr lang="en-US" sz="2000" u="sng">
+                <a:hlinkClick r:id="rId3"/>
+              </a:rPr>
+              <a:t>CREATE/ALTER/DROP VIEW</a:t>
+            </a:r>
+            <a:r>
+              <a:rPr lang="en-US" sz="2000"/>
+              <a:t> clauses</a:t>
+            </a:r>
+            <a:endParaRPr sz="2000"/>
+          </a:p>
+          <a:p>
+            <a:pPr indent="0" lvl="0" marL="457200" rtl="0" algn="l">
+              <a:lnSpc>
+                <a:spcPct val="115000"/>
+              </a:lnSpc>
+              <a:spcBef>
+                <a:spcPts val="600"/>
+              </a:spcBef>
+              <a:spcAft>
+                <a:spcPts val="0"/>
+              </a:spcAft>
+              <a:buNone/>
+            </a:pPr>
+            <a:r>
+              <a:t/>
+            </a:r>
+            <a:endParaRPr sz="2000"/>
+          </a:p>
+          <a:p>
+            <a:pPr indent="-355600" lvl="0" marL="457200" rtl="0" algn="l">
+              <a:lnSpc>
+                <a:spcPct val="115000"/>
+              </a:lnSpc>
+              <a:spcBef>
+                <a:spcPts val="600"/>
+              </a:spcBef>
+              <a:spcAft>
+                <a:spcPts val="0"/>
+              </a:spcAft>
+              <a:buSzPts val="2000"/>
+              <a:buChar char="●"/>
+            </a:pPr>
+            <a:r>
+              <a:rPr lang="en-US" sz="2000"/>
+              <a:t>Views are not stored and its query must be run every time it is needed.</a:t>
+            </a:r>
+            <a:endParaRPr sz="2000"/>
+          </a:p>
+          <a:p>
+            <a:pPr indent="0" lvl="0" marL="457200" rtl="0" algn="l">
+              <a:lnSpc>
+                <a:spcPct val="115000"/>
+              </a:lnSpc>
+              <a:spcBef>
+                <a:spcPts val="600"/>
+              </a:spcBef>
+              <a:spcAft>
+                <a:spcPts val="0"/>
+              </a:spcAft>
+              <a:buNone/>
+            </a:pPr>
+            <a:r>
+              <a:t/>
+            </a:r>
+            <a:endParaRPr sz="2000"/>
+          </a:p>
+          <a:p>
+            <a:pPr indent="-355600" lvl="0" marL="457200" rtl="0" algn="l">
+              <a:lnSpc>
+                <a:spcPct val="115000"/>
+              </a:lnSpc>
+              <a:spcBef>
+                <a:spcPts val="600"/>
+              </a:spcBef>
+              <a:spcAft>
+                <a:spcPts val="0"/>
+              </a:spcAft>
+              <a:buSzPts val="2000"/>
+              <a:buChar char="●"/>
+            </a:pPr>
+            <a:r>
+              <a:rPr lang="en-US" sz="2000"/>
+              <a:t>Used to call up data without changing its underlying base tables.</a:t>
+            </a:r>
+            <a:endParaRPr/>
+          </a:p>
+        </p:txBody>
+      </p:sp>
+      <p:sp>
+        <p:nvSpPr>
+          <p:cNvPr id="188" name="Google Shape;188;p25"/>
+          <p:cNvSpPr txBox="1"/>
+          <p:nvPr/>
+        </p:nvSpPr>
+        <p:spPr>
+          <a:xfrm>
+            <a:off x="6544200" y="2595200"/>
+            <a:ext cx="5647800" cy="3000000"/>
+          </a:xfrm>
+          <a:prstGeom prst="rect">
+            <a:avLst/>
+          </a:prstGeom>
+          <a:noFill/>
+          <a:ln>
+            <a:noFill/>
+          </a:ln>
+        </p:spPr>
+        <p:txBody>
+          <a:bodyPr anchorCtr="0" anchor="t" bIns="91425" lIns="91425" spcFirstLastPara="1" rIns="91425" wrap="square" tIns="91425">
+            <a:noAutofit/>
+          </a:bodyPr>
+          <a:lstStyle/>
+          <a:p>
+            <a:pPr indent="0" lvl="0" marL="0" rtl="0" algn="ctr">
+              <a:lnSpc>
+                <a:spcPct val="115000"/>
+              </a:lnSpc>
+              <a:spcBef>
+                <a:spcPts val="0"/>
+              </a:spcBef>
+              <a:spcAft>
+                <a:spcPts val="0"/>
+              </a:spcAft>
+              <a:buNone/>
+            </a:pPr>
+            <a:r>
+              <a:rPr b="1" lang="en-US" sz="2000" u="sng">
+                <a:latin typeface="Lato"/>
+                <a:ea typeface="Lato"/>
+                <a:cs typeface="Lato"/>
+                <a:sym typeface="Lato"/>
+              </a:rPr>
+              <a:t>Example</a:t>
+            </a:r>
+            <a:r>
+              <a:rPr lang="en-US" sz="2000">
+                <a:latin typeface="Lato"/>
+                <a:ea typeface="Lato"/>
+                <a:cs typeface="Lato"/>
+                <a:sym typeface="Lato"/>
+              </a:rPr>
+              <a:t> </a:t>
+            </a:r>
+            <a:endParaRPr sz="2000">
+              <a:latin typeface="Lato"/>
+              <a:ea typeface="Lato"/>
+              <a:cs typeface="Lato"/>
+              <a:sym typeface="Lato"/>
+            </a:endParaRPr>
+          </a:p>
+          <a:p>
+            <a:pPr indent="0" lvl="0" marL="0" rtl="0" algn="l">
+              <a:lnSpc>
+                <a:spcPct val="115000"/>
+              </a:lnSpc>
+              <a:spcBef>
+                <a:spcPts val="0"/>
+              </a:spcBef>
+              <a:spcAft>
+                <a:spcPts val="0"/>
+              </a:spcAft>
+              <a:buNone/>
+            </a:pPr>
+            <a:r>
               <a:rPr b="1" lang="en-US" sz="2000">
                 <a:solidFill>
-                  <a:srgbClr val="555555"/>
-                </a:solidFill>
+                  <a:srgbClr val="38761D"/>
+                </a:solidFill>
+                <a:latin typeface="Lato"/>
+                <a:ea typeface="Lato"/>
+                <a:cs typeface="Lato"/>
+                <a:sym typeface="Lato"/>
               </a:rPr>
-              <a:t>Utilize MySQL’s “</a:t>
-            </a:r>
-            <a:r>
-              <a:rPr b="1" lang="en-US" sz="2000">
-                <a:solidFill>
-                  <a:srgbClr val="555555"/>
-                </a:solidFill>
-              </a:rPr>
-              <a:t>Table Data Export and Import Wizard”</a:t>
+              <a:t>CREATE VIEW world.vw_countries_asia AS</a:t>
             </a:r>
             <a:endParaRPr b="1" sz="2000">
               <a:solidFill>
-                <a:srgbClr val="555555"/>
+                <a:srgbClr val="38761D"/>
               </a:solidFill>
+              <a:latin typeface="Lato"/>
+              <a:ea typeface="Lato"/>
+              <a:cs typeface="Lato"/>
+              <a:sym typeface="Lato"/>
             </a:endParaRPr>
           </a:p>
           <a:p>
             <a:pPr indent="0" lvl="0" marL="0" rtl="0" algn="l">
               <a:lnSpc>
-                <a:spcPct val="150000"/>
+                <a:spcPct val="115000"/>
               </a:lnSpc>
               <a:spcBef>
-                <a:spcPts val="1100"/>
+                <a:spcPts val="0"/>
               </a:spcBef>
               <a:spcAft>
                 <a:spcPts val="0"/>
@@ -16854,25 +15657,42 @@
             </a:pPr>
             <a:r>
               <a:rPr lang="en-US" sz="2000">
-                <a:solidFill>
-                  <a:srgbClr val="555555"/>
-                </a:solidFill>
+                <a:latin typeface="Lato"/>
+                <a:ea typeface="Lato"/>
+                <a:cs typeface="Lato"/>
+                <a:sym typeface="Lato"/>
               </a:rPr>
-              <a:t>Step 1 - Convert datafile to CSV format</a:t>
+              <a:t>  </a:t>
+            </a:r>
+            <a:r>
+              <a:rPr lang="en-US" sz="2000">
+                <a:solidFill>
+                  <a:srgbClr val="3C78D8"/>
+                </a:solidFill>
+                <a:latin typeface="Lato"/>
+                <a:ea typeface="Lato"/>
+                <a:cs typeface="Lato"/>
+                <a:sym typeface="Lato"/>
+              </a:rPr>
+              <a:t>SELECT  tbl.Name AS 'Country'</a:t>
             </a:r>
             <a:endParaRPr sz="2000">
               <a:solidFill>
-                <a:srgbClr val="555555"/>
+                <a:srgbClr val="3C78D8"/>
               </a:solidFill>
+              <a:latin typeface="Lato"/>
+              <a:ea typeface="Lato"/>
+              <a:cs typeface="Lato"/>
+              <a:sym typeface="Lato"/>
             </a:endParaRPr>
           </a:p>
           <a:p>
             <a:pPr indent="0" lvl="0" marL="0" rtl="0" algn="l">
               <a:lnSpc>
-                <a:spcPct val="150000"/>
+                <a:spcPct val="115000"/>
               </a:lnSpc>
               <a:spcBef>
-                <a:spcPts val="1100"/>
+                <a:spcPts val="0"/>
               </a:spcBef>
               <a:spcAft>
                 <a:spcPts val="0"/>
@@ -16882,24 +15702,32 @@
             <a:r>
               <a:rPr lang="en-US" sz="2000">
                 <a:solidFill>
-                  <a:srgbClr val="555555"/>
-                </a:solidFill>
+                  <a:srgbClr val="3C78D8"/>
+                </a:solidFill>
+                <a:latin typeface="Lato"/>
+                <a:ea typeface="Lato"/>
+                <a:cs typeface="Lato"/>
+                <a:sym typeface="Lato"/>
               </a:rPr>
-              <a:t>Step 2 - Click right-click any table in the database,  then use the “Table Data Import Wizard”</a:t>
+              <a:t>  FROM world.country as tbl</a:t>
             </a:r>
             <a:endParaRPr sz="2000">
               <a:solidFill>
-                <a:srgbClr val="555555"/>
+                <a:srgbClr val="3C78D8"/>
               </a:solidFill>
+              <a:latin typeface="Lato"/>
+              <a:ea typeface="Lato"/>
+              <a:cs typeface="Lato"/>
+              <a:sym typeface="Lato"/>
             </a:endParaRPr>
           </a:p>
           <a:p>
             <a:pPr indent="0" lvl="0" marL="0" rtl="0" algn="l">
               <a:lnSpc>
-                <a:spcPct val="150000"/>
+                <a:spcPct val="115000"/>
               </a:lnSpc>
               <a:spcBef>
-                <a:spcPts val="1100"/>
+                <a:spcPts val="0"/>
               </a:spcBef>
               <a:spcAft>
                 <a:spcPts val="0"/>
@@ -16909,24 +15737,87 @@
             <a:r>
               <a:rPr lang="en-US" sz="2000">
                 <a:solidFill>
-                  <a:srgbClr val="555555"/>
-                </a:solidFill>
+                  <a:srgbClr val="3C78D8"/>
+                </a:solidFill>
+                <a:latin typeface="Lato"/>
+                <a:ea typeface="Lato"/>
+                <a:cs typeface="Lato"/>
+                <a:sym typeface="Lato"/>
               </a:rPr>
-              <a:t>Step 3 -  Select location of data from local drive</a:t>
+              <a:t>  WHERE  (tbl.Continent = 'Asia')</a:t>
             </a:r>
             <a:endParaRPr sz="2000">
               <a:solidFill>
-                <a:srgbClr val="555555"/>
+                <a:srgbClr val="3C78D8"/>
               </a:solidFill>
+              <a:latin typeface="Lato"/>
+              <a:ea typeface="Lato"/>
+              <a:cs typeface="Lato"/>
+              <a:sym typeface="Lato"/>
+            </a:endParaRPr>
+          </a:p>
+          <a:p>
+            <a:pPr indent="0" lvl="0" marL="0" rtl="0" algn="ctr">
+              <a:lnSpc>
+                <a:spcPct val="115000"/>
+              </a:lnSpc>
+              <a:spcBef>
+                <a:spcPts val="0"/>
+              </a:spcBef>
+              <a:spcAft>
+                <a:spcPts val="0"/>
+              </a:spcAft>
+              <a:buNone/>
+            </a:pPr>
+            <a:r>
+              <a:t/>
+            </a:r>
+            <a:endParaRPr sz="2000">
+              <a:latin typeface="Lato"/>
+              <a:ea typeface="Lato"/>
+              <a:cs typeface="Lato"/>
+              <a:sym typeface="Lato"/>
+            </a:endParaRPr>
+          </a:p>
+          <a:p>
+            <a:pPr indent="0" lvl="0" marL="0" rtl="0" algn="ctr">
+              <a:lnSpc>
+                <a:spcPct val="115000"/>
+              </a:lnSpc>
+              <a:spcBef>
+                <a:spcPts val="0"/>
+              </a:spcBef>
+              <a:spcAft>
+                <a:spcPts val="0"/>
+              </a:spcAft>
+              <a:buNone/>
+            </a:pPr>
+            <a:r>
+              <a:rPr b="1" lang="en-US" sz="2000" u="sng">
+                <a:latin typeface="Lato"/>
+                <a:ea typeface="Lato"/>
+                <a:cs typeface="Lato"/>
+                <a:sym typeface="Lato"/>
+              </a:rPr>
+              <a:t>View Usage</a:t>
+            </a:r>
+            <a:endParaRPr b="1" sz="2000">
+              <a:solidFill>
+                <a:srgbClr val="38761D"/>
+              </a:solidFill>
+              <a:latin typeface="Lato"/>
+              <a:ea typeface="Lato"/>
+              <a:cs typeface="Lato"/>
+              <a:sym typeface="Lato"/>
             </a:endParaRPr>
           </a:p>
           <a:p>
             <a:pPr indent="0" lvl="0" marL="0" rtl="0" algn="l">
               <a:lnSpc>
-                <a:spcPct val="150000"/>
+                <a:spcPct val="115000"/>
               </a:lnSpc>
               <a:spcBef>
-                <a:spcPts val="1100"/>
+                <a:spcPts val="0"/>
               </a:spcBef>
               <a:spcAft>
                 <a:spcPts val="0"/>
@@ -16935,118 +15826,431 @@
             </a:pPr>
             <a:r>
               <a:rPr lang="en-US" sz="2000">
-                <a:solidFill>
-                  <a:srgbClr val="555555"/>
-                </a:solidFill>
+                <a:latin typeface="Lato"/>
+                <a:ea typeface="Lato"/>
+                <a:cs typeface="Lato"/>
+                <a:sym typeface="Lato"/>
               </a:rPr>
-              <a:t>Step 4 - Select Destination - “Use Existing” or “Create New Table”</a:t>
+              <a:t>  SELECT  </a:t>
+            </a:r>
+            <a:r>
+              <a:rPr b="1" lang="en-US" sz="2000">
+                <a:solidFill>
+                  <a:srgbClr val="6AA84F"/>
+                </a:solidFill>
+                <a:latin typeface="Lato"/>
+                <a:ea typeface="Lato"/>
+                <a:cs typeface="Lato"/>
+                <a:sym typeface="Lato"/>
+              </a:rPr>
+              <a:t>country</a:t>
+            </a:r>
+            <a:endParaRPr b="1" sz="2000">
+              <a:solidFill>
+                <a:srgbClr val="6AA84F"/>
+              </a:solidFill>
+              <a:latin typeface="Lato"/>
+              <a:ea typeface="Lato"/>
+              <a:cs typeface="Lato"/>
+              <a:sym typeface="Lato"/>
+            </a:endParaRPr>
+          </a:p>
+          <a:p>
+            <a:pPr indent="0" lvl="0" marL="0" rtl="0" algn="l">
+              <a:lnSpc>
+                <a:spcPct val="115000"/>
+              </a:lnSpc>
+              <a:spcBef>
+                <a:spcPts val="0"/>
+              </a:spcBef>
+              <a:spcAft>
+                <a:spcPts val="0"/>
+              </a:spcAft>
+              <a:buNone/>
+            </a:pPr>
+            <a:r>
+              <a:rPr lang="en-US" sz="2000">
+                <a:latin typeface="Lato"/>
+                <a:ea typeface="Lato"/>
+                <a:cs typeface="Lato"/>
+                <a:sym typeface="Lato"/>
+              </a:rPr>
+              <a:t>  FROM </a:t>
+            </a:r>
+            <a:r>
+              <a:rPr b="1" lang="en-US" sz="2000">
+                <a:solidFill>
+                  <a:srgbClr val="6AA84F"/>
+                </a:solidFill>
+                <a:latin typeface="Lato"/>
+                <a:ea typeface="Lato"/>
+                <a:cs typeface="Lato"/>
+                <a:sym typeface="Lato"/>
+              </a:rPr>
+              <a:t>world.vw_countries_asia</a:t>
+            </a:r>
+            <a:endParaRPr b="1" sz="2000">
+              <a:solidFill>
+                <a:srgbClr val="6AA84F"/>
+              </a:solidFill>
+              <a:latin typeface="Lato"/>
+              <a:ea typeface="Lato"/>
+              <a:cs typeface="Lato"/>
+              <a:sym typeface="Lato"/>
+            </a:endParaRPr>
+          </a:p>
+          <a:p>
+            <a:pPr indent="0" lvl="0" marL="0" rtl="0" algn="l">
+              <a:lnSpc>
+                <a:spcPct val="115000"/>
+              </a:lnSpc>
+              <a:spcBef>
+                <a:spcPts val="0"/>
+              </a:spcBef>
+              <a:spcAft>
+                <a:spcPts val="0"/>
+              </a:spcAft>
+              <a:buNone/>
+            </a:pPr>
+            <a:r>
+              <a:rPr lang="en-US" sz="2000">
+                <a:latin typeface="Lato"/>
+                <a:ea typeface="Lato"/>
+                <a:cs typeface="Lato"/>
+                <a:sym typeface="Lato"/>
+              </a:rPr>
+              <a:t>  WHERE  Country in ('India', 'China', 'Nepal')</a:t>
+            </a:r>
+            <a:endParaRPr sz="2000">
+              <a:latin typeface="Lato"/>
+              <a:ea typeface="Lato"/>
+              <a:cs typeface="Lato"/>
+              <a:sym typeface="Lato"/>
+            </a:endParaRPr>
+          </a:p>
+          <a:p>
+            <a:pPr indent="0" lvl="0" marL="0" rtl="0" algn="l">
+              <a:lnSpc>
+                <a:spcPct val="115000"/>
+              </a:lnSpc>
+              <a:spcBef>
+                <a:spcPts val="0"/>
+              </a:spcBef>
+              <a:spcAft>
+                <a:spcPts val="0"/>
+              </a:spcAft>
+              <a:buNone/>
+            </a:pPr>
+            <a:r>
+              <a:t/>
+            </a:r>
+            <a:endParaRPr sz="2000">
+              <a:latin typeface="Lato"/>
+              <a:ea typeface="Lato"/>
+              <a:cs typeface="Lato"/>
+              <a:sym typeface="Lato"/>
+            </a:endParaRPr>
+          </a:p>
+        </p:txBody>
+      </p:sp>
+    </p:spTree>
+  </p:cSld>
+  <p:clrMapOvr>
+    <a:masterClrMapping/>
+  </p:clrMapOvr>
+</p:sld>
+</file>
+
+<file path=ppt/slides/slide13.xml><?xml version="1.0" encoding="utf-8"?>
+<p:sld xmlns:a="http://schemas.openxmlformats.org/drawingml/2006/main" xmlns:r="http://schemas.openxmlformats.org/officeDocument/2006/relationships" xmlns:mc="http://schemas.openxmlformats.org/markup-compatibility/2006" xmlns:mv="urn:schemas-microsoft-com:mac:vml" xmlns:p="http://schemas.openxmlformats.org/presentationml/2006/main" xmlns:c="http://schemas.openxmlformats.org/drawingml/2006/chart" xmlns:dgm="http://schemas.openxmlformats.org/drawingml/2006/diagram" xmlns:o="urn:schemas-microsoft-com:office:office" xmlns:v="urn:schemas-microsoft-com:vml" xmlns:pvml="urn:schemas-microsoft-com:office:powerpoint" xmlns:com="http://schemas.openxmlformats.org/drawingml/2006/compatibility" xmlns:p14="http://schemas.microsoft.com/office/powerpoint/2010/main" xmlns:p15="http://schemas.microsoft.com/office/powerpoint/2012/main">
+  <p:cSld>
+    <p:spTree>
+      <p:nvGrpSpPr>
+        <p:cNvPr id="192" name="Shape 192"/>
+        <p:cNvGrpSpPr/>
+        <p:nvPr/>
+      </p:nvGrpSpPr>
+      <p:grpSpPr>
+        <a:xfrm>
+          <a:off x="0" y="0"/>
+          <a:ext cx="0" cy="0"/>
+          <a:chOff x="0" y="0"/>
+          <a:chExt cx="0" cy="0"/>
+        </a:xfrm>
+      </p:grpSpPr>
+      <p:sp>
+        <p:nvSpPr>
+          <p:cNvPr id="193" name="Google Shape;193;p26"/>
+          <p:cNvSpPr txBox="1"/>
+          <p:nvPr>
+            <p:ph type="ctrTitle"/>
+          </p:nvPr>
+        </p:nvSpPr>
+        <p:spPr>
+          <a:xfrm>
+            <a:off x="913795" y="609600"/>
+            <a:ext cx="10353900" cy="970500"/>
+          </a:xfrm>
+          <a:prstGeom prst="rect">
+            <a:avLst/>
+          </a:prstGeom>
+          <a:noFill/>
+          <a:ln>
+            <a:noFill/>
+          </a:ln>
+          <a:effectLst>
+            <a:outerShdw blurRad="25400">
+              <a:srgbClr val="000000">
+                <a:alpha val="45880"/>
+              </a:srgbClr>
+            </a:outerShdw>
+          </a:effectLst>
+        </p:spPr>
+        <p:txBody>
+          <a:bodyPr anchorCtr="0" anchor="ctr" bIns="45700" lIns="91425" spcFirstLastPara="1" rIns="91425" wrap="square" tIns="45700">
+            <a:noAutofit/>
+          </a:bodyPr>
+          <a:lstStyle/>
+          <a:p>
+            <a:pPr indent="0" lvl="0" marL="0" rtl="0" algn="l">
+              <a:spcBef>
+                <a:spcPts val="0"/>
+              </a:spcBef>
+              <a:spcAft>
+                <a:spcPts val="0"/>
+              </a:spcAft>
+              <a:buClr>
+                <a:schemeClr val="lt2"/>
+              </a:buClr>
+              <a:buSzPts val="4000"/>
+              <a:buFont typeface="Lustria"/>
+              <a:buNone/>
+            </a:pPr>
+            <a:r>
+              <a:rPr lang="en-US" sz="3600"/>
+              <a:t>Materialized View</a:t>
+            </a:r>
+            <a:endParaRPr sz="3600"/>
+          </a:p>
+        </p:txBody>
+      </p:sp>
+      <p:sp>
+        <p:nvSpPr>
+          <p:cNvPr id="194" name="Google Shape;194;p26"/>
+          <p:cNvSpPr txBox="1"/>
+          <p:nvPr/>
+        </p:nvSpPr>
+        <p:spPr>
+          <a:xfrm>
+            <a:off x="1045875" y="1688575"/>
+            <a:ext cx="6003300" cy="3000000"/>
+          </a:xfrm>
+          <a:prstGeom prst="rect">
+            <a:avLst/>
+          </a:prstGeom>
+          <a:noFill/>
+          <a:ln>
+            <a:noFill/>
+          </a:ln>
+        </p:spPr>
+        <p:txBody>
+          <a:bodyPr anchorCtr="0" anchor="t" bIns="91425" lIns="91425" spcFirstLastPara="1" rIns="91425" wrap="square" tIns="91425">
+            <a:noAutofit/>
+          </a:bodyPr>
+          <a:lstStyle/>
+          <a:p>
+            <a:pPr indent="0" lvl="0" marL="0" rtl="0" algn="l">
+              <a:spcBef>
+                <a:spcPts val="0"/>
+              </a:spcBef>
+              <a:spcAft>
+                <a:spcPts val="0"/>
+              </a:spcAft>
+              <a:buNone/>
+            </a:pPr>
+            <a:r>
+              <a:rPr lang="en-US" sz="2400">
+                <a:solidFill>
+                  <a:schemeClr val="accent1"/>
+                </a:solidFill>
+                <a:latin typeface="Lato"/>
+                <a:ea typeface="Lato"/>
+                <a:cs typeface="Lato"/>
+                <a:sym typeface="Lato"/>
+              </a:rPr>
+              <a:t>A view that is stored as a database object, containing the results of a query.  </a:t>
+            </a:r>
+            <a:br>
+              <a:rPr lang="en-US" sz="2400">
+                <a:solidFill>
+                  <a:schemeClr val="accent1"/>
+                </a:solidFill>
+                <a:latin typeface="Lato"/>
+                <a:ea typeface="Lato"/>
+                <a:cs typeface="Lato"/>
+                <a:sym typeface="Lato"/>
+              </a:rPr>
+            </a:br>
+            <a:br>
+              <a:rPr lang="en-US" sz="2400">
+                <a:solidFill>
+                  <a:schemeClr val="accent1"/>
+                </a:solidFill>
+                <a:latin typeface="Lato"/>
+                <a:ea typeface="Lato"/>
+                <a:cs typeface="Lato"/>
+                <a:sym typeface="Lato"/>
+              </a:rPr>
+            </a:br>
+            <a:r>
+              <a:rPr lang="en-US" sz="2400">
+                <a:solidFill>
+                  <a:schemeClr val="accent1"/>
+                </a:solidFill>
+                <a:latin typeface="Lato"/>
+                <a:ea typeface="Lato"/>
+                <a:cs typeface="Lato"/>
+                <a:sym typeface="Lato"/>
+              </a:rPr>
+              <a:t>The view’s calculations are stored as well, so it has increased performance speed.</a:t>
+            </a:r>
+            <a:br>
+              <a:rPr lang="en-US" sz="2400">
+                <a:solidFill>
+                  <a:schemeClr val="accent1"/>
+                </a:solidFill>
+                <a:latin typeface="Lato"/>
+                <a:ea typeface="Lato"/>
+                <a:cs typeface="Lato"/>
+                <a:sym typeface="Lato"/>
+              </a:rPr>
+            </a:br>
+            <a:br>
+              <a:rPr lang="en-US" sz="2400">
+                <a:solidFill>
+                  <a:schemeClr val="accent1"/>
+                </a:solidFill>
+                <a:latin typeface="Lato"/>
+                <a:ea typeface="Lato"/>
+                <a:cs typeface="Lato"/>
+                <a:sym typeface="Lato"/>
+              </a:rPr>
+            </a:br>
+            <a:r>
+              <a:rPr lang="en-US" sz="2400">
+                <a:solidFill>
+                  <a:schemeClr val="accent1"/>
+                </a:solidFill>
+                <a:latin typeface="Lato"/>
+                <a:ea typeface="Lato"/>
+                <a:cs typeface="Lato"/>
+                <a:sym typeface="Lato"/>
+              </a:rPr>
+              <a:t>It can be refreshed as the tables it draws from are updated at various intervals.</a:t>
+            </a:r>
+            <a:br>
+              <a:rPr lang="en-US" sz="2400">
+                <a:solidFill>
+                  <a:schemeClr val="accent1"/>
+                </a:solidFill>
+                <a:latin typeface="Lato"/>
+                <a:ea typeface="Lato"/>
+                <a:cs typeface="Lato"/>
+                <a:sym typeface="Lato"/>
+              </a:rPr>
+            </a:br>
+            <a:br>
+              <a:rPr lang="en-US" sz="2400">
+                <a:solidFill>
+                  <a:schemeClr val="accent1"/>
+                </a:solidFill>
+                <a:latin typeface="Lato"/>
+                <a:ea typeface="Lato"/>
+                <a:cs typeface="Lato"/>
+                <a:sym typeface="Lato"/>
+              </a:rPr>
+            </a:br>
+            <a:r>
+              <a:rPr lang="en-US" sz="2400">
+                <a:solidFill>
+                  <a:schemeClr val="accent1"/>
+                </a:solidFill>
+                <a:latin typeface="Lato"/>
+                <a:ea typeface="Lato"/>
+                <a:cs typeface="Lato"/>
+                <a:sym typeface="Lato"/>
+              </a:rPr>
+              <a:t>Used to call up or perform calculations on data without changing the underlying base tables.</a:t>
+            </a:r>
+            <a:br>
+              <a:rPr lang="en-US" sz="2000">
+                <a:solidFill>
+                  <a:schemeClr val="accent1"/>
+                </a:solidFill>
+                <a:latin typeface="Lato"/>
+                <a:ea typeface="Lato"/>
+                <a:cs typeface="Lato"/>
+                <a:sym typeface="Lato"/>
+              </a:rPr>
+            </a:br>
+            <a:endParaRPr sz="1800"/>
+          </a:p>
+          <a:p>
+            <a:pPr indent="0" lvl="0" marL="0" rtl="0" algn="l">
+              <a:lnSpc>
+                <a:spcPct val="115000"/>
+              </a:lnSpc>
+              <a:spcBef>
+                <a:spcPts val="0"/>
+              </a:spcBef>
+              <a:spcAft>
+                <a:spcPts val="0"/>
+              </a:spcAft>
+              <a:buNone/>
+            </a:pPr>
+            <a:r>
+              <a:t/>
             </a:r>
             <a:endParaRPr sz="2000">
               <a:solidFill>
-                <a:srgbClr val="555555"/>
+                <a:schemeClr val="accent1"/>
               </a:solidFill>
-            </a:endParaRPr>
-          </a:p>
-          <a:p>
-            <a:pPr indent="0" lvl="0" marL="0" rtl="0" algn="l">
-              <a:lnSpc>
-                <a:spcPct val="150000"/>
-              </a:lnSpc>
-              <a:spcBef>
-                <a:spcPts val="1100"/>
-              </a:spcBef>
-              <a:spcAft>
-                <a:spcPts val="0"/>
-              </a:spcAft>
-              <a:buNone/>
-            </a:pPr>
-            <a:r>
-              <a:rPr lang="en-US" sz="2000">
-                <a:solidFill>
-                  <a:srgbClr val="555555"/>
-                </a:solidFill>
-              </a:rPr>
-              <a:t>	Step 4a - If new table, need to define column names and SQL data types</a:t>
-            </a:r>
-            <a:endParaRPr sz="2000">
-              <a:solidFill>
-                <a:srgbClr val="555555"/>
-              </a:solidFill>
-            </a:endParaRPr>
-          </a:p>
-          <a:p>
-            <a:pPr indent="0" lvl="0" marL="0" rtl="0" algn="l">
-              <a:lnSpc>
-                <a:spcPct val="150000"/>
-              </a:lnSpc>
-              <a:spcBef>
-                <a:spcPts val="1100"/>
-              </a:spcBef>
-              <a:spcAft>
-                <a:spcPts val="0"/>
-              </a:spcAft>
-              <a:buNone/>
-            </a:pPr>
-            <a:r>
-              <a:rPr lang="en-US" sz="2000">
-                <a:solidFill>
-                  <a:srgbClr val="555555"/>
-                </a:solidFill>
-              </a:rPr>
-              <a:t>Step 5 - Execute Import and Enjoy!</a:t>
-            </a:r>
-            <a:endParaRPr sz="2000">
-              <a:solidFill>
-                <a:srgbClr val="555555"/>
-              </a:solidFill>
-            </a:endParaRPr>
-          </a:p>
-          <a:p>
-            <a:pPr indent="0" lvl="0" marL="0" rtl="0" algn="l">
-              <a:lnSpc>
-                <a:spcPct val="150000"/>
-              </a:lnSpc>
-              <a:spcBef>
-                <a:spcPts val="1100"/>
-              </a:spcBef>
-              <a:spcAft>
-                <a:spcPts val="0"/>
-              </a:spcAft>
-              <a:buNone/>
-            </a:pPr>
-            <a:r>
-              <a:t/>
-            </a:r>
-            <a:endParaRPr sz="1800">
-              <a:solidFill>
-                <a:srgbClr val="555555"/>
-              </a:solidFill>
-            </a:endParaRPr>
-          </a:p>
-          <a:p>
-            <a:pPr indent="0" lvl="0" marL="0" rtl="0" algn="l">
-              <a:lnSpc>
-                <a:spcPct val="150000"/>
-              </a:lnSpc>
-              <a:spcBef>
-                <a:spcPts val="1100"/>
-              </a:spcBef>
-              <a:spcAft>
-                <a:spcPts val="1100"/>
-              </a:spcAft>
-              <a:buNone/>
-            </a:pPr>
-            <a:r>
-              <a:t/>
-            </a:r>
-            <a:endParaRPr sz="1800">
-              <a:solidFill>
-                <a:srgbClr val="555555"/>
-              </a:solidFill>
+              <a:latin typeface="Lato"/>
+              <a:ea typeface="Lato"/>
+              <a:cs typeface="Lato"/>
+              <a:sym typeface="Lato"/>
             </a:endParaRPr>
           </a:p>
         </p:txBody>
       </p:sp>
+      <p:pic>
+        <p:nvPicPr>
+          <p:cNvPr id="195" name="Google Shape;195;p26"/>
+          <p:cNvPicPr preferRelativeResize="0"/>
+          <p:nvPr/>
+        </p:nvPicPr>
+        <p:blipFill>
+          <a:blip r:embed="rId3">
+            <a:alphaModFix/>
+          </a:blip>
+          <a:stretch>
+            <a:fillRect/>
+          </a:stretch>
+        </p:blipFill>
+        <p:spPr>
+          <a:xfrm>
+            <a:off x="6775750" y="2600327"/>
+            <a:ext cx="5416249" cy="2088250"/>
+          </a:xfrm>
+          <a:prstGeom prst="rect">
+            <a:avLst/>
+          </a:prstGeom>
+          <a:noFill/>
+          <a:ln>
+            <a:noFill/>
+          </a:ln>
+        </p:spPr>
+      </p:pic>
     </p:spTree>
   </p:cSld>
   <p:clrMapOvr>
@@ -17060,7 +16264,7 @@
   <p:cSld>
     <p:spTree>
       <p:nvGrpSpPr>
-        <p:cNvPr id="199" name="Shape 199"/>
+        <p:cNvPr id="200" name="Shape 200"/>
         <p:cNvGrpSpPr/>
         <p:nvPr/>
       </p:nvGrpSpPr>
@@ -17074,7 +16278,7 @@
       </p:grpSpPr>
       <p:sp>
         <p:nvSpPr>
-          <p:cNvPr id="200" name="Google Shape;200;p27"/>
+          <p:cNvPr id="201" name="Google Shape;201;p27"/>
           <p:cNvSpPr txBox="1"/>
           <p:nvPr>
             <p:ph type="ctrTitle"/>
@@ -17114,7 +16318,7 @@
       </p:sp>
       <p:sp>
         <p:nvSpPr>
-          <p:cNvPr id="201" name="Google Shape;201;p27"/>
+          <p:cNvPr id="202" name="Google Shape;202;p27"/>
           <p:cNvSpPr txBox="1"/>
           <p:nvPr/>
         </p:nvSpPr>
@@ -17148,7 +16352,11 @@
             </a:pPr>
             <a:r>
               <a:rPr b="1" lang="en-US" sz="1800" u="sng"/>
-              <a:t>Data Storage &amp; Manipultaion</a:t>
+              <a:t>Data Storage &amp; </a:t>
+            </a:r>
+            <a:r>
+              <a:rPr b="1" lang="en-US" sz="1800" u="sng"/>
+              <a:t>Manipultaion</a:t>
             </a:r>
             <a:endParaRPr b="1" sz="1800" u="sng"/>
           </a:p>
@@ -17299,7 +16507,7 @@
             </a:br>
             <a:r>
               <a:rPr lang="en-US" sz="1800"/>
-              <a:t>2.  Alter the table to include (add) a “Gender” field. </a:t>
+              <a:t>3.  Alter the table to include (add) a “Gender” field. </a:t>
             </a:r>
             <a:endParaRPr sz="1800"/>
           </a:p>
@@ -17330,7 +16538,7 @@
             </a:pPr>
             <a:r>
               <a:rPr lang="en-US" sz="1800"/>
-              <a:t>3.  Insert the following records into the table: </a:t>
+              <a:t>4.  Insert the following records into the table: </a:t>
             </a:r>
             <a:endParaRPr sz="1800"/>
           </a:p>
@@ -17393,7 +16601,7 @@
             </a:pPr>
             <a:r>
               <a:rPr lang="en-US" sz="1800"/>
-              <a:t>4.  Delete the record with “LastName” = “Presley” </a:t>
+              <a:t>5.  Delete the record with “LastName” = “Presley” </a:t>
             </a:r>
             <a:br>
               <a:rPr lang="en-US" sz="1800"/>
@@ -17419,7 +16627,7 @@
       </p:sp>
       <p:pic>
         <p:nvPicPr>
-          <p:cNvPr id="202" name="Google Shape;202;p27"/>
+          <p:cNvPr id="203" name="Google Shape;203;p27"/>
           <p:cNvPicPr preferRelativeResize="0"/>
           <p:nvPr/>
         </p:nvPicPr>
@@ -17447,7 +16655,7 @@
       </p:pic>
       <p:sp>
         <p:nvSpPr>
-          <p:cNvPr id="203" name="Google Shape;203;p27"/>
+          <p:cNvPr id="204" name="Google Shape;204;p27"/>
           <p:cNvSpPr txBox="1"/>
           <p:nvPr/>
         </p:nvSpPr>
@@ -17481,11 +16689,15 @@
             </a:pPr>
             <a:r>
               <a:rPr lang="en-US" sz="1800"/>
-              <a:t>5. Update the</a:t>
+              <a:t>6</a:t>
             </a:r>
             <a:r>
               <a:rPr lang="en-US" sz="1800"/>
-              <a:t> LastName in the record that contains “ID” = 4 to “LastName” = ‘Caput’ </a:t>
+              <a:t>. Update the</a:t>
+            </a:r>
+            <a:r>
+              <a:rPr lang="en-US" sz="1800"/>
+              <a:t> LastName in the record that contains “ID” = 4 to “LastName” = ‘Crooks’ </a:t>
             </a:r>
             <a:br>
               <a:rPr lang="en-US" sz="1800"/>
@@ -17504,7 +16716,15 @@
             </a:pPr>
             <a:r>
               <a:rPr lang="en-US" sz="1800"/>
-              <a:t>6. delete the column “</a:t>
+              <a:t>7. </a:t>
+            </a:r>
+            <a:r>
+              <a:rPr lang="en-US" sz="1800"/>
+              <a:t>d</a:t>
+            </a:r>
+            <a:r>
+              <a:rPr lang="en-US" sz="1800"/>
+              <a:t>elete the column “</a:t>
             </a:r>
             <a:r>
               <a:rPr lang="en-US" sz="1800"/>
@@ -17543,12 +16763,335 @@
             </a:pPr>
             <a:r>
               <a:rPr lang="en-US" sz="1800"/>
-              <a:t>7. drop the “person” table from the “MissingPersons” schema.</a:t>
+              <a:t>8. drop the “person” table from the “MissingPersons” schema.</a:t>
             </a:r>
             <a:endParaRPr/>
           </a:p>
         </p:txBody>
       </p:sp>
+    </p:spTree>
+  </p:cSld>
+  <p:clrMapOvr>
+    <a:masterClrMapping/>
+  </p:clrMapOvr>
+</p:sld>
+</file>
+
+<file path=ppt/slides/slide15.xml><?xml version="1.0" encoding="utf-8"?>
+<p:sld xmlns:a="http://schemas.openxmlformats.org/drawingml/2006/main" xmlns:r="http://schemas.openxmlformats.org/officeDocument/2006/relationships" xmlns:mc="http://schemas.openxmlformats.org/markup-compatibility/2006" xmlns:mv="urn:schemas-microsoft-com:mac:vml" xmlns:p="http://schemas.openxmlformats.org/presentationml/2006/main" xmlns:c="http://schemas.openxmlformats.org/drawingml/2006/chart" xmlns:dgm="http://schemas.openxmlformats.org/drawingml/2006/diagram" xmlns:o="urn:schemas-microsoft-com:office:office" xmlns:v="urn:schemas-microsoft-com:vml" xmlns:pvml="urn:schemas-microsoft-com:office:powerpoint" xmlns:com="http://schemas.openxmlformats.org/drawingml/2006/compatibility" xmlns:p14="http://schemas.microsoft.com/office/powerpoint/2010/main" xmlns:p15="http://schemas.microsoft.com/office/powerpoint/2012/main">
+  <p:cSld>
+    <p:spTree>
+      <p:nvGrpSpPr>
+        <p:cNvPr id="209" name="Shape 209"/>
+        <p:cNvGrpSpPr/>
+        <p:nvPr/>
+      </p:nvGrpSpPr>
+      <p:grpSpPr>
+        <a:xfrm>
+          <a:off x="0" y="0"/>
+          <a:ext cx="0" cy="0"/>
+          <a:chOff x="0" y="0"/>
+          <a:chExt cx="0" cy="0"/>
+        </a:xfrm>
+      </p:grpSpPr>
+      <p:sp>
+        <p:nvSpPr>
+          <p:cNvPr id="210" name="Google Shape;210;p28"/>
+          <p:cNvSpPr txBox="1"/>
+          <p:nvPr>
+            <p:ph type="ctrTitle"/>
+          </p:nvPr>
+        </p:nvSpPr>
+        <p:spPr>
+          <a:xfrm>
+            <a:off x="972825" y="697317"/>
+            <a:ext cx="10250700" cy="2219700"/>
+          </a:xfrm>
+          <a:prstGeom prst="rect">
+            <a:avLst/>
+          </a:prstGeom>
+        </p:spPr>
+        <p:txBody>
+          <a:bodyPr anchorCtr="0" anchor="t" bIns="121900" lIns="121900" spcFirstLastPara="1" rIns="121900" wrap="square" tIns="121900">
+            <a:noAutofit/>
+          </a:bodyPr>
+          <a:lstStyle/>
+          <a:p>
+            <a:pPr indent="0" lvl="0" marL="0" rtl="0" algn="l">
+              <a:spcBef>
+                <a:spcPts val="0"/>
+              </a:spcBef>
+              <a:spcAft>
+                <a:spcPts val="0"/>
+              </a:spcAft>
+              <a:buNone/>
+            </a:pPr>
+            <a:r>
+              <a:rPr lang="en-US"/>
+              <a:t>Class Project </a:t>
+            </a:r>
+            <a:endParaRPr/>
+          </a:p>
+        </p:txBody>
+      </p:sp>
+      <p:sp>
+        <p:nvSpPr>
+          <p:cNvPr id="211" name="Google Shape;211;p28"/>
+          <p:cNvSpPr txBox="1"/>
+          <p:nvPr/>
+        </p:nvSpPr>
+        <p:spPr>
+          <a:xfrm>
+            <a:off x="492375" y="1656925"/>
+            <a:ext cx="6672300" cy="6929400"/>
+          </a:xfrm>
+          <a:prstGeom prst="rect">
+            <a:avLst/>
+          </a:prstGeom>
+          <a:noFill/>
+          <a:ln>
+            <a:noFill/>
+          </a:ln>
+        </p:spPr>
+        <p:txBody>
+          <a:bodyPr anchorCtr="0" anchor="t" bIns="91425" lIns="91425" spcFirstLastPara="1" rIns="91425" wrap="square" tIns="91425">
+            <a:noAutofit/>
+          </a:bodyPr>
+          <a:lstStyle/>
+          <a:p>
+            <a:pPr indent="0" lvl="0" marL="0" rtl="0" algn="ctr">
+              <a:spcBef>
+                <a:spcPts val="0"/>
+              </a:spcBef>
+              <a:spcAft>
+                <a:spcPts val="0"/>
+              </a:spcAft>
+              <a:buNone/>
+            </a:pPr>
+            <a:r>
+              <a:rPr b="1" lang="en-US" sz="1800" u="sng"/>
+              <a:t>Data Storage &amp; Manipultaion</a:t>
+            </a:r>
+            <a:endParaRPr b="1" sz="1800" u="sng"/>
+          </a:p>
+          <a:p>
+            <a:pPr indent="0" lvl="0" marL="0" rtl="0" algn="ctr">
+              <a:spcBef>
+                <a:spcPts val="0"/>
+              </a:spcBef>
+              <a:spcAft>
+                <a:spcPts val="0"/>
+              </a:spcAft>
+              <a:buNone/>
+            </a:pPr>
+            <a:r>
+              <a:t/>
+            </a:r>
+            <a:endParaRPr b="1" sz="1800" u="sng"/>
+          </a:p>
+          <a:p>
+            <a:pPr indent="0" lvl="0" marL="0" rtl="0" algn="l">
+              <a:spcBef>
+                <a:spcPts val="0"/>
+              </a:spcBef>
+              <a:spcAft>
+                <a:spcPts val="0"/>
+              </a:spcAft>
+              <a:buNone/>
+            </a:pPr>
+            <a:r>
+              <a:rPr lang="en-US" sz="1700"/>
+              <a:t>1. The business is in need of storing additional video game sales data, to understand the current “top games” in the marketplace.</a:t>
+            </a:r>
+            <a:endParaRPr sz="1700"/>
+          </a:p>
+          <a:p>
+            <a:pPr indent="0" lvl="0" marL="0" rtl="0" algn="l">
+              <a:spcBef>
+                <a:spcPts val="0"/>
+              </a:spcBef>
+              <a:spcAft>
+                <a:spcPts val="0"/>
+              </a:spcAft>
+              <a:buNone/>
+            </a:pPr>
+            <a:r>
+              <a:t/>
+            </a:r>
+            <a:endParaRPr sz="1700"/>
+          </a:p>
+          <a:p>
+            <a:pPr indent="-336550" lvl="0" marL="457200" rtl="0" algn="l">
+              <a:spcBef>
+                <a:spcPts val="0"/>
+              </a:spcBef>
+              <a:spcAft>
+                <a:spcPts val="0"/>
+              </a:spcAft>
+              <a:buSzPts val="1700"/>
+              <a:buAutoNum type="alphaLcParenR"/>
+            </a:pPr>
+            <a:r>
+              <a:rPr lang="en-US" sz="1700"/>
+              <a:t>Create a table named “console_game_sales” in the consoles schema, using the “ConsoleGames_201905.csv” file in the “</a:t>
+            </a:r>
+            <a:r>
+              <a:rPr lang="en-US" sz="1700"/>
+              <a:t>Class Project/consoles</a:t>
+            </a:r>
+            <a:r>
+              <a:rPr lang="en-US" sz="1700"/>
+              <a:t>” folder</a:t>
+            </a:r>
+            <a:endParaRPr sz="1700"/>
+          </a:p>
+          <a:p>
+            <a:pPr indent="0" lvl="0" marL="457200" rtl="0" algn="l">
+              <a:spcBef>
+                <a:spcPts val="0"/>
+              </a:spcBef>
+              <a:spcAft>
+                <a:spcPts val="0"/>
+              </a:spcAft>
+              <a:buNone/>
+            </a:pPr>
+            <a:r>
+              <a:t/>
+            </a:r>
+            <a:endParaRPr sz="1700"/>
+          </a:p>
+          <a:p>
+            <a:pPr indent="-336550" lvl="0" marL="457200" rtl="0" algn="l">
+              <a:spcBef>
+                <a:spcPts val="0"/>
+              </a:spcBef>
+              <a:spcAft>
+                <a:spcPts val="0"/>
+              </a:spcAft>
+              <a:buSzPts val="1700"/>
+              <a:buAutoNum type="alphaLcParenR"/>
+            </a:pPr>
+            <a:r>
+              <a:rPr lang="en-US" sz="1700"/>
+              <a:t>Create a SQL script that inserts the values of the CSV file, into the “console_game_sales” table.</a:t>
+            </a:r>
+            <a:endParaRPr sz="1700"/>
+          </a:p>
+          <a:p>
+            <a:pPr indent="0" lvl="0" marL="0" rtl="0" algn="l">
+              <a:spcBef>
+                <a:spcPts val="0"/>
+              </a:spcBef>
+              <a:spcAft>
+                <a:spcPts val="0"/>
+              </a:spcAft>
+              <a:buNone/>
+            </a:pPr>
+            <a:r>
+              <a:t/>
+            </a:r>
+            <a:endParaRPr sz="1700"/>
+          </a:p>
+          <a:p>
+            <a:pPr indent="0" lvl="0" marL="0" rtl="0" algn="l">
+              <a:spcBef>
+                <a:spcPts val="0"/>
+              </a:spcBef>
+              <a:spcAft>
+                <a:spcPts val="0"/>
+              </a:spcAft>
+              <a:buNone/>
+            </a:pPr>
+            <a:r>
+              <a:rPr lang="en-US" sz="1700"/>
+              <a:t>2. The company is not interested in producing Sports Games - Remove these observations from the “</a:t>
+            </a:r>
+            <a:r>
+              <a:rPr lang="en-US" sz="1700"/>
+              <a:t>console_game_sales” table</a:t>
+            </a:r>
+            <a:endParaRPr sz="1700"/>
+          </a:p>
+          <a:p>
+            <a:pPr indent="0" lvl="0" marL="0" rtl="0" algn="l">
+              <a:spcBef>
+                <a:spcPts val="0"/>
+              </a:spcBef>
+              <a:spcAft>
+                <a:spcPts val="0"/>
+              </a:spcAft>
+              <a:buNone/>
+            </a:pPr>
+            <a:r>
+              <a:t/>
+            </a:r>
+            <a:endParaRPr sz="1700"/>
+          </a:p>
+          <a:p>
+            <a:pPr indent="0" lvl="0" marL="0" rtl="0" algn="l">
+              <a:spcBef>
+                <a:spcPts val="0"/>
+              </a:spcBef>
+              <a:spcAft>
+                <a:spcPts val="0"/>
+              </a:spcAft>
+              <a:buNone/>
+            </a:pPr>
+            <a:r>
+              <a:rPr lang="en-US" sz="1700"/>
+              <a:t>3. The CEO insist that “</a:t>
+            </a:r>
+            <a:r>
+              <a:rPr lang="en-US" sz="1700"/>
+              <a:t>Barbie Adventure Game” is a top-seller.  Insert a record with that “Title” into the table, for comparison purposes (mock-up field values) </a:t>
+            </a:r>
+            <a:endParaRPr sz="1700"/>
+          </a:p>
+          <a:p>
+            <a:pPr indent="0" lvl="0" marL="0" rtl="0" algn="l">
+              <a:spcBef>
+                <a:spcPts val="0"/>
+              </a:spcBef>
+              <a:spcAft>
+                <a:spcPts val="0"/>
+              </a:spcAft>
+              <a:buNone/>
+            </a:pPr>
+            <a:r>
+              <a:t/>
+            </a:r>
+            <a:endParaRPr sz="1700"/>
+          </a:p>
+        </p:txBody>
+      </p:sp>
+      <p:pic>
+        <p:nvPicPr>
+          <p:cNvPr id="212" name="Google Shape;212;p28"/>
+          <p:cNvPicPr preferRelativeResize="0"/>
+          <p:nvPr/>
+        </p:nvPicPr>
+        <p:blipFill>
+          <a:blip r:embed="rId3">
+            <a:alphaModFix/>
+          </a:blip>
+          <a:stretch>
+            <a:fillRect/>
+          </a:stretch>
+        </p:blipFill>
+        <p:spPr>
+          <a:xfrm>
+            <a:off x="7564875" y="2150517"/>
+            <a:ext cx="3636183" cy="3636183"/>
+          </a:xfrm>
+          <a:prstGeom prst="rect">
+            <a:avLst/>
+          </a:prstGeom>
+          <a:noFill/>
+          <a:ln>
+            <a:noFill/>
+          </a:ln>
+        </p:spPr>
+      </p:pic>
     </p:spTree>
   </p:cSld>
   <p:clrMapOvr>
@@ -17725,7 +17268,7 @@
             </a:pPr>
             <a:r>
               <a:rPr lang="en-US" sz="2400"/>
-              <a:t>How to you utilize comments for debugging or explaining code</a:t>
+              <a:t>How to you utilize comments for debugging or explaining code?</a:t>
             </a:r>
             <a:br>
               <a:rPr lang="en-US" sz="2400"/>
@@ -18098,31 +17641,13 @@
                 <a:spcPts val="600"/>
               </a:spcBef>
               <a:spcAft>
-                <a:spcPts val="0"/>
+                <a:spcPts val="600"/>
               </a:spcAft>
               <a:buNone/>
             </a:pPr>
             <a:r>
               <a:rPr lang="en-US" sz="2400"/>
               <a:t>Perform joins - inner, outer and left </a:t>
-            </a:r>
-            <a:endParaRPr sz="2400"/>
-          </a:p>
-          <a:p>
-            <a:pPr indent="0" lvl="0" marL="0" rtl="0" algn="l">
-              <a:lnSpc>
-                <a:spcPct val="115000"/>
-              </a:lnSpc>
-              <a:spcBef>
-                <a:spcPts val="600"/>
-              </a:spcBef>
-              <a:spcAft>
-                <a:spcPts val="600"/>
-              </a:spcAft>
-              <a:buNone/>
-            </a:pPr>
-            <a:r>
-              <a:t/>
             </a:r>
             <a:endParaRPr sz="2400"/>
           </a:p>
@@ -22013,7 +21538,7 @@
             <a:tbl>
               <a:tblPr>
                 <a:noFill/>
-                <a:tableStyleId>{0C2D6E71-2DAC-426C-8502-CEE6033F9AAC}</a:tableStyleId>
+                <a:tableStyleId>{DBE9923D-6AE8-41DC-B2A5-6BA3C29A133A}</a:tableStyleId>
               </a:tblPr>
               <a:tblGrid>
                 <a:gridCol w="931700"/>
@@ -23282,6 +22807,285 @@
 </file>
 
 <file path=ppt/theme/theme1.xml><?xml version="1.0" encoding="utf-8"?>
+<a:theme xmlns:a="http://schemas.openxmlformats.org/drawingml/2006/main" xmlns:r="http://schemas.openxmlformats.org/officeDocument/2006/relationships" name="Streamline">
+  <a:themeElements>
+    <a:clrScheme name="Streamline">
+      <a:dk1>
+        <a:srgbClr val="1A9988"/>
+      </a:dk1>
+      <a:lt1>
+        <a:srgbClr val="FFFFFF"/>
+      </a:lt1>
+      <a:dk2>
+        <a:srgbClr val="1A1A1A"/>
+      </a:dk2>
+      <a:lt2>
+        <a:srgbClr val="E9EDEE"/>
+      </a:lt2>
+      <a:accent1>
+        <a:srgbClr val="595959"/>
+      </a:accent1>
+      <a:accent2>
+        <a:srgbClr val="6AA4C8"/>
+      </a:accent2>
+      <a:accent3>
+        <a:srgbClr val="EB5600"/>
+      </a:accent3>
+      <a:accent4>
+        <a:srgbClr val="A2FFE8"/>
+      </a:accent4>
+      <a:accent5>
+        <a:srgbClr val="1C3678"/>
+      </a:accent5>
+      <a:accent6>
+        <a:srgbClr val="FFB8A2"/>
+      </a:accent6>
+      <a:hlink>
+        <a:srgbClr val="1C3678"/>
+      </a:hlink>
+      <a:folHlink>
+        <a:srgbClr val="1C3678"/>
+      </a:folHlink>
+    </a:clrScheme>
+    <a:fontScheme name="Office">
+      <a:majorFont>
+        <a:latin typeface="Arial"/>
+        <a:ea typeface=""/>
+        <a:cs typeface=""/>
+        <a:font script="Jpan" typeface="ＭＳ Ｐゴシック"/>
+        <a:font script="Hang" typeface="맑은 고딕"/>
+        <a:font script="Hans" typeface="宋体"/>
+        <a:font script="Hant" typeface="新細明體"/>
+        <a:font script="Arab" typeface="Times New Roman"/>
+        <a:font script="Hebr" typeface="Times New Roman"/>
+        <a:font script="Thai" typeface="Angsana New"/>
+        <a:font script="Ethi" typeface="Nyala"/>
+        <a:font script="Beng" typeface="Vrinda"/>
+        <a:font script="Gujr" typeface="Shruti"/>
+        <a:font script="Khmr" typeface="MoolBoran"/>
+        <a:font script="Knda" typeface="Tunga"/>
+        <a:font script="Guru" typeface="Raavi"/>
+        <a:font script="Cans" typeface="Euphemia"/>
+        <a:font script="Cher" typeface="Plantagenet Cherokee"/>
+        <a:font script="Yiii" typeface="Microsoft Yi Baiti"/>
+        <a:font script="Tibt" typeface="Microsoft Himalaya"/>
+        <a:font script="Thaa" typeface="MV Boli"/>
+        <a:font script="Deva" typeface="Mangal"/>
+        <a:font script="Telu" typeface="Gautami"/>
+        <a:font script="Taml" typeface="Latha"/>
+        <a:font script="Syrc" typeface="Estrangelo Edessa"/>
+        <a:font script="Orya" typeface="Kalinga"/>
+        <a:font script="Mlym" typeface="Kartika"/>
+        <a:font script="Laoo" typeface="DokChampa"/>
+        <a:font script="Sinh" typeface="Iskoola Pota"/>
+        <a:font script="Mong" typeface="Mongolian Baiti"/>
+        <a:font script="Viet" typeface="Times New Roman"/>
+        <a:font script="Uigh" typeface="Microsoft Uighur"/>
+        <a:font script="Geor" typeface="Sylfaen"/>
+      </a:majorFont>
+      <a:minorFont>
+        <a:latin typeface="Arial"/>
+        <a:ea typeface=""/>
+        <a:cs typeface=""/>
+        <a:font script="Jpan" typeface="ＭＳ Ｐゴシック"/>
+        <a:font script="Hang" typeface="맑은 고딕"/>
+        <a:font script="Hans" typeface="宋体"/>
+        <a:font script="Hant" typeface="新細明體"/>
+        <a:font script="Arab" typeface="Arial"/>
+        <a:font script="Hebr" typeface="Arial"/>
+        <a:font script="Thai" typeface="Cordia New"/>
+        <a:font script="Ethi" typeface="Nyala"/>
+        <a:font script="Beng" typeface="Vrinda"/>
+        <a:font script="Gujr" typeface="Shruti"/>
+        <a:font script="Khmr" typeface="DaunPenh"/>
+        <a:font script="Knda" typeface="Tunga"/>
+        <a:font script="Guru" typeface="Raavi"/>
+        <a:font script="Cans" typeface="Euphemia"/>
+        <a:font script="Cher" typeface="Plantagenet Cherokee"/>
+        <a:font script="Yiii" typeface="Microsoft Yi Baiti"/>
+        <a:font script="Tibt" typeface="Microsoft Himalaya"/>
+        <a:font script="Thaa" typeface="MV Boli"/>
+        <a:font script="Deva" typeface="Mangal"/>
+        <a:font script="Telu" typeface="Gautami"/>
+        <a:font script="Taml" typeface="Latha"/>
+        <a:font script="Syrc" typeface="Estrangelo Edessa"/>
+        <a:font script="Orya" typeface="Kalinga"/>
+        <a:font script="Mlym" typeface="Kartika"/>
+        <a:font script="Laoo" typeface="DokChampa"/>
+        <a:font script="Sinh" typeface="Iskoola Pota"/>
+        <a:font script="Mong" typeface="Mongolian Baiti"/>
+        <a:font script="Viet" typeface="Arial"/>
+        <a:font script="Uigh" typeface="Microsoft Uighur"/>
+        <a:font script="Geor" typeface="Sylfaen"/>
+      </a:minorFont>
+    </a:fontScheme>
+    <a:fmtScheme name="Office">
+      <a:fillStyleLst>
+        <a:solidFill>
+          <a:schemeClr val="phClr"/>
+        </a:solidFill>
+        <a:gradFill rotWithShape="1">
+          <a:gsLst>
+            <a:gs pos="0">
+              <a:schemeClr val="phClr">
+                <a:tint val="50000"/>
+                <a:satMod val="300000"/>
+              </a:schemeClr>
+            </a:gs>
+            <a:gs pos="35000">
+              <a:schemeClr val="phClr">
+                <a:tint val="37000"/>
+                <a:satMod val="300000"/>
+              </a:schemeClr>
+            </a:gs>
+            <a:gs pos="100000">
+              <a:schemeClr val="phClr">
+                <a:tint val="15000"/>
+                <a:satMod val="350000"/>
+              </a:schemeClr>
+            </a:gs>
+          </a:gsLst>
+          <a:lin ang="16200000" scaled="1"/>
+        </a:gradFill>
+        <a:gradFill rotWithShape="1">
+          <a:gsLst>
+            <a:gs pos="0">
+              <a:schemeClr val="phClr">
+                <a:tint val="100000"/>
+                <a:shade val="100000"/>
+                <a:satMod val="130000"/>
+              </a:schemeClr>
+            </a:gs>
+            <a:gs pos="100000">
+              <a:schemeClr val="phClr">
+                <a:tint val="50000"/>
+                <a:shade val="100000"/>
+                <a:satMod val="350000"/>
+              </a:schemeClr>
+            </a:gs>
+          </a:gsLst>
+          <a:lin ang="16200000" scaled="0"/>
+        </a:gradFill>
+      </a:fillStyleLst>
+      <a:lnStyleLst>
+        <a:ln w="9525" cap="flat" cmpd="sng" algn="ctr">
+          <a:solidFill>
+            <a:schemeClr val="phClr">
+              <a:shade val="95000"/>
+              <a:satMod val="105000"/>
+            </a:schemeClr>
+          </a:solidFill>
+          <a:prstDash val="solid"/>
+        </a:ln>
+        <a:ln w="25400" cap="flat" cmpd="sng" algn="ctr">
+          <a:solidFill>
+            <a:schemeClr val="phClr"/>
+          </a:solidFill>
+          <a:prstDash val="solid"/>
+        </a:ln>
+        <a:ln w="38100" cap="flat" cmpd="sng" algn="ctr">
+          <a:solidFill>
+            <a:schemeClr val="phClr"/>
+          </a:solidFill>
+          <a:prstDash val="solid"/>
+        </a:ln>
+      </a:lnStyleLst>
+      <a:effectStyleLst>
+        <a:effectStyle>
+          <a:effectLst>
+            <a:outerShdw blurRad="40000" dist="20000" dir="5400000" rotWithShape="0">
+              <a:srgbClr val="000000">
+                <a:alpha val="38000"/>
+              </a:srgbClr>
+            </a:outerShdw>
+          </a:effectLst>
+        </a:effectStyle>
+        <a:effectStyle>
+          <a:effectLst>
+            <a:outerShdw blurRad="40000" dist="23000" dir="5400000" rotWithShape="0">
+              <a:srgbClr val="000000">
+                <a:alpha val="35000"/>
+              </a:srgbClr>
+            </a:outerShdw>
+          </a:effectLst>
+        </a:effectStyle>
+        <a:effectStyle>
+          <a:effectLst>
+            <a:outerShdw blurRad="40000" dist="23000" dir="5400000" rotWithShape="0">
+              <a:srgbClr val="000000">
+                <a:alpha val="35000"/>
+              </a:srgbClr>
+            </a:outerShdw>
+          </a:effectLst>
+          <a:scene3d>
+            <a:camera prst="orthographicFront">
+              <a:rot lat="0" lon="0" rev="0"/>
+            </a:camera>
+            <a:lightRig rig="threePt" dir="t">
+              <a:rot lat="0" lon="0" rev="1200000"/>
+            </a:lightRig>
+          </a:scene3d>
+          <a:sp3d>
+            <a:bevelT w="63500" h="25400"/>
+          </a:sp3d>
+        </a:effectStyle>
+      </a:effectStyleLst>
+      <a:bgFillStyleLst>
+        <a:solidFill>
+          <a:schemeClr val="phClr"/>
+        </a:solidFill>
+        <a:gradFill rotWithShape="1">
+          <a:gsLst>
+            <a:gs pos="0">
+              <a:schemeClr val="phClr">
+                <a:tint val="40000"/>
+                <a:satMod val="350000"/>
+              </a:schemeClr>
+            </a:gs>
+            <a:gs pos="40000">
+              <a:schemeClr val="phClr">
+                <a:tint val="45000"/>
+                <a:shade val="99000"/>
+                <a:satMod val="350000"/>
+              </a:schemeClr>
+            </a:gs>
+            <a:gs pos="100000">
+              <a:schemeClr val="phClr">
+                <a:shade val="20000"/>
+                <a:satMod val="255000"/>
+              </a:schemeClr>
+            </a:gs>
+          </a:gsLst>
+          <a:path path="circle">
+            <a:fillToRect l="50000" t="-80000" r="50000" b="180000"/>
+          </a:path>
+        </a:gradFill>
+        <a:gradFill rotWithShape="1">
+          <a:gsLst>
+            <a:gs pos="0">
+              <a:schemeClr val="phClr">
+                <a:tint val="80000"/>
+                <a:satMod val="300000"/>
+              </a:schemeClr>
+            </a:gs>
+            <a:gs pos="100000">
+              <a:schemeClr val="phClr">
+                <a:shade val="30000"/>
+                <a:satMod val="200000"/>
+              </a:schemeClr>
+            </a:gs>
+          </a:gsLst>
+          <a:path path="circle">
+            <a:fillToRect l="50000" t="50000" r="50000" b="50000"/>
+          </a:path>
+        </a:gradFill>
+      </a:bgFillStyleLst>
+    </a:fmtScheme>
+  </a:themeElements>
+</a:theme>
+</file>
+
+<file path=ppt/theme/theme2.xml><?xml version="1.0" encoding="utf-8"?>
 <a:theme xmlns:a="http://schemas.openxmlformats.org/drawingml/2006/main" xmlns:r="http://schemas.openxmlformats.org/officeDocument/2006/relationships" name="Office Theme">
   <a:themeElements>
     <a:clrScheme name="Office">
@@ -23558,283 +23362,4 @@
     </a:fmtScheme>
   </a:themeElements>
 </a:theme>
-</file>
-
-<file path=ppt/theme/theme2.xml><?xml version="1.0" encoding="utf-8"?>
-<a:theme xmlns:a="http://schemas.openxmlformats.org/drawingml/2006/main" xmlns:r="http://schemas.openxmlformats.org/officeDocument/2006/relationships" name="Streamline">
-  <a:themeElements>
-    <a:clrScheme name="Streamline">
-      <a:dk1>
-        <a:srgbClr val="1A9988"/>
-      </a:dk1>
-      <a:lt1>
-        <a:srgbClr val="FFFFFF"/>
-      </a:lt1>
-      <a:dk2>
-        <a:srgbClr val="1A1A1A"/>
-      </a:dk2>
-      <a:lt2>
-        <a:srgbClr val="E9EDEE"/>
-      </a:lt2>
-      <a:accent1>
-        <a:srgbClr val="595959"/>
-      </a:accent1>
-      <a:accent2>
-        <a:srgbClr val="6AA4C8"/>
-      </a:accent2>
-      <a:accent3>
-        <a:srgbClr val="EB5600"/>
-      </a:accent3>
-      <a:accent4>
-        <a:srgbClr val="A2FFE8"/>
-      </a:accent4>
-      <a:accent5>
-        <a:srgbClr val="1C3678"/>
-      </a:accent5>
-      <a:accent6>
-        <a:srgbClr val="FFB8A2"/>
-      </a:accent6>
-      <a:hlink>
-        <a:srgbClr val="1C3678"/>
-      </a:hlink>
-      <a:folHlink>
-        <a:srgbClr val="1C3678"/>
-      </a:folHlink>
-    </a:clrScheme>
-    <a:fontScheme name="Office">
-      <a:majorFont>
-        <a:latin typeface="Arial"/>
-        <a:ea typeface=""/>
-        <a:cs typeface=""/>
-        <a:font script="Jpan" typeface="ＭＳ Ｐゴシック"/>
-        <a:font script="Hang" typeface="맑은 고딕"/>
-        <a:font script="Hans" typeface="宋体"/>
-        <a:font script="Hant" typeface="新細明體"/>
-        <a:font script="Arab" typeface="Times New Roman"/>
-        <a:font script="Hebr" typeface="Times New Roman"/>
-        <a:font script="Thai" typeface="Angsana New"/>
-        <a:font script="Ethi" typeface="Nyala"/>
-        <a:font script="Beng" typeface="Vrinda"/>
-        <a:font script="Gujr" typeface="Shruti"/>
-        <a:font script="Khmr" typeface="MoolBoran"/>
-        <a:font script="Knda" typeface="Tunga"/>
-        <a:font script="Guru" typeface="Raavi"/>
-        <a:font script="Cans" typeface="Euphemia"/>
-        <a:font script="Cher" typeface="Plantagenet Cherokee"/>
-        <a:font script="Yiii" typeface="Microsoft Yi Baiti"/>
-        <a:font script="Tibt" typeface="Microsoft Himalaya"/>
-        <a:font script="Thaa" typeface="MV Boli"/>
-        <a:font script="Deva" typeface="Mangal"/>
-        <a:font script="Telu" typeface="Gautami"/>
-        <a:font script="Taml" typeface="Latha"/>
-        <a:font script="Syrc" typeface="Estrangelo Edessa"/>
-        <a:font script="Orya" typeface="Kalinga"/>
-        <a:font script="Mlym" typeface="Kartika"/>
-        <a:font script="Laoo" typeface="DokChampa"/>
-        <a:font script="Sinh" typeface="Iskoola Pota"/>
-        <a:font script="Mong" typeface="Mongolian Baiti"/>
-        <a:font script="Viet" typeface="Times New Roman"/>
-        <a:font script="Uigh" typeface="Microsoft Uighur"/>
-        <a:font script="Geor" typeface="Sylfaen"/>
-      </a:majorFont>
-      <a:minorFont>
-        <a:latin typeface="Arial"/>
-        <a:ea typeface=""/>
-        <a:cs typeface=""/>
-        <a:font script="Jpan" typeface="ＭＳ Ｐゴシック"/>
-        <a:font script="Hang" typeface="맑은 고딕"/>
-        <a:font script="Hans" typeface="宋体"/>
-        <a:font script="Hant" typeface="新細明體"/>
-        <a:font script="Arab" typeface="Arial"/>
-        <a:font script="Hebr" typeface="Arial"/>
-        <a:font script="Thai" typeface="Cordia New"/>
-        <a:font script="Ethi" typeface="Nyala"/>
-        <a:font script="Beng" typeface="Vrinda"/>
-        <a:font script="Gujr" typeface="Shruti"/>
-        <a:font script="Khmr" typeface="DaunPenh"/>
-        <a:font script="Knda" typeface="Tunga"/>
-        <a:font script="Guru" typeface="Raavi"/>
-        <a:font script="Cans" typeface="Euphemia"/>
-        <a:font script="Cher" typeface="Plantagenet Cherokee"/>
-        <a:font script="Yiii" typeface="Microsoft Yi Baiti"/>
-        <a:font script="Tibt" typeface="Microsoft Himalaya"/>
-        <a:font script="Thaa" typeface="MV Boli"/>
-        <a:font script="Deva" typeface="Mangal"/>
-        <a:font script="Telu" typeface="Gautami"/>
-        <a:font script="Taml" typeface="Latha"/>
-        <a:font script="Syrc" typeface="Estrangelo Edessa"/>
-        <a:font script="Orya" typeface="Kalinga"/>
-        <a:font script="Mlym" typeface="Kartika"/>
-        <a:font script="Laoo" typeface="DokChampa"/>
-        <a:font script="Sinh" typeface="Iskoola Pota"/>
-        <a:font script="Mong" typeface="Mongolian Baiti"/>
-        <a:font script="Viet" typeface="Arial"/>
-        <a:font script="Uigh" typeface="Microsoft Uighur"/>
-        <a:font script="Geor" typeface="Sylfaen"/>
-      </a:minorFont>
-    </a:fontScheme>
-    <a:fmtScheme name="Office">
-      <a:fillStyleLst>
-        <a:solidFill>
-          <a:schemeClr val="phClr"/>
-        </a:solidFill>
-        <a:gradFill rotWithShape="1">
-          <a:gsLst>
-            <a:gs pos="0">
-              <a:schemeClr val="phClr">
-                <a:tint val="50000"/>
-                <a:satMod val="300000"/>
-              </a:schemeClr>
-            </a:gs>
-            <a:gs pos="35000">
-              <a:schemeClr val="phClr">
-                <a:tint val="37000"/>
-                <a:satMod val="300000"/>
-              </a:schemeClr>
-            </a:gs>
-            <a:gs pos="100000">
-              <a:schemeClr val="phClr">
-                <a:tint val="15000"/>
-                <a:satMod val="350000"/>
-              </a:schemeClr>
-            </a:gs>
-          </a:gsLst>
-          <a:lin ang="16200000" scaled="1"/>
-        </a:gradFill>
-        <a:gradFill rotWithShape="1">
-          <a:gsLst>
-            <a:gs pos="0">
-              <a:schemeClr val="phClr">
-                <a:tint val="100000"/>
-                <a:shade val="100000"/>
-                <a:satMod val="130000"/>
-              </a:schemeClr>
-            </a:gs>
-            <a:gs pos="100000">
-              <a:schemeClr val="phClr">
-                <a:tint val="50000"/>
-                <a:shade val="100000"/>
-                <a:satMod val="350000"/>
-              </a:schemeClr>
-            </a:gs>
-          </a:gsLst>
-          <a:lin ang="16200000" scaled="0"/>
-        </a:gradFill>
-      </a:fillStyleLst>
-      <a:lnStyleLst>
-        <a:ln w="9525" cap="flat" cmpd="sng" algn="ctr">
-          <a:solidFill>
-            <a:schemeClr val="phClr">
-              <a:shade val="95000"/>
-              <a:satMod val="105000"/>
-            </a:schemeClr>
-          </a:solidFill>
-          <a:prstDash val="solid"/>
-        </a:ln>
-        <a:ln w="25400" cap="flat" cmpd="sng" algn="ctr">
-          <a:solidFill>
-            <a:schemeClr val="phClr"/>
-          </a:solidFill>
-          <a:prstDash val="solid"/>
-        </a:ln>
-        <a:ln w="38100" cap="flat" cmpd="sng" algn="ctr">
-          <a:solidFill>
-            <a:schemeClr val="phClr"/>
-          </a:solidFill>
-          <a:prstDash val="solid"/>
-        </a:ln>
-      </a:lnStyleLst>
-      <a:effectStyleLst>
-        <a:effectStyle>
-          <a:effectLst>
-            <a:outerShdw blurRad="40000" dist="20000" dir="5400000" rotWithShape="0">
-              <a:srgbClr val="000000">
-                <a:alpha val="38000"/>
-              </a:srgbClr>
-            </a:outerShdw>
-          </a:effectLst>
-        </a:effectStyle>
-        <a:effectStyle>
-          <a:effectLst>
-            <a:outerShdw blurRad="40000" dist="23000" dir="5400000" rotWithShape="0">
-              <a:srgbClr val="000000">
-                <a:alpha val="35000"/>
-              </a:srgbClr>
-            </a:outerShdw>
-          </a:effectLst>
-        </a:effectStyle>
-        <a:effectStyle>
-          <a:effectLst>
-            <a:outerShdw blurRad="40000" dist="23000" dir="5400000" rotWithShape="0">
-              <a:srgbClr val="000000">
-                <a:alpha val="35000"/>
-              </a:srgbClr>
-            </a:outerShdw>
-          </a:effectLst>
-          <a:scene3d>
-            <a:camera prst="orthographicFront">
-              <a:rot lat="0" lon="0" rev="0"/>
-            </a:camera>
-            <a:lightRig rig="threePt" dir="t">
-              <a:rot lat="0" lon="0" rev="1200000"/>
-            </a:lightRig>
-          </a:scene3d>
-          <a:sp3d>
-            <a:bevelT w="63500" h="25400"/>
-          </a:sp3d>
-        </a:effectStyle>
-      </a:effectStyleLst>
-      <a:bgFillStyleLst>
-        <a:solidFill>
-          <a:schemeClr val="phClr"/>
-        </a:solidFill>
-        <a:gradFill rotWithShape="1">
-          <a:gsLst>
-            <a:gs pos="0">
-              <a:schemeClr val="phClr">
-                <a:tint val="40000"/>
-                <a:satMod val="350000"/>
-              </a:schemeClr>
-            </a:gs>
-            <a:gs pos="40000">
-              <a:schemeClr val="phClr">
-                <a:tint val="45000"/>
-                <a:shade val="99000"/>
-                <a:satMod val="350000"/>
-              </a:schemeClr>
-            </a:gs>
-            <a:gs pos="100000">
-              <a:schemeClr val="phClr">
-                <a:shade val="20000"/>
-                <a:satMod val="255000"/>
-              </a:schemeClr>
-            </a:gs>
-          </a:gsLst>
-          <a:path path="circle">
-            <a:fillToRect l="50000" t="-80000" r="50000" b="180000"/>
-          </a:path>
-        </a:gradFill>
-        <a:gradFill rotWithShape="1">
-          <a:gsLst>
-            <a:gs pos="0">
-              <a:schemeClr val="phClr">
-                <a:tint val="80000"/>
-                <a:satMod val="300000"/>
-              </a:schemeClr>
-            </a:gs>
-            <a:gs pos="100000">
-              <a:schemeClr val="phClr">
-                <a:shade val="30000"/>
-                <a:satMod val="200000"/>
-              </a:schemeClr>
-            </a:gs>
-          </a:gsLst>
-          <a:path path="circle">
-            <a:fillToRect l="50000" t="50000" r="50000" b="50000"/>
-          </a:path>
-        </a:gradFill>
-      </a:bgFillStyleLst>
-    </a:fmtScheme>
-  </a:themeElements>
-</a:theme>
 </file>
--- a/Lectures/Manipulating Data Pt. 1 (3).pptx
+++ b/Lectures/Manipulating Data Pt. 1 (3).pptx
@@ -22,24 +22,23 @@
     <p:sldId id="267" r:id="rId17"/>
     <p:sldId id="268" r:id="rId18"/>
     <p:sldId id="269" r:id="rId19"/>
-    <p:sldId id="270" r:id="rId20"/>
   </p:sldIdLst>
   <p:sldSz cy="6858000" cx="12192000"/>
   <p:notesSz cx="6858000" cy="9144000"/>
   <p:embeddedFontLst>
     <p:embeddedFont>
       <p:font typeface="Raleway"/>
-      <p:regular r:id="rId21"/>
-      <p:bold r:id="rId22"/>
-      <p:italic r:id="rId23"/>
-      <p:boldItalic r:id="rId24"/>
+      <p:regular r:id="rId20"/>
+      <p:bold r:id="rId21"/>
+      <p:italic r:id="rId22"/>
+      <p:boldItalic r:id="rId23"/>
     </p:embeddedFont>
     <p:embeddedFont>
       <p:font typeface="Lato"/>
-      <p:regular r:id="rId25"/>
-      <p:bold r:id="rId26"/>
-      <p:italic r:id="rId27"/>
-      <p:boldItalic r:id="rId28"/>
+      <p:regular r:id="rId24"/>
+      <p:bold r:id="rId25"/>
+      <p:italic r:id="rId26"/>
+      <p:boldItalic r:id="rId27"/>
     </p:embeddedFont>
   </p:embeddedFontLst>
   <p:defaultTextStyle>
@@ -1546,7 +1545,7 @@
   <p:cSld>
     <p:spTree>
       <p:nvGrpSpPr>
-        <p:cNvPr id="167" name="Shape 167"/>
+        <p:cNvPr id="166" name="Shape 166"/>
         <p:cNvGrpSpPr/>
         <p:nvPr/>
       </p:nvGrpSpPr>
@@ -1560,7 +1559,7 @@
       </p:grpSpPr>
       <p:sp>
         <p:nvSpPr>
-          <p:cNvPr id="168" name="Google Shape;168;g500896a7f1_1_104:notes"/>
+          <p:cNvPr id="167" name="Google Shape;167;g500896a7f1_1_104:notes"/>
           <p:cNvSpPr txBox="1"/>
           <p:nvPr>
             <p:ph idx="1" type="body"/>
@@ -1599,7 +1598,7 @@
       </p:sp>
       <p:sp>
         <p:nvSpPr>
-          <p:cNvPr id="169" name="Google Shape;169;g500896a7f1_1_104:notes"/>
+          <p:cNvPr id="168" name="Google Shape;168;g500896a7f1_1_104:notes"/>
           <p:cNvSpPr/>
           <p:nvPr>
             <p:ph idx="2" type="sldImg"/>
@@ -1645,7 +1644,7 @@
   <p:cSld>
     <p:spTree>
       <p:nvGrpSpPr>
-        <p:cNvPr id="174" name="Shape 174"/>
+        <p:cNvPr id="173" name="Shape 173"/>
         <p:cNvGrpSpPr/>
         <p:nvPr/>
       </p:nvGrpSpPr>
@@ -1659,7 +1658,7 @@
       </p:grpSpPr>
       <p:sp>
         <p:nvSpPr>
-          <p:cNvPr id="175" name="Google Shape;175;g500896a7f1_1_110:notes"/>
+          <p:cNvPr id="174" name="Google Shape;174;g500896a7f1_1_110:notes"/>
           <p:cNvSpPr txBox="1"/>
           <p:nvPr>
             <p:ph idx="1" type="body"/>
@@ -1698,7 +1697,7 @@
       </p:sp>
       <p:sp>
         <p:nvSpPr>
-          <p:cNvPr id="176" name="Google Shape;176;g500896a7f1_1_110:notes"/>
+          <p:cNvPr id="175" name="Google Shape;175;g500896a7f1_1_110:notes"/>
           <p:cNvSpPr/>
           <p:nvPr>
             <p:ph idx="2" type="sldImg"/>
@@ -1744,7 +1743,7 @@
   <p:cSld>
     <p:spTree>
       <p:nvGrpSpPr>
-        <p:cNvPr id="181" name="Shape 181"/>
+        <p:cNvPr id="180" name="Shape 180"/>
         <p:cNvGrpSpPr/>
         <p:nvPr/>
       </p:nvGrpSpPr>
@@ -1758,7 +1757,7 @@
       </p:grpSpPr>
       <p:sp>
         <p:nvSpPr>
-          <p:cNvPr id="182" name="Google Shape;182;g5d39b7d912_0_92:notes"/>
+          <p:cNvPr id="181" name="Google Shape;181;g5d39b7d912_0_92:notes"/>
           <p:cNvSpPr txBox="1"/>
           <p:nvPr>
             <p:ph idx="1" type="body"/>
@@ -1806,7 +1805,7 @@
       </p:sp>
       <p:sp>
         <p:nvSpPr>
-          <p:cNvPr id="183" name="Google Shape;183;g5d39b7d912_0_92:notes"/>
+          <p:cNvPr id="182" name="Google Shape;182;g5d39b7d912_0_92:notes"/>
           <p:cNvSpPr/>
           <p:nvPr>
             <p:ph idx="2" type="sldImg"/>
@@ -1852,7 +1851,7 @@
   <p:cSld>
     <p:spTree>
       <p:nvGrpSpPr>
-        <p:cNvPr id="189" name="Shape 189"/>
+        <p:cNvPr id="188" name="Shape 188"/>
         <p:cNvGrpSpPr/>
         <p:nvPr/>
       </p:nvGrpSpPr>
@@ -1866,110 +1865,7 @@
       </p:grpSpPr>
       <p:sp>
         <p:nvSpPr>
-          <p:cNvPr id="190" name="Google Shape;190;g5d39b7d912_0_99:notes"/>
-          <p:cNvSpPr txBox="1"/>
-          <p:nvPr>
-            <p:ph idx="1" type="body"/>
-          </p:nvPr>
-        </p:nvSpPr>
-        <p:spPr>
-          <a:xfrm>
-            <a:off x="685800" y="4400550"/>
-            <a:ext cx="5486400" cy="3600600"/>
-          </a:xfrm>
-          <a:prstGeom prst="rect">
-            <a:avLst/>
-          </a:prstGeom>
-        </p:spPr>
-        <p:txBody>
-          <a:bodyPr anchorCtr="0" anchor="t" bIns="45700" lIns="91425" spcFirstLastPara="1" rIns="91425" wrap="square" tIns="45700">
-            <a:noAutofit/>
-          </a:bodyPr>
-          <a:lstStyle/>
-          <a:p>
-            <a:pPr indent="0" lvl="0" marL="0" rtl="0" algn="l">
-              <a:spcBef>
-                <a:spcPts val="0"/>
-              </a:spcBef>
-              <a:spcAft>
-                <a:spcPts val="0"/>
-              </a:spcAft>
-              <a:buNone/>
-            </a:pPr>
-            <a:r>
-              <a:t/>
-            </a:r>
-            <a:endParaRPr>
-              <a:solidFill>
-                <a:srgbClr val="000000"/>
-              </a:solidFill>
-            </a:endParaRPr>
-          </a:p>
-        </p:txBody>
-      </p:sp>
-      <p:sp>
-        <p:nvSpPr>
-          <p:cNvPr id="191" name="Google Shape;191;g5d39b7d912_0_99:notes"/>
-          <p:cNvSpPr/>
-          <p:nvPr>
-            <p:ph idx="2" type="sldImg"/>
-          </p:nvPr>
-        </p:nvSpPr>
-        <p:spPr>
-          <a:xfrm>
-            <a:off x="685800" y="1143000"/>
-            <a:ext cx="5486400" cy="3086100"/>
-          </a:xfrm>
-          <a:custGeom>
-            <a:rect b="b" l="l" r="r" t="t"/>
-            <a:pathLst>
-              <a:path extrusionOk="0" h="120000" w="120000">
-                <a:moveTo>
-                  <a:pt x="0" y="0"/>
-                </a:moveTo>
-                <a:lnTo>
-                  <a:pt x="120000" y="0"/>
-                </a:lnTo>
-                <a:lnTo>
-                  <a:pt x="120000" y="120000"/>
-                </a:lnTo>
-                <a:lnTo>
-                  <a:pt x="0" y="120000"/>
-                </a:lnTo>
-                <a:close/>
-              </a:path>
-            </a:pathLst>
-          </a:custGeom>
-        </p:spPr>
-      </p:sp>
-    </p:spTree>
-  </p:cSld>
-  <p:clrMapOvr>
-    <a:masterClrMapping/>
-  </p:clrMapOvr>
-</p:notes>
-</file>
-
-<file path=ppt/notesSlides/notesSlide14.xml><?xml version="1.0" encoding="utf-8"?>
-<p:notes xmlns:a="http://schemas.openxmlformats.org/drawingml/2006/main" xmlns:r="http://schemas.openxmlformats.org/officeDocument/2006/relationships" xmlns:mc="http://schemas.openxmlformats.org/markup-compatibility/2006" xmlns:mv="urn:schemas-microsoft-com:mac:vml" xmlns:p="http://schemas.openxmlformats.org/presentationml/2006/main" xmlns:c="http://schemas.openxmlformats.org/drawingml/2006/chart" xmlns:dgm="http://schemas.openxmlformats.org/drawingml/2006/diagram" xmlns:o="urn:schemas-microsoft-com:office:office" xmlns:v="urn:schemas-microsoft-com:vml" xmlns:pvml="urn:schemas-microsoft-com:office:powerpoint" xmlns:com="http://schemas.openxmlformats.org/drawingml/2006/compatibility" xmlns:p14="http://schemas.microsoft.com/office/powerpoint/2010/main" xmlns:p15="http://schemas.microsoft.com/office/powerpoint/2012/main" showMasterPhAnim="0" showMasterSp="0">
-  <p:cSld>
-    <p:spTree>
-      <p:nvGrpSpPr>
-        <p:cNvPr id="196" name="Shape 196"/>
-        <p:cNvGrpSpPr/>
-        <p:nvPr/>
-      </p:nvGrpSpPr>
-      <p:grpSpPr>
-        <a:xfrm>
-          <a:off x="0" y="0"/>
-          <a:ext cx="0" cy="0"/>
-          <a:chOff x="0" y="0"/>
-          <a:chExt cx="0" cy="0"/>
-        </a:xfrm>
-      </p:grpSpPr>
-      <p:sp>
-        <p:nvSpPr>
-          <p:cNvPr id="197" name="Google Shape;197;g509d03fa30_2_6:notes"/>
+          <p:cNvPr id="189" name="Google Shape;189;g509d03fa30_2_6:notes"/>
           <p:cNvSpPr/>
           <p:nvPr>
             <p:ph idx="2" type="sldImg"/>
@@ -2004,7 +1900,7 @@
       </p:sp>
       <p:sp>
         <p:nvSpPr>
-          <p:cNvPr id="198" name="Google Shape;198;g509d03fa30_2_6:notes"/>
+          <p:cNvPr id="190" name="Google Shape;190;g509d03fa30_2_6:notes"/>
           <p:cNvSpPr txBox="1"/>
           <p:nvPr>
             <p:ph idx="1" type="body"/>
@@ -2043,7 +1939,7 @@
       </p:sp>
       <p:sp>
         <p:nvSpPr>
-          <p:cNvPr id="199" name="Google Shape;199;g509d03fa30_2_6:notes"/>
+          <p:cNvPr id="191" name="Google Shape;191;g509d03fa30_2_6:notes"/>
           <p:cNvSpPr txBox="1"/>
           <p:nvPr>
             <p:ph idx="12" type="sldNum"/>
@@ -2093,12 +1989,12 @@
 </p:notes>
 </file>
 
-<file path=ppt/notesSlides/notesSlide15.xml><?xml version="1.0" encoding="utf-8"?>
+<file path=ppt/notesSlides/notesSlide14.xml><?xml version="1.0" encoding="utf-8"?>
 <p:notes xmlns:a="http://schemas.openxmlformats.org/drawingml/2006/main" xmlns:r="http://schemas.openxmlformats.org/officeDocument/2006/relationships" xmlns:mc="http://schemas.openxmlformats.org/markup-compatibility/2006" xmlns:mv="urn:schemas-microsoft-com:mac:vml" xmlns:p="http://schemas.openxmlformats.org/presentationml/2006/main" xmlns:c="http://schemas.openxmlformats.org/drawingml/2006/chart" xmlns:dgm="http://schemas.openxmlformats.org/drawingml/2006/diagram" xmlns:o="urn:schemas-microsoft-com:office:office" xmlns:v="urn:schemas-microsoft-com:vml" xmlns:pvml="urn:schemas-microsoft-com:office:powerpoint" xmlns:com="http://schemas.openxmlformats.org/drawingml/2006/compatibility" xmlns:p14="http://schemas.microsoft.com/office/powerpoint/2010/main" xmlns:p15="http://schemas.microsoft.com/office/powerpoint/2012/main" showMasterPhAnim="0" showMasterSp="0">
   <p:cSld>
     <p:spTree>
       <p:nvGrpSpPr>
-        <p:cNvPr id="205" name="Shape 205"/>
+        <p:cNvPr id="197" name="Shape 197"/>
         <p:cNvGrpSpPr/>
         <p:nvPr/>
       </p:nvGrpSpPr>
@@ -2112,7 +2008,7 @@
       </p:grpSpPr>
       <p:sp>
         <p:nvSpPr>
-          <p:cNvPr id="206" name="Google Shape;206;g5d39b7d912_0_1:notes"/>
+          <p:cNvPr id="198" name="Google Shape;198;g5d39b7d912_0_1:notes"/>
           <p:cNvSpPr/>
           <p:nvPr>
             <p:ph idx="2" type="sldImg"/>
@@ -2147,7 +2043,7 @@
       </p:sp>
       <p:sp>
         <p:nvSpPr>
-          <p:cNvPr id="207" name="Google Shape;207;g5d39b7d912_0_1:notes"/>
+          <p:cNvPr id="199" name="Google Shape;199;g5d39b7d912_0_1:notes"/>
           <p:cNvSpPr txBox="1"/>
           <p:nvPr>
             <p:ph idx="1" type="body"/>
@@ -2186,7 +2082,7 @@
       </p:sp>
       <p:sp>
         <p:nvSpPr>
-          <p:cNvPr id="208" name="Google Shape;208;g5d39b7d912_0_1:notes"/>
+          <p:cNvPr id="200" name="Google Shape;200;g5d39b7d912_0_1:notes"/>
           <p:cNvSpPr txBox="1"/>
           <p:nvPr>
             <p:ph idx="12" type="sldNum"/>
@@ -3506,7 +3402,7 @@
   <p:cSld>
     <p:spTree>
       <p:nvGrpSpPr>
-        <p:cNvPr id="160" name="Shape 160"/>
+        <p:cNvPr id="159" name="Shape 159"/>
         <p:cNvGrpSpPr/>
         <p:nvPr/>
       </p:nvGrpSpPr>
@@ -3520,7 +3416,7 @@
       </p:grpSpPr>
       <p:sp>
         <p:nvSpPr>
-          <p:cNvPr id="161" name="Google Shape;161;g5076864104_0_148:notes"/>
+          <p:cNvPr id="160" name="Google Shape;160;g5076864104_0_148:notes"/>
           <p:cNvSpPr txBox="1"/>
           <p:nvPr>
             <p:ph idx="1" type="body"/>
@@ -3559,7 +3455,7 @@
       </p:sp>
       <p:sp>
         <p:nvSpPr>
-          <p:cNvPr id="162" name="Google Shape;162;g5076864104_0_148:notes"/>
+          <p:cNvPr id="161" name="Google Shape;161;g5076864104_0_148:notes"/>
           <p:cNvSpPr/>
           <p:nvPr>
             <p:ph idx="2" type="sldImg"/>
@@ -11040,7 +10936,7 @@
   <p:cSld>
     <p:spTree>
       <p:nvGrpSpPr>
-        <p:cNvPr id="170" name="Shape 170"/>
+        <p:cNvPr id="169" name="Shape 169"/>
         <p:cNvGrpSpPr/>
         <p:nvPr/>
       </p:nvGrpSpPr>
@@ -11054,7 +10950,7 @@
       </p:grpSpPr>
       <p:sp>
         <p:nvSpPr>
-          <p:cNvPr id="171" name="Google Shape;171;p23"/>
+          <p:cNvPr id="170" name="Google Shape;170;p23"/>
           <p:cNvSpPr txBox="1"/>
           <p:nvPr>
             <p:ph type="ctrTitle"/>
@@ -11114,7 +11010,7 @@
       </p:sp>
       <p:sp>
         <p:nvSpPr>
-          <p:cNvPr id="172" name="Google Shape;172;p23"/>
+          <p:cNvPr id="171" name="Google Shape;171;p23"/>
           <p:cNvSpPr txBox="1"/>
           <p:nvPr/>
         </p:nvSpPr>
@@ -11338,53 +11234,6 @@
             <a:r>
               <a:t/>
             </a:r>
-            <a:endParaRPr sz="2000" u="sng">
-              <a:solidFill>
-                <a:schemeClr val="accent1"/>
-              </a:solidFill>
-              <a:latin typeface="Lato"/>
-              <a:ea typeface="Lato"/>
-              <a:cs typeface="Lato"/>
-              <a:sym typeface="Lato"/>
-            </a:endParaRPr>
-          </a:p>
-          <a:p>
-            <a:pPr indent="0" lvl="0" marL="0" rtl="0" algn="l">
-              <a:lnSpc>
-                <a:spcPct val="115000"/>
-              </a:lnSpc>
-              <a:spcBef>
-                <a:spcPts val="0"/>
-              </a:spcBef>
-              <a:spcAft>
-                <a:spcPts val="0"/>
-              </a:spcAft>
-              <a:buNone/>
-            </a:pPr>
-            <a:r>
-              <a:rPr lang="en-US" sz="2000" u="sng">
-                <a:solidFill>
-                  <a:schemeClr val="accent1"/>
-                </a:solidFill>
-                <a:latin typeface="Lato"/>
-                <a:ea typeface="Lato"/>
-                <a:cs typeface="Lato"/>
-                <a:sym typeface="Lato"/>
-              </a:rPr>
-              <a:t>Result</a:t>
-            </a:r>
-            <a:r>
-              <a:rPr lang="en-US" sz="2000">
-                <a:solidFill>
-                  <a:schemeClr val="accent1"/>
-                </a:solidFill>
-                <a:latin typeface="Lato"/>
-                <a:ea typeface="Lato"/>
-                <a:cs typeface="Lato"/>
-                <a:sym typeface="Lato"/>
-              </a:rPr>
-              <a:t>:  Changes the top (Old) record value to bottom (New) values specified in “SET” keyword</a:t>
-            </a:r>
             <a:endParaRPr sz="2000">
               <a:solidFill>
                 <a:schemeClr val="accent1"/>
@@ -11409,7 +11258,28 @@
               <a:buNone/>
             </a:pPr>
             <a:r>
-              <a:t/>
+              <a:rPr lang="en-US" sz="2000" u="sng">
+                <a:solidFill>
+                  <a:schemeClr val="accent1"/>
+                </a:solidFill>
+                <a:latin typeface="Lato"/>
+                <a:ea typeface="Lato"/>
+                <a:cs typeface="Lato"/>
+                <a:sym typeface="Lato"/>
+              </a:rPr>
+              <a:t>Result</a:t>
+            </a:r>
+            <a:r>
+              <a:rPr lang="en-US" sz="2000">
+                <a:solidFill>
+                  <a:schemeClr val="accent1"/>
+                </a:solidFill>
+                <a:latin typeface="Lato"/>
+                <a:ea typeface="Lato"/>
+                <a:cs typeface="Lato"/>
+                <a:sym typeface="Lato"/>
+              </a:rPr>
+              <a:t>:  Changes the top (Old) record value to bottom (New) values specified in “SET” keyword</a:t>
             </a:r>
             <a:endParaRPr sz="2000">
               <a:solidFill>
@@ -11499,11 +11369,37 @@
               <a:sym typeface="Lato"/>
             </a:endParaRPr>
           </a:p>
+          <a:p>
+            <a:pPr indent="0" lvl="0" marL="0" rtl="0" algn="l">
+              <a:lnSpc>
+                <a:spcPct val="115000"/>
+              </a:lnSpc>
+              <a:spcBef>
+                <a:spcPts val="0"/>
+              </a:spcBef>
+              <a:spcAft>
+                <a:spcPts val="0"/>
+              </a:spcAft>
+              <a:buNone/>
+            </a:pPr>
+            <a:r>
+              <a:t/>
+            </a:r>
+            <a:endParaRPr sz="2000">
+              <a:solidFill>
+                <a:schemeClr val="accent1"/>
+              </a:solidFill>
+              <a:latin typeface="Lato"/>
+              <a:ea typeface="Lato"/>
+              <a:cs typeface="Lato"/>
+              <a:sym typeface="Lato"/>
+            </a:endParaRPr>
+          </a:p>
         </p:txBody>
       </p:sp>
       <p:graphicFrame>
         <p:nvGraphicFramePr>
-          <p:cNvPr id="173" name="Google Shape;173;p23"/>
+          <p:cNvPr id="172" name="Google Shape;172;p23"/>
           <p:cNvGraphicFramePr/>
           <p:nvPr/>
         </p:nvGraphicFramePr>
@@ -11516,7 +11412,7 @@
             <a:tbl>
               <a:tblPr>
                 <a:noFill/>
-                <a:tableStyleId>{DBE9923D-6AE8-41DC-B2A5-6BA3C29A133A}</a:tableStyleId>
+                <a:tableStyleId>{7ACBC848-DCC8-4F75-A08A-4478A656580D}</a:tableStyleId>
               </a:tblPr>
               <a:tblGrid>
                 <a:gridCol w="931700"/>
@@ -11957,18 +11853,10 @@
                         <a:buNone/>
                       </a:pPr>
                       <a:r>
-                        <a:rPr b="1" lang="en-US">
-                          <a:solidFill>
-                            <a:srgbClr val="6AA84F"/>
-                          </a:solidFill>
-                        </a:rPr>
+                        <a:rPr b="1" lang="en-US"/>
                         <a:t>103</a:t>
                       </a:r>
-                      <a:endParaRPr b="1">
-                        <a:solidFill>
-                          <a:srgbClr val="6AA84F"/>
-                        </a:solidFill>
-                      </a:endParaRPr>
+                      <a:endParaRPr b="1"/>
                     </a:p>
                   </a:txBody>
                   <a:tcPr marT="91425" marB="91425" marR="91425" marL="91425">
@@ -11998,18 +11886,10 @@
                         <a:buNone/>
                       </a:pPr>
                       <a:r>
-                        <a:rPr b="1" lang="en-US">
-                          <a:solidFill>
-                            <a:srgbClr val="6AA84F"/>
-                          </a:solidFill>
-                        </a:rPr>
+                        <a:rPr b="1" lang="en-US"/>
                         <a:t>Atelier graphique</a:t>
                       </a:r>
-                      <a:endParaRPr b="1">
-                        <a:solidFill>
-                          <a:srgbClr val="6AA84F"/>
-                        </a:solidFill>
-                      </a:endParaRPr>
+                      <a:endParaRPr b="1"/>
                     </a:p>
                   </a:txBody>
                   <a:tcPr marT="91425" marB="91425" marR="91425" marL="91425">
@@ -12039,18 +11919,10 @@
                         <a:buNone/>
                       </a:pPr>
                       <a:r>
-                        <a:rPr b="1" lang="en-US">
-                          <a:solidFill>
-                            <a:srgbClr val="6AA84F"/>
-                          </a:solidFill>
-                        </a:rPr>
+                        <a:rPr b="1" lang="en-US"/>
                         <a:t>Schmitt</a:t>
                       </a:r>
-                      <a:endParaRPr b="1">
-                        <a:solidFill>
-                          <a:srgbClr val="6AA84F"/>
-                        </a:solidFill>
-                      </a:endParaRPr>
+                      <a:endParaRPr b="1"/>
                     </a:p>
                   </a:txBody>
                   <a:tcPr marT="91425" marB="91425" marR="91425" marL="91425">
@@ -12080,18 +11952,10 @@
                         <a:buNone/>
                       </a:pPr>
                       <a:r>
-                        <a:rPr b="1" lang="en-US">
-                          <a:solidFill>
-                            <a:srgbClr val="6AA84F"/>
-                          </a:solidFill>
-                        </a:rPr>
+                        <a:rPr b="1" lang="en-US"/>
                         <a:t>Carine </a:t>
                       </a:r>
-                      <a:endParaRPr b="1">
-                        <a:solidFill>
-                          <a:srgbClr val="6AA84F"/>
-                        </a:solidFill>
-                      </a:endParaRPr>
+                      <a:endParaRPr b="1"/>
                     </a:p>
                   </a:txBody>
                   <a:tcPr marT="91425" marB="91425" marR="91425" marL="91425">
@@ -12121,18 +11985,10 @@
                         <a:buNone/>
                       </a:pPr>
                       <a:r>
-                        <a:rPr b="1" lang="en-US">
-                          <a:solidFill>
-                            <a:srgbClr val="6AA84F"/>
-                          </a:solidFill>
-                        </a:rPr>
+                        <a:rPr b="1" lang="en-US"/>
                         <a:t>40.32.2555</a:t>
                       </a:r>
-                      <a:endParaRPr b="1">
-                        <a:solidFill>
-                          <a:srgbClr val="6AA84F"/>
-                        </a:solidFill>
-                      </a:endParaRPr>
+                      <a:endParaRPr b="1"/>
                     </a:p>
                   </a:txBody>
                   <a:tcPr marT="91425" marB="91425" marR="91425" marL="91425">
@@ -12162,18 +12018,10 @@
                         <a:buNone/>
                       </a:pPr>
                       <a:r>
-                        <a:rPr b="1" lang="en-US">
-                          <a:solidFill>
-                            <a:srgbClr val="6AA84F"/>
-                          </a:solidFill>
-                        </a:rPr>
+                        <a:rPr b="1" lang="en-US"/>
                         <a:t>54, rue Royale</a:t>
                       </a:r>
-                      <a:endParaRPr b="1">
-                        <a:solidFill>
-                          <a:srgbClr val="6AA84F"/>
-                        </a:solidFill>
-                      </a:endParaRPr>
+                      <a:endParaRPr b="1"/>
                     </a:p>
                   </a:txBody>
                   <a:tcPr marT="91425" marB="91425" marR="91425" marL="91425">
@@ -12203,18 +12051,10 @@
                         <a:buNone/>
                       </a:pPr>
                       <a:r>
-                        <a:rPr b="1" lang="en-US">
-                          <a:solidFill>
-                            <a:srgbClr val="6AA84F"/>
-                          </a:solidFill>
-                        </a:rPr>
+                        <a:rPr b="1" lang="en-US"/>
                         <a:t>NULL</a:t>
                       </a:r>
-                      <a:endParaRPr b="1">
-                        <a:solidFill>
-                          <a:srgbClr val="6AA84F"/>
-                        </a:solidFill>
-                      </a:endParaRPr>
+                      <a:endParaRPr b="1"/>
                     </a:p>
                   </a:txBody>
                   <a:tcPr marT="91425" marB="91425" marR="91425" marL="91425">
@@ -12244,18 +12084,10 @@
                         <a:buNone/>
                       </a:pPr>
                       <a:r>
-                        <a:rPr b="1" lang="en-US">
-                          <a:solidFill>
-                            <a:srgbClr val="6AA84F"/>
-                          </a:solidFill>
-                        </a:rPr>
+                        <a:rPr b="1" lang="en-US"/>
                         <a:t>Nantes</a:t>
                       </a:r>
-                      <a:endParaRPr b="1">
-                        <a:solidFill>
-                          <a:srgbClr val="6AA84F"/>
-                        </a:solidFill>
-                      </a:endParaRPr>
+                      <a:endParaRPr b="1"/>
                     </a:p>
                   </a:txBody>
                   <a:tcPr marT="91425" marB="91425" marR="91425" marL="91425">
@@ -12285,18 +12117,10 @@
                         <a:buNone/>
                       </a:pPr>
                       <a:r>
-                        <a:rPr b="1" lang="en-US">
-                          <a:solidFill>
-                            <a:srgbClr val="6AA84F"/>
-                          </a:solidFill>
-                        </a:rPr>
+                        <a:rPr b="1" lang="en-US"/>
                         <a:t>NULL</a:t>
                       </a:r>
-                      <a:endParaRPr b="1">
-                        <a:solidFill>
-                          <a:srgbClr val="6AA84F"/>
-                        </a:solidFill>
-                      </a:endParaRPr>
+                      <a:endParaRPr b="1"/>
                     </a:p>
                   </a:txBody>
                   <a:tcPr marT="91425" marB="91425" marR="91425" marL="91425">
@@ -12329,18 +12153,10 @@
                         <a:buNone/>
                       </a:pPr>
                       <a:r>
-                        <a:rPr b="1" lang="en-US">
-                          <a:solidFill>
-                            <a:srgbClr val="6AA84F"/>
-                          </a:solidFill>
-                        </a:rPr>
+                        <a:rPr b="1" lang="en-US"/>
                         <a:t>44000</a:t>
                       </a:r>
-                      <a:endParaRPr b="1">
-                        <a:solidFill>
-                          <a:srgbClr val="6AA84F"/>
-                        </a:solidFill>
-                      </a:endParaRPr>
+                      <a:endParaRPr b="1"/>
                     </a:p>
                   </a:txBody>
                   <a:tcPr marT="91425" marB="91425" marR="91425" marL="91425">
@@ -12370,18 +12186,10 @@
                         <a:buNone/>
                       </a:pPr>
                       <a:r>
-                        <a:rPr b="1" lang="en-US">
-                          <a:solidFill>
-                            <a:srgbClr val="6AA84F"/>
-                          </a:solidFill>
-                        </a:rPr>
+                        <a:rPr b="1" lang="en-US"/>
                         <a:t>France</a:t>
                       </a:r>
-                      <a:endParaRPr b="1">
-                        <a:solidFill>
-                          <a:srgbClr val="6AA84F"/>
-                        </a:solidFill>
-                      </a:endParaRPr>
+                      <a:endParaRPr b="1"/>
                     </a:p>
                   </a:txBody>
                   <a:tcPr marT="91425" marB="91425" marR="91425" marL="91425">
@@ -12414,18 +12222,10 @@
                         <a:buNone/>
                       </a:pPr>
                       <a:r>
-                        <a:rPr b="1" lang="en-US">
-                          <a:solidFill>
-                            <a:srgbClr val="6AA84F"/>
-                          </a:solidFill>
-                        </a:rPr>
+                        <a:rPr b="1" lang="en-US"/>
                         <a:t>1370</a:t>
                       </a:r>
-                      <a:endParaRPr b="1">
-                        <a:solidFill>
-                          <a:srgbClr val="6AA84F"/>
-                        </a:solidFill>
-                      </a:endParaRPr>
+                      <a:endParaRPr b="1"/>
                     </a:p>
                   </a:txBody>
                   <a:tcPr marT="91425" marB="91425" marR="91425" marL="91425">
@@ -12458,18 +12258,10 @@
                         <a:buNone/>
                       </a:pPr>
                       <a:r>
-                        <a:rPr b="1" lang="en-US">
-                          <a:solidFill>
-                            <a:srgbClr val="6AA84F"/>
-                          </a:solidFill>
-                        </a:rPr>
+                        <a:rPr b="1" lang="en-US"/>
                         <a:t>21000</a:t>
                       </a:r>
-                      <a:endParaRPr b="1">
-                        <a:solidFill>
-                          <a:srgbClr val="6AA84F"/>
-                        </a:solidFill>
-                      </a:endParaRPr>
+                      <a:endParaRPr b="1"/>
                     </a:p>
                   </a:txBody>
                   <a:tcPr marT="91425" marB="91425" marR="91425" marL="91425">
@@ -13400,7 +13192,7 @@
   <p:cSld>
     <p:spTree>
       <p:nvGrpSpPr>
-        <p:cNvPr id="177" name="Shape 177"/>
+        <p:cNvPr id="176" name="Shape 176"/>
         <p:cNvGrpSpPr/>
         <p:nvPr/>
       </p:nvGrpSpPr>
@@ -13414,7 +13206,7 @@
       </p:grpSpPr>
       <p:sp>
         <p:nvSpPr>
-          <p:cNvPr id="178" name="Google Shape;178;p24"/>
+          <p:cNvPr id="177" name="Google Shape;177;p24"/>
           <p:cNvSpPr txBox="1"/>
           <p:nvPr>
             <p:ph type="ctrTitle"/>
@@ -13474,7 +13266,7 @@
       </p:sp>
       <p:sp>
         <p:nvSpPr>
-          <p:cNvPr id="179" name="Google Shape;179;p24"/>
+          <p:cNvPr id="178" name="Google Shape;178;p24"/>
           <p:cNvSpPr txBox="1"/>
           <p:nvPr/>
         </p:nvSpPr>
@@ -13888,7 +13680,7 @@
       </p:sp>
       <p:graphicFrame>
         <p:nvGraphicFramePr>
-          <p:cNvPr id="180" name="Google Shape;180;p24"/>
+          <p:cNvPr id="179" name="Google Shape;179;p24"/>
           <p:cNvGraphicFramePr/>
           <p:nvPr/>
         </p:nvGraphicFramePr>
@@ -13901,7 +13693,7 @@
             <a:tbl>
               <a:tblPr>
                 <a:noFill/>
-                <a:tableStyleId>{DBE9923D-6AE8-41DC-B2A5-6BA3C29A133A}</a:tableStyleId>
+                <a:tableStyleId>{7ACBC848-DCC8-4F75-A08A-4478A656580D}</a:tableStyleId>
               </a:tblPr>
               <a:tblGrid>
                 <a:gridCol w="931700"/>
@@ -15174,7 +14966,7 @@
   <p:cSld>
     <p:spTree>
       <p:nvGrpSpPr>
-        <p:cNvPr id="184" name="Shape 184"/>
+        <p:cNvPr id="183" name="Shape 183"/>
         <p:cNvGrpSpPr/>
         <p:nvPr/>
       </p:nvGrpSpPr>
@@ -15188,7 +14980,7 @@
       </p:grpSpPr>
       <p:sp>
         <p:nvSpPr>
-          <p:cNvPr id="185" name="Google Shape;185;p25"/>
+          <p:cNvPr id="184" name="Google Shape;184;p25"/>
           <p:cNvSpPr txBox="1"/>
           <p:nvPr>
             <p:ph type="ctrTitle"/>
@@ -15244,7 +15036,7 @@
       </p:sp>
       <p:sp>
         <p:nvSpPr>
-          <p:cNvPr id="186" name="Google Shape;186;p25"/>
+          <p:cNvPr id="185" name="Google Shape;185;p25"/>
           <p:cNvSpPr txBox="1"/>
           <p:nvPr/>
         </p:nvSpPr>
@@ -15343,7 +15135,7 @@
       </p:sp>
       <p:sp>
         <p:nvSpPr>
-          <p:cNvPr id="187" name="Google Shape;187;p25"/>
+          <p:cNvPr id="186" name="Google Shape;186;p25"/>
           <p:cNvSpPr txBox="1"/>
           <p:nvPr/>
         </p:nvSpPr>
@@ -15547,7 +15339,7 @@
       </p:sp>
       <p:sp>
         <p:nvSpPr>
-          <p:cNvPr id="188" name="Google Shape;188;p25"/>
+          <p:cNvPr id="187" name="Google Shape;187;p25"/>
           <p:cNvSpPr txBox="1"/>
           <p:nvPr/>
         </p:nvSpPr>
@@ -15988,304 +15780,6 @@
         </p:nvSpPr>
         <p:spPr>
           <a:xfrm>
-            <a:off x="913795" y="609600"/>
-            <a:ext cx="10353900" cy="970500"/>
-          </a:xfrm>
-          <a:prstGeom prst="rect">
-            <a:avLst/>
-          </a:prstGeom>
-          <a:noFill/>
-          <a:ln>
-            <a:noFill/>
-          </a:ln>
-          <a:effectLst>
-            <a:outerShdw blurRad="25400">
-              <a:srgbClr val="000000">
-                <a:alpha val="45880"/>
-              </a:srgbClr>
-            </a:outerShdw>
-          </a:effectLst>
-        </p:spPr>
-        <p:txBody>
-          <a:bodyPr anchorCtr="0" anchor="ctr" bIns="45700" lIns="91425" spcFirstLastPara="1" rIns="91425" wrap="square" tIns="45700">
-            <a:noAutofit/>
-          </a:bodyPr>
-          <a:lstStyle/>
-          <a:p>
-            <a:pPr indent="0" lvl="0" marL="0" rtl="0" algn="l">
-              <a:spcBef>
-                <a:spcPts val="0"/>
-              </a:spcBef>
-              <a:spcAft>
-                <a:spcPts val="0"/>
-              </a:spcAft>
-              <a:buClr>
-                <a:schemeClr val="lt2"/>
-              </a:buClr>
-              <a:buSzPts val="4000"/>
-              <a:buFont typeface="Lustria"/>
-              <a:buNone/>
-            </a:pPr>
-            <a:r>
-              <a:rPr lang="en-US" sz="3600"/>
-              <a:t>Materialized View</a:t>
-            </a:r>
-            <a:endParaRPr sz="3600"/>
-          </a:p>
-        </p:txBody>
-      </p:sp>
-      <p:sp>
-        <p:nvSpPr>
-          <p:cNvPr id="194" name="Google Shape;194;p26"/>
-          <p:cNvSpPr txBox="1"/>
-          <p:nvPr/>
-        </p:nvSpPr>
-        <p:spPr>
-          <a:xfrm>
-            <a:off x="1045875" y="1688575"/>
-            <a:ext cx="6003300" cy="3000000"/>
-          </a:xfrm>
-          <a:prstGeom prst="rect">
-            <a:avLst/>
-          </a:prstGeom>
-          <a:noFill/>
-          <a:ln>
-            <a:noFill/>
-          </a:ln>
-        </p:spPr>
-        <p:txBody>
-          <a:bodyPr anchorCtr="0" anchor="t" bIns="91425" lIns="91425" spcFirstLastPara="1" rIns="91425" wrap="square" tIns="91425">
-            <a:noAutofit/>
-          </a:bodyPr>
-          <a:lstStyle/>
-          <a:p>
-            <a:pPr indent="0" lvl="0" marL="0" rtl="0" algn="l">
-              <a:spcBef>
-                <a:spcPts val="0"/>
-              </a:spcBef>
-              <a:spcAft>
-                <a:spcPts val="0"/>
-              </a:spcAft>
-              <a:buNone/>
-            </a:pPr>
-            <a:r>
-              <a:rPr lang="en-US" sz="2400">
-                <a:solidFill>
-                  <a:schemeClr val="accent1"/>
-                </a:solidFill>
-                <a:latin typeface="Lato"/>
-                <a:ea typeface="Lato"/>
-                <a:cs typeface="Lato"/>
-                <a:sym typeface="Lato"/>
-              </a:rPr>
-              <a:t>A view that is stored as a database object, containing the results of a query.  </a:t>
-            </a:r>
-            <a:br>
-              <a:rPr lang="en-US" sz="2400">
-                <a:solidFill>
-                  <a:schemeClr val="accent1"/>
-                </a:solidFill>
-                <a:latin typeface="Lato"/>
-                <a:ea typeface="Lato"/>
-                <a:cs typeface="Lato"/>
-                <a:sym typeface="Lato"/>
-              </a:rPr>
-            </a:br>
-            <a:br>
-              <a:rPr lang="en-US" sz="2400">
-                <a:solidFill>
-                  <a:schemeClr val="accent1"/>
-                </a:solidFill>
-                <a:latin typeface="Lato"/>
-                <a:ea typeface="Lato"/>
-                <a:cs typeface="Lato"/>
-                <a:sym typeface="Lato"/>
-              </a:rPr>
-            </a:br>
-            <a:r>
-              <a:rPr lang="en-US" sz="2400">
-                <a:solidFill>
-                  <a:schemeClr val="accent1"/>
-                </a:solidFill>
-                <a:latin typeface="Lato"/>
-                <a:ea typeface="Lato"/>
-                <a:cs typeface="Lato"/>
-                <a:sym typeface="Lato"/>
-              </a:rPr>
-              <a:t>The view’s calculations are stored as well, so it has increased performance speed.</a:t>
-            </a:r>
-            <a:br>
-              <a:rPr lang="en-US" sz="2400">
-                <a:solidFill>
-                  <a:schemeClr val="accent1"/>
-                </a:solidFill>
-                <a:latin typeface="Lato"/>
-                <a:ea typeface="Lato"/>
-                <a:cs typeface="Lato"/>
-                <a:sym typeface="Lato"/>
-              </a:rPr>
-            </a:br>
-            <a:br>
-              <a:rPr lang="en-US" sz="2400">
-                <a:solidFill>
-                  <a:schemeClr val="accent1"/>
-                </a:solidFill>
-                <a:latin typeface="Lato"/>
-                <a:ea typeface="Lato"/>
-                <a:cs typeface="Lato"/>
-                <a:sym typeface="Lato"/>
-              </a:rPr>
-            </a:br>
-            <a:r>
-              <a:rPr lang="en-US" sz="2400">
-                <a:solidFill>
-                  <a:schemeClr val="accent1"/>
-                </a:solidFill>
-                <a:latin typeface="Lato"/>
-                <a:ea typeface="Lato"/>
-                <a:cs typeface="Lato"/>
-                <a:sym typeface="Lato"/>
-              </a:rPr>
-              <a:t>It can be refreshed as the tables it draws from are updated at various intervals.</a:t>
-            </a:r>
-            <a:br>
-              <a:rPr lang="en-US" sz="2400">
-                <a:solidFill>
-                  <a:schemeClr val="accent1"/>
-                </a:solidFill>
-                <a:latin typeface="Lato"/>
-                <a:ea typeface="Lato"/>
-                <a:cs typeface="Lato"/>
-                <a:sym typeface="Lato"/>
-              </a:rPr>
-            </a:br>
-            <a:br>
-              <a:rPr lang="en-US" sz="2400">
-                <a:solidFill>
-                  <a:schemeClr val="accent1"/>
-                </a:solidFill>
-                <a:latin typeface="Lato"/>
-                <a:ea typeface="Lato"/>
-                <a:cs typeface="Lato"/>
-                <a:sym typeface="Lato"/>
-              </a:rPr>
-            </a:br>
-            <a:r>
-              <a:rPr lang="en-US" sz="2400">
-                <a:solidFill>
-                  <a:schemeClr val="accent1"/>
-                </a:solidFill>
-                <a:latin typeface="Lato"/>
-                <a:ea typeface="Lato"/>
-                <a:cs typeface="Lato"/>
-                <a:sym typeface="Lato"/>
-              </a:rPr>
-              <a:t>Used to call up or perform calculations on data without changing the underlying base tables.</a:t>
-            </a:r>
-            <a:br>
-              <a:rPr lang="en-US" sz="2000">
-                <a:solidFill>
-                  <a:schemeClr val="accent1"/>
-                </a:solidFill>
-                <a:latin typeface="Lato"/>
-                <a:ea typeface="Lato"/>
-                <a:cs typeface="Lato"/>
-                <a:sym typeface="Lato"/>
-              </a:rPr>
-            </a:br>
-            <a:endParaRPr sz="1800"/>
-          </a:p>
-          <a:p>
-            <a:pPr indent="0" lvl="0" marL="0" rtl="0" algn="l">
-              <a:lnSpc>
-                <a:spcPct val="115000"/>
-              </a:lnSpc>
-              <a:spcBef>
-                <a:spcPts val="0"/>
-              </a:spcBef>
-              <a:spcAft>
-                <a:spcPts val="0"/>
-              </a:spcAft>
-              <a:buNone/>
-            </a:pPr>
-            <a:r>
-              <a:t/>
-            </a:r>
-            <a:endParaRPr sz="2000">
-              <a:solidFill>
-                <a:schemeClr val="accent1"/>
-              </a:solidFill>
-              <a:latin typeface="Lato"/>
-              <a:ea typeface="Lato"/>
-              <a:cs typeface="Lato"/>
-              <a:sym typeface="Lato"/>
-            </a:endParaRPr>
-          </a:p>
-        </p:txBody>
-      </p:sp>
-      <p:pic>
-        <p:nvPicPr>
-          <p:cNvPr id="195" name="Google Shape;195;p26"/>
-          <p:cNvPicPr preferRelativeResize="0"/>
-          <p:nvPr/>
-        </p:nvPicPr>
-        <p:blipFill>
-          <a:blip r:embed="rId3">
-            <a:alphaModFix/>
-          </a:blip>
-          <a:stretch>
-            <a:fillRect/>
-          </a:stretch>
-        </p:blipFill>
-        <p:spPr>
-          <a:xfrm>
-            <a:off x="6775750" y="2600327"/>
-            <a:ext cx="5416249" cy="2088250"/>
-          </a:xfrm>
-          <a:prstGeom prst="rect">
-            <a:avLst/>
-          </a:prstGeom>
-          <a:noFill/>
-          <a:ln>
-            <a:noFill/>
-          </a:ln>
-        </p:spPr>
-      </p:pic>
-    </p:spTree>
-  </p:cSld>
-  <p:clrMapOvr>
-    <a:masterClrMapping/>
-  </p:clrMapOvr>
-</p:sld>
-</file>
-
-<file path=ppt/slides/slide14.xml><?xml version="1.0" encoding="utf-8"?>
-<p:sld xmlns:a="http://schemas.openxmlformats.org/drawingml/2006/main" xmlns:r="http://schemas.openxmlformats.org/officeDocument/2006/relationships" xmlns:mc="http://schemas.openxmlformats.org/markup-compatibility/2006" xmlns:mv="urn:schemas-microsoft-com:mac:vml" xmlns:p="http://schemas.openxmlformats.org/presentationml/2006/main" xmlns:c="http://schemas.openxmlformats.org/drawingml/2006/chart" xmlns:dgm="http://schemas.openxmlformats.org/drawingml/2006/diagram" xmlns:o="urn:schemas-microsoft-com:office:office" xmlns:v="urn:schemas-microsoft-com:vml" xmlns:pvml="urn:schemas-microsoft-com:office:powerpoint" xmlns:com="http://schemas.openxmlformats.org/drawingml/2006/compatibility" xmlns:p14="http://schemas.microsoft.com/office/powerpoint/2010/main" xmlns:p15="http://schemas.microsoft.com/office/powerpoint/2012/main">
-  <p:cSld>
-    <p:spTree>
-      <p:nvGrpSpPr>
-        <p:cNvPr id="200" name="Shape 200"/>
-        <p:cNvGrpSpPr/>
-        <p:nvPr/>
-      </p:nvGrpSpPr>
-      <p:grpSpPr>
-        <a:xfrm>
-          <a:off x="0" y="0"/>
-          <a:ext cx="0" cy="0"/>
-          <a:chOff x="0" y="0"/>
-          <a:chExt cx="0" cy="0"/>
-        </a:xfrm>
-      </p:grpSpPr>
-      <p:sp>
-        <p:nvSpPr>
-          <p:cNvPr id="201" name="Google Shape;201;p27"/>
-          <p:cNvSpPr txBox="1"/>
-          <p:nvPr>
-            <p:ph type="ctrTitle"/>
-          </p:nvPr>
-        </p:nvSpPr>
-        <p:spPr>
-          <a:xfrm>
             <a:off x="972825" y="697317"/>
             <a:ext cx="10250700" cy="2219700"/>
           </a:xfrm>
@@ -16318,7 +15812,7 @@
       </p:sp>
       <p:sp>
         <p:nvSpPr>
-          <p:cNvPr id="202" name="Google Shape;202;p27"/>
+          <p:cNvPr id="194" name="Google Shape;194;p26"/>
           <p:cNvSpPr txBox="1"/>
           <p:nvPr/>
         </p:nvSpPr>
@@ -16356,7 +15850,7 @@
             </a:r>
             <a:r>
               <a:rPr b="1" lang="en-US" sz="1800" u="sng"/>
-              <a:t>Manipultaion</a:t>
+              <a:t>Manipulation</a:t>
             </a:r>
             <a:endParaRPr b="1" sz="1800" u="sng"/>
           </a:p>
@@ -16422,7 +15916,7 @@
             </a:r>
             <a:r>
               <a:rPr lang="en-US" sz="1800"/>
-              <a:t>Create a table in “MissingPersons” schema named “person”, with the following qualities:  </a:t>
+              <a:t>Create a table in “MissingPersons” schema named “Person”, with the following qualities:  </a:t>
             </a:r>
             <a:endParaRPr sz="1800"/>
           </a:p>
@@ -16554,7 +16048,7 @@
             </a:pPr>
             <a:r>
               <a:rPr lang="en-US" sz="1800"/>
-              <a:t>(1,'Doe','Jane',42,F') ,(2,'Doe','John',57,M'),</a:t>
+              <a:t>(1,'Doe','Jane',42,’F’) ,(2,'Doe','John',57,’M’),</a:t>
             </a:r>
             <a:endParaRPr sz="1800"/>
           </a:p>
@@ -16570,7 +16064,7 @@
             </a:pPr>
             <a:r>
               <a:rPr lang="en-US" sz="1800"/>
-              <a:t>(3,'Presley','Elvis',82,M') ,(4,'Shakur','Tupac',49,M')</a:t>
+              <a:t>(3,'Presley','Elvis',82,’M') ,(4,'Shakur','Tupac',49,’M’)</a:t>
             </a:r>
             <a:endParaRPr sz="1800"/>
           </a:p>
@@ -16627,7 +16121,7 @@
       </p:sp>
       <p:pic>
         <p:nvPicPr>
-          <p:cNvPr id="203" name="Google Shape;203;p27"/>
+          <p:cNvPr id="195" name="Google Shape;195;p26"/>
           <p:cNvPicPr preferRelativeResize="0"/>
           <p:nvPr/>
         </p:nvPicPr>
@@ -16655,7 +16149,7 @@
       </p:pic>
       <p:sp>
         <p:nvSpPr>
-          <p:cNvPr id="204" name="Google Shape;204;p27"/>
+          <p:cNvPr id="196" name="Google Shape;196;p26"/>
           <p:cNvSpPr txBox="1"/>
           <p:nvPr/>
         </p:nvSpPr>
@@ -16763,7 +16257,7 @@
             </a:pPr>
             <a:r>
               <a:rPr lang="en-US" sz="1800"/>
-              <a:t>8. drop the “person” table from the “MissingPersons” schema.</a:t>
+              <a:t>8. drop the “Person” table from the “MissingPersons” schema.</a:t>
             </a:r>
             <a:endParaRPr/>
           </a:p>
@@ -16777,12 +16271,12 @@
 </p:sld>
 </file>
 
-<file path=ppt/slides/slide15.xml><?xml version="1.0" encoding="utf-8"?>
+<file path=ppt/slides/slide14.xml><?xml version="1.0" encoding="utf-8"?>
 <p:sld xmlns:a="http://schemas.openxmlformats.org/drawingml/2006/main" xmlns:r="http://schemas.openxmlformats.org/officeDocument/2006/relationships" xmlns:mc="http://schemas.openxmlformats.org/markup-compatibility/2006" xmlns:mv="urn:schemas-microsoft-com:mac:vml" xmlns:p="http://schemas.openxmlformats.org/presentationml/2006/main" xmlns:c="http://schemas.openxmlformats.org/drawingml/2006/chart" xmlns:dgm="http://schemas.openxmlformats.org/drawingml/2006/diagram" xmlns:o="urn:schemas-microsoft-com:office:office" xmlns:v="urn:schemas-microsoft-com:vml" xmlns:pvml="urn:schemas-microsoft-com:office:powerpoint" xmlns:com="http://schemas.openxmlformats.org/drawingml/2006/compatibility" xmlns:p14="http://schemas.microsoft.com/office/powerpoint/2010/main" xmlns:p15="http://schemas.microsoft.com/office/powerpoint/2012/main">
   <p:cSld>
     <p:spTree>
       <p:nvGrpSpPr>
-        <p:cNvPr id="209" name="Shape 209"/>
+        <p:cNvPr id="201" name="Shape 201"/>
         <p:cNvGrpSpPr/>
         <p:nvPr/>
       </p:nvGrpSpPr>
@@ -16796,7 +16290,7 @@
       </p:grpSpPr>
       <p:sp>
         <p:nvSpPr>
-          <p:cNvPr id="210" name="Google Shape;210;p28"/>
+          <p:cNvPr id="202" name="Google Shape;202;p27"/>
           <p:cNvSpPr txBox="1"/>
           <p:nvPr>
             <p:ph type="ctrTitle"/>
@@ -16836,7 +16330,7 @@
       </p:sp>
       <p:sp>
         <p:nvSpPr>
-          <p:cNvPr id="211" name="Google Shape;211;p28"/>
+          <p:cNvPr id="203" name="Google Shape;203;p27"/>
           <p:cNvSpPr txBox="1"/>
           <p:nvPr/>
         </p:nvSpPr>
@@ -16870,7 +16364,7 @@
             </a:pPr>
             <a:r>
               <a:rPr b="1" lang="en-US" sz="1800" u="sng"/>
-              <a:t>Data Storage &amp; Manipultaion</a:t>
+              <a:t>Data Storage &amp; Manipulation</a:t>
             </a:r>
             <a:endParaRPr b="1" sz="1800" u="sng"/>
           </a:p>
@@ -17066,7 +16560,7 @@
       </p:sp>
       <p:pic>
         <p:nvPicPr>
-          <p:cNvPr id="212" name="Google Shape;212;p28"/>
+          <p:cNvPr id="204" name="Google Shape;204;p27"/>
           <p:cNvPicPr preferRelativeResize="0"/>
           <p:nvPr/>
         </p:nvPicPr>
@@ -19921,77 +19415,7 @@
                 <a:cs typeface="Lato"/>
                 <a:sym typeface="Lato"/>
               </a:rPr>
-              <a:t>PRIMARY KEY (`customerNumber`),</a:t>
-            </a:r>
-            <a:br>
-              <a:rPr b="1" lang="en-US">
-                <a:solidFill>
-                  <a:srgbClr val="FF9900"/>
-                </a:solidFill>
-                <a:latin typeface="Lato"/>
-                <a:ea typeface="Lato"/>
-                <a:cs typeface="Lato"/>
-                <a:sym typeface="Lato"/>
-              </a:rPr>
-            </a:br>
-            <a:r>
-              <a:rPr b="1" lang="en-US">
-                <a:solidFill>
-                  <a:srgbClr val="FF9900"/>
-                </a:solidFill>
-                <a:latin typeface="Lato"/>
-                <a:ea typeface="Lato"/>
-                <a:cs typeface="Lato"/>
-                <a:sym typeface="Lato"/>
-              </a:rPr>
-              <a:t>  KEY `salesRepEmployeeNumber` (`salesRepEmployeeNumber`),</a:t>
-            </a:r>
-            <a:br>
-              <a:rPr b="1" lang="en-US">
-                <a:solidFill>
-                  <a:srgbClr val="FF9900"/>
-                </a:solidFill>
-                <a:latin typeface="Lato"/>
-                <a:ea typeface="Lato"/>
-                <a:cs typeface="Lato"/>
-                <a:sym typeface="Lato"/>
-              </a:rPr>
-            </a:br>
-            <a:r>
-              <a:rPr lang="en-US">
-                <a:solidFill>
-                  <a:srgbClr val="3D85C6"/>
-                </a:solidFill>
-                <a:latin typeface="Lato"/>
-                <a:ea typeface="Lato"/>
-                <a:cs typeface="Lato"/>
-                <a:sym typeface="Lato"/>
-              </a:rPr>
-              <a:t>  CONSTRAINT `customers_ibfk_1` </a:t>
-            </a:r>
-            <a:r>
-              <a:rPr lang="en-US">
-                <a:solidFill>
-                  <a:srgbClr val="FF9900"/>
-                </a:solidFill>
-                <a:latin typeface="Lato"/>
-                <a:ea typeface="Lato"/>
-                <a:cs typeface="Lato"/>
-                <a:sym typeface="Lato"/>
-              </a:rPr>
-              <a:t>FOREIGN KEY (`salesRepEmployeeNumber`) REFERENCES `employees` (`employeeNumber`))</a:t>
-            </a:r>
-            <a:r>
-              <a:rPr lang="en-US">
-                <a:solidFill>
-                  <a:schemeClr val="accent1"/>
-                </a:solidFill>
-                <a:latin typeface="Lato"/>
-                <a:ea typeface="Lato"/>
-                <a:cs typeface="Lato"/>
-                <a:sym typeface="Lato"/>
-              </a:rPr>
-              <a:t>;</a:t>
+              <a:t>PRIMARY KEY (`customerNumber`);</a:t>
             </a:r>
             <a:endParaRPr>
               <a:solidFill>
@@ -20622,15 +20046,36 @@
               <a:buNone/>
             </a:pPr>
             <a:r>
+              <a:rPr lang="en-US" sz="1800" u="sng"/>
+              <a:t>Add Column </a:t>
+            </a:r>
+            <a:endParaRPr sz="1800" u="sng"/>
+          </a:p>
+          <a:p>
+            <a:pPr indent="0" lvl="0" marL="0" rtl="0" algn="l">
+              <a:spcBef>
+                <a:spcPts val="0"/>
+              </a:spcBef>
+              <a:spcAft>
+                <a:spcPts val="0"/>
+              </a:spcAft>
+              <a:buClr>
+                <a:srgbClr val="000000"/>
+              </a:buClr>
+              <a:buSzPts val="1100"/>
+              <a:buFont typeface="Arial"/>
+              <a:buNone/>
+            </a:pPr>
+            <a:r>
               <a:rPr lang="en-US" sz="1800"/>
-              <a:t>Add Column -  ALTER TABLE customers</a:t>
+              <a:t>ALTER TABLE customers</a:t>
             </a:r>
             <a:br>
               <a:rPr lang="en-US" sz="1800"/>
             </a:br>
             <a:r>
               <a:rPr lang="en-US" sz="1800"/>
-              <a:t>  ADD column_name varchar(255);</a:t>
+              <a:t>ADD column_name varchar(255);</a:t>
             </a:r>
             <a:endParaRPr sz="1800"/>
           </a:p>
@@ -20662,29 +20107,19 @@
           </a:p>
           <a:p>
             <a:pPr indent="0" lvl="0" marL="0" rtl="0" algn="l">
-              <a:lnSpc>
-                <a:spcPct val="115000"/>
-              </a:lnSpc>
-              <a:spcBef>
-                <a:spcPts val="0"/>
-              </a:spcBef>
-              <a:spcAft>
-                <a:spcPts val="0"/>
-              </a:spcAft>
-              <a:buNone/>
-            </a:pPr>
-            <a:r>
-              <a:t/>
-            </a:r>
-            <a:endParaRPr sz="2000">
-              <a:solidFill>
-                <a:schemeClr val="accent1"/>
-              </a:solidFill>
-              <a:latin typeface="Lato"/>
-              <a:ea typeface="Lato"/>
-              <a:cs typeface="Lato"/>
-              <a:sym typeface="Lato"/>
-            </a:endParaRPr>
+              <a:spcBef>
+                <a:spcPts val="0"/>
+              </a:spcBef>
+              <a:spcAft>
+                <a:spcPts val="0"/>
+              </a:spcAft>
+              <a:buNone/>
+            </a:pPr>
+            <a:r>
+              <a:rPr lang="en-US" sz="1800" u="sng"/>
+              <a:t>Drop Column </a:t>
+            </a:r>
+            <a:endParaRPr sz="1800" u="sng"/>
           </a:p>
           <a:p>
             <a:pPr indent="0" lvl="0" marL="0" rtl="0" algn="l">
@@ -20698,14 +20133,14 @@
             </a:pPr>
             <a:r>
               <a:rPr lang="en-US" sz="1800"/>
-              <a:t>Drop Column -  ALTER TABLE customers</a:t>
+              <a:t>ALTER TABLE customers</a:t>
             </a:r>
             <a:br>
               <a:rPr lang="en-US" sz="1800"/>
             </a:br>
             <a:r>
               <a:rPr lang="en-US" sz="1800"/>
-              <a:t>  Drop column_name;</a:t>
+              <a:t>Drop column_name;</a:t>
             </a:r>
             <a:endParaRPr sz="1800"/>
           </a:p>
@@ -20735,9 +20170,10 @@
               <a:buNone/>
             </a:pPr>
             <a:r>
-              <a:t/>
-            </a:r>
-            <a:endParaRPr sz="1800"/>
+              <a:rPr lang="en-US" sz="1800" u="sng"/>
+              <a:t>Drop Constraint </a:t>
+            </a:r>
+            <a:endParaRPr sz="1800" u="sng"/>
           </a:p>
           <a:p>
             <a:pPr indent="0" lvl="0" marL="0" rtl="0" algn="l">
@@ -20750,23 +20186,8 @@
               <a:buNone/>
             </a:pPr>
             <a:r>
-              <a:t/>
-            </a:r>
-            <a:endParaRPr sz="1800"/>
-          </a:p>
-          <a:p>
-            <a:pPr indent="0" lvl="0" marL="0" rtl="0" algn="l">
-              <a:spcBef>
-                <a:spcPts val="0"/>
-              </a:spcBef>
-              <a:spcAft>
-                <a:spcPts val="0"/>
-              </a:spcAft>
-              <a:buNone/>
-            </a:pPr>
-            <a:r>
               <a:rPr lang="en-US" sz="1800"/>
-              <a:t>Drop Constraint -  DROP constraint `customers_ibfk_1`;</a:t>
+              <a:t>DROP constraint `customers_ibfk_1`;</a:t>
             </a:r>
             <a:endParaRPr sz="1800"/>
           </a:p>
@@ -20816,49 +20237,29 @@
               <a:buNone/>
             </a:pPr>
             <a:r>
+              <a:rPr lang="en-US" sz="1800" u="sng"/>
+              <a:t>Delete</a:t>
+            </a:r>
+            <a:endParaRPr sz="1800" u="sng"/>
+          </a:p>
+          <a:p>
+            <a:pPr indent="0" lvl="0" marL="0" rtl="0" algn="l">
+              <a:spcBef>
+                <a:spcPts val="0"/>
+              </a:spcBef>
+              <a:spcAft>
+                <a:spcPts val="0"/>
+              </a:spcAft>
+              <a:buClr>
+                <a:srgbClr val="000000"/>
+              </a:buClr>
+              <a:buSzPts val="1100"/>
+              <a:buFont typeface="Arial"/>
+              <a:buNone/>
+            </a:pPr>
+            <a:r>
               <a:rPr lang="en-US" sz="1800"/>
-              <a:t>Delete -  DROP TABLE IF EXISTS `customers`;</a:t>
-            </a:r>
-            <a:endParaRPr sz="1800"/>
-          </a:p>
-        </p:txBody>
-      </p:sp>
-      <p:sp>
-        <p:nvSpPr>
-          <p:cNvPr id="155" name="Google Shape;155;p21"/>
-          <p:cNvSpPr txBox="1"/>
-          <p:nvPr/>
-        </p:nvSpPr>
-        <p:spPr>
-          <a:xfrm>
-            <a:off x="1150875" y="4971350"/>
-            <a:ext cx="5188500" cy="3000000"/>
-          </a:xfrm>
-          <a:prstGeom prst="rect">
-            <a:avLst/>
-          </a:prstGeom>
-          <a:noFill/>
-          <a:ln>
-            <a:noFill/>
-          </a:ln>
-        </p:spPr>
-        <p:txBody>
-          <a:bodyPr anchorCtr="0" anchor="t" bIns="91425" lIns="91425" spcFirstLastPara="1" rIns="91425" wrap="square" tIns="91425">
-            <a:noAutofit/>
-          </a:bodyPr>
-          <a:lstStyle/>
-          <a:p>
-            <a:pPr indent="0" lvl="0" marL="0" rtl="0" algn="l">
-              <a:spcBef>
-                <a:spcPts val="0"/>
-              </a:spcBef>
-              <a:spcAft>
-                <a:spcPts val="0"/>
-              </a:spcAft>
-              <a:buNone/>
-            </a:pPr>
-            <a:r>
-              <a:t/>
+              <a:t>DROP TABLE IF EXISTS `customers`;</a:t>
             </a:r>
             <a:endParaRPr sz="1800"/>
           </a:p>
@@ -20866,7 +20267,7 @@
       </p:sp>
       <p:pic>
         <p:nvPicPr>
-          <p:cNvPr id="156" name="Google Shape;156;p21"/>
+          <p:cNvPr id="155" name="Google Shape;155;p21"/>
           <p:cNvPicPr preferRelativeResize="0"/>
           <p:nvPr/>
         </p:nvPicPr>
@@ -20894,9 +20295,9 @@
       </p:pic>
       <p:cxnSp>
         <p:nvCxnSpPr>
-          <p:cNvPr id="157" name="Google Shape;157;p21"/>
+          <p:cNvPr id="156" name="Google Shape;156;p21"/>
           <p:cNvCxnSpPr>
-            <a:endCxn id="156" idx="1"/>
+            <a:endCxn id="155" idx="1"/>
           </p:cNvCxnSpPr>
           <p:nvPr/>
         </p:nvCxnSpPr>
@@ -20922,7 +20323,7 @@
       </p:cxnSp>
       <p:pic>
         <p:nvPicPr>
-          <p:cNvPr id="158" name="Google Shape;158;p21"/>
+          <p:cNvPr id="157" name="Google Shape;157;p21"/>
           <p:cNvPicPr preferRelativeResize="0"/>
           <p:nvPr/>
         </p:nvPicPr>
@@ -20950,14 +20351,14 @@
       </p:pic>
       <p:cxnSp>
         <p:nvCxnSpPr>
-          <p:cNvPr id="159" name="Google Shape;159;p21"/>
+          <p:cNvPr id="158" name="Google Shape;158;p21"/>
           <p:cNvCxnSpPr/>
           <p:nvPr/>
         </p:nvCxnSpPr>
         <p:spPr>
           <a:xfrm>
-            <a:off x="5112850" y="2863750"/>
-            <a:ext cx="3631800" cy="2107500"/>
+            <a:off x="4615550" y="3048000"/>
+            <a:ext cx="4129200" cy="1923300"/>
           </a:xfrm>
           <a:prstGeom prst="straightConnector1">
             <a:avLst/>
@@ -20987,7 +20388,7 @@
   <p:cSld>
     <p:spTree>
       <p:nvGrpSpPr>
-        <p:cNvPr id="163" name="Shape 163"/>
+        <p:cNvPr id="162" name="Shape 162"/>
         <p:cNvGrpSpPr/>
         <p:nvPr/>
       </p:nvGrpSpPr>
@@ -21001,7 +20402,7 @@
       </p:grpSpPr>
       <p:sp>
         <p:nvSpPr>
-          <p:cNvPr id="164" name="Google Shape;164;p22"/>
+          <p:cNvPr id="163" name="Google Shape;163;p22"/>
           <p:cNvSpPr txBox="1"/>
           <p:nvPr>
             <p:ph type="ctrTitle"/>
@@ -21057,7 +20458,7 @@
       </p:sp>
       <p:sp>
         <p:nvSpPr>
-          <p:cNvPr id="165" name="Google Shape;165;p22"/>
+          <p:cNvPr id="164" name="Google Shape;164;p22"/>
           <p:cNvSpPr txBox="1"/>
           <p:nvPr/>
         </p:nvSpPr>
@@ -21525,7 +20926,7 @@
       </p:sp>
       <p:graphicFrame>
         <p:nvGraphicFramePr>
-          <p:cNvPr id="166" name="Google Shape;166;p22"/>
+          <p:cNvPr id="165" name="Google Shape;165;p22"/>
           <p:cNvGraphicFramePr/>
           <p:nvPr/>
         </p:nvGraphicFramePr>
@@ -21538,7 +20939,7 @@
             <a:tbl>
               <a:tblPr>
                 <a:noFill/>
-                <a:tableStyleId>{DBE9923D-6AE8-41DC-B2A5-6BA3C29A133A}</a:tableStyleId>
+                <a:tableStyleId>{7ACBC848-DCC8-4F75-A08A-4478A656580D}</a:tableStyleId>
               </a:tblPr>
               <a:tblGrid>
                 <a:gridCol w="931700"/>

--- a/Lectures/Manipulating Data Pt. 1 (3).pptx
+++ b/Lectures/Manipulating Data Pt. 1 (3).pptx
@@ -11412,7 +11412,7 @@
             <a:tbl>
               <a:tblPr>
                 <a:noFill/>
-                <a:tableStyleId>{7ACBC848-DCC8-4F75-A08A-4478A656580D}</a:tableStyleId>
+                <a:tableStyleId>{0921B11A-8876-4E93-BBED-F353948CA6A3}</a:tableStyleId>
               </a:tblPr>
               <a:tblGrid>
                 <a:gridCol w="931700"/>
@@ -13693,7 +13693,7 @@
             <a:tbl>
               <a:tblPr>
                 <a:noFill/>
-                <a:tableStyleId>{7ACBC848-DCC8-4F75-A08A-4478A656580D}</a:tableStyleId>
+                <a:tableStyleId>{0921B11A-8876-4E93-BBED-F353948CA6A3}</a:tableStyleId>
               </a:tblPr>
               <a:tblGrid>
                 <a:gridCol w="931700"/>
@@ -20939,7 +20939,7 @@
             <a:tbl>
               <a:tblPr>
                 <a:noFill/>
-                <a:tableStyleId>{7ACBC848-DCC8-4F75-A08A-4478A656580D}</a:tableStyleId>
+                <a:tableStyleId>{0921B11A-8876-4E93-BBED-F353948CA6A3}</a:tableStyleId>
               </a:tblPr>
               <a:tblGrid>
                 <a:gridCol w="931700"/>
